--- a/NWTest.pptx
+++ b/NWTest.pptx
@@ -243,7 +243,7 @@
           <a:p>
             <a:fld id="{278734C7-5BF5-4A93-8E96-ED01F4D5F738}" type="datetimeFigureOut">
               <a:rPr kumimoji="1" lang="ja-JP" altLang="en-US" smtClean="0"/>
-              <a:t>2022/7/5</a:t>
+              <a:t>2022/7/6</a:t>
             </a:fld>
             <a:endParaRPr kumimoji="1" lang="ja-JP" altLang="en-US"/>
           </a:p>
@@ -445,7 +445,7 @@
           <a:p>
             <a:fld id="{278734C7-5BF5-4A93-8E96-ED01F4D5F738}" type="datetimeFigureOut">
               <a:rPr kumimoji="1" lang="ja-JP" altLang="en-US" smtClean="0"/>
-              <a:t>2022/7/5</a:t>
+              <a:t>2022/7/6</a:t>
             </a:fld>
             <a:endParaRPr kumimoji="1" lang="ja-JP" altLang="en-US"/>
           </a:p>
@@ -657,7 +657,7 @@
           <a:p>
             <a:fld id="{278734C7-5BF5-4A93-8E96-ED01F4D5F738}" type="datetimeFigureOut">
               <a:rPr kumimoji="1" lang="ja-JP" altLang="en-US" smtClean="0"/>
-              <a:t>2022/7/5</a:t>
+              <a:t>2022/7/6</a:t>
             </a:fld>
             <a:endParaRPr kumimoji="1" lang="ja-JP" altLang="en-US"/>
           </a:p>
@@ -859,7 +859,7 @@
           <a:p>
             <a:fld id="{278734C7-5BF5-4A93-8E96-ED01F4D5F738}" type="datetimeFigureOut">
               <a:rPr kumimoji="1" lang="ja-JP" altLang="en-US" smtClean="0"/>
-              <a:t>2022/7/5</a:t>
+              <a:t>2022/7/6</a:t>
             </a:fld>
             <a:endParaRPr kumimoji="1" lang="ja-JP" altLang="en-US"/>
           </a:p>
@@ -1105,7 +1105,7 @@
           <a:p>
             <a:fld id="{278734C7-5BF5-4A93-8E96-ED01F4D5F738}" type="datetimeFigureOut">
               <a:rPr kumimoji="1" lang="ja-JP" altLang="en-US" smtClean="0"/>
-              <a:t>2022/7/5</a:t>
+              <a:t>2022/7/6</a:t>
             </a:fld>
             <a:endParaRPr kumimoji="1" lang="ja-JP" altLang="en-US"/>
           </a:p>
@@ -1401,7 +1401,7 @@
           <a:p>
             <a:fld id="{278734C7-5BF5-4A93-8E96-ED01F4D5F738}" type="datetimeFigureOut">
               <a:rPr kumimoji="1" lang="ja-JP" altLang="en-US" smtClean="0"/>
-              <a:t>2022/7/5</a:t>
+              <a:t>2022/7/6</a:t>
             </a:fld>
             <a:endParaRPr kumimoji="1" lang="ja-JP" altLang="en-US"/>
           </a:p>
@@ -1832,7 +1832,7 @@
           <a:p>
             <a:fld id="{278734C7-5BF5-4A93-8E96-ED01F4D5F738}" type="datetimeFigureOut">
               <a:rPr kumimoji="1" lang="ja-JP" altLang="en-US" smtClean="0"/>
-              <a:t>2022/7/5</a:t>
+              <a:t>2022/7/6</a:t>
             </a:fld>
             <a:endParaRPr kumimoji="1" lang="ja-JP" altLang="en-US"/>
           </a:p>
@@ -1950,7 +1950,7 @@
           <a:p>
             <a:fld id="{278734C7-5BF5-4A93-8E96-ED01F4D5F738}" type="datetimeFigureOut">
               <a:rPr kumimoji="1" lang="ja-JP" altLang="en-US" smtClean="0"/>
-              <a:t>2022/7/5</a:t>
+              <a:t>2022/7/6</a:t>
             </a:fld>
             <a:endParaRPr kumimoji="1" lang="ja-JP" altLang="en-US"/>
           </a:p>
@@ -2045,7 +2045,7 @@
           <a:p>
             <a:fld id="{278734C7-5BF5-4A93-8E96-ED01F4D5F738}" type="datetimeFigureOut">
               <a:rPr kumimoji="1" lang="ja-JP" altLang="en-US" smtClean="0"/>
-              <a:t>2022/7/5</a:t>
+              <a:t>2022/7/6</a:t>
             </a:fld>
             <a:endParaRPr kumimoji="1" lang="ja-JP" altLang="en-US"/>
           </a:p>
@@ -2354,7 +2354,7 @@
           <a:p>
             <a:fld id="{278734C7-5BF5-4A93-8E96-ED01F4D5F738}" type="datetimeFigureOut">
               <a:rPr kumimoji="1" lang="ja-JP" altLang="en-US" smtClean="0"/>
-              <a:t>2022/7/5</a:t>
+              <a:t>2022/7/6</a:t>
             </a:fld>
             <a:endParaRPr kumimoji="1" lang="ja-JP" altLang="en-US"/>
           </a:p>
@@ -2607,7 +2607,7 @@
           <a:p>
             <a:fld id="{278734C7-5BF5-4A93-8E96-ED01F4D5F738}" type="datetimeFigureOut">
               <a:rPr kumimoji="1" lang="ja-JP" altLang="en-US" smtClean="0"/>
-              <a:t>2022/7/5</a:t>
+              <a:t>2022/7/6</a:t>
             </a:fld>
             <a:endParaRPr kumimoji="1" lang="ja-JP" altLang="en-US"/>
           </a:p>
@@ -2852,7 +2852,7 @@
           <a:p>
             <a:fld id="{278734C7-5BF5-4A93-8E96-ED01F4D5F738}" type="datetimeFigureOut">
               <a:rPr kumimoji="1" lang="ja-JP" altLang="en-US" smtClean="0"/>
-              <a:t>2022/7/5</a:t>
+              <a:t>2022/7/6</a:t>
             </a:fld>
             <a:endParaRPr kumimoji="1" lang="ja-JP" altLang="en-US"/>
           </a:p>
@@ -5477,7 +5477,7 @@
         </p:nvGrpSpPr>
         <p:grpSpPr>
           <a:xfrm>
-            <a:off x="3890797" y="2945566"/>
+            <a:off x="2970917" y="2998407"/>
             <a:ext cx="3888000" cy="3723600"/>
             <a:chOff x="1539150" y="2357250"/>
             <a:chExt cx="3888000" cy="3723600"/>
@@ -9606,6 +9606,2071 @@
           </p:cxnSp>
         </p:grpSp>
       </p:grpSp>
+      <p:grpSp>
+        <p:nvGrpSpPr>
+          <p:cNvPr id="3" name="グループ化 2"/>
+          <p:cNvGrpSpPr/>
+          <p:nvPr/>
+        </p:nvGrpSpPr>
+        <p:grpSpPr>
+          <a:xfrm>
+            <a:off x="5629966" y="123915"/>
+            <a:ext cx="3888000" cy="3723600"/>
+            <a:chOff x="5629966" y="123915"/>
+            <a:chExt cx="3888000" cy="3723600"/>
+          </a:xfrm>
+        </p:grpSpPr>
+        <p:grpSp>
+          <p:nvGrpSpPr>
+            <p:cNvPr id="183" name="グループ化 182"/>
+            <p:cNvGrpSpPr/>
+            <p:nvPr/>
+          </p:nvGrpSpPr>
+          <p:grpSpPr>
+            <a:xfrm>
+              <a:off x="5629966" y="123915"/>
+              <a:ext cx="3888000" cy="3723600"/>
+              <a:chOff x="1539150" y="2357250"/>
+              <a:chExt cx="3888000" cy="3723600"/>
+            </a:xfrm>
+          </p:grpSpPr>
+          <p:cxnSp>
+            <p:nvCxnSpPr>
+              <p:cNvPr id="206" name="直線コネクタ 205"/>
+              <p:cNvCxnSpPr>
+                <a:stCxn id="265" idx="2"/>
+                <a:endCxn id="259" idx="0"/>
+              </p:cNvCxnSpPr>
+              <p:nvPr/>
+            </p:nvCxnSpPr>
+            <p:spPr>
+              <a:xfrm flipH="1">
+                <a:off x="1791150" y="3655199"/>
+                <a:ext cx="1220729" cy="302161"/>
+              </a:xfrm>
+              <a:prstGeom prst="line">
+                <a:avLst/>
+              </a:prstGeom>
+            </p:spPr>
+            <p:style>
+              <a:lnRef idx="1">
+                <a:schemeClr val="dk1"/>
+              </a:lnRef>
+              <a:fillRef idx="0">
+                <a:schemeClr val="dk1"/>
+              </a:fillRef>
+              <a:effectRef idx="0">
+                <a:schemeClr val="dk1"/>
+              </a:effectRef>
+              <a:fontRef idx="minor">
+                <a:schemeClr val="tx1"/>
+              </a:fontRef>
+            </p:style>
+          </p:cxnSp>
+          <p:cxnSp>
+            <p:nvCxnSpPr>
+              <p:cNvPr id="217" name="直線コネクタ 216"/>
+              <p:cNvCxnSpPr>
+                <a:stCxn id="266" idx="2"/>
+                <a:endCxn id="260" idx="0"/>
+              </p:cNvCxnSpPr>
+              <p:nvPr/>
+            </p:nvCxnSpPr>
+            <p:spPr>
+              <a:xfrm flipH="1">
+                <a:off x="2367150" y="3655199"/>
+                <a:ext cx="788729" cy="302161"/>
+              </a:xfrm>
+              <a:prstGeom prst="line">
+                <a:avLst/>
+              </a:prstGeom>
+            </p:spPr>
+            <p:style>
+              <a:lnRef idx="1">
+                <a:schemeClr val="dk1"/>
+              </a:lnRef>
+              <a:fillRef idx="0">
+                <a:schemeClr val="dk1"/>
+              </a:fillRef>
+              <a:effectRef idx="0">
+                <a:schemeClr val="dk1"/>
+              </a:effectRef>
+              <a:fontRef idx="minor">
+                <a:schemeClr val="tx1"/>
+              </a:fontRef>
+            </p:style>
+          </p:cxnSp>
+          <p:cxnSp>
+            <p:nvCxnSpPr>
+              <p:cNvPr id="218" name="直線コネクタ 217"/>
+              <p:cNvCxnSpPr>
+                <a:stCxn id="267" idx="2"/>
+                <a:endCxn id="261" idx="0"/>
+              </p:cNvCxnSpPr>
+              <p:nvPr/>
+            </p:nvCxnSpPr>
+            <p:spPr>
+              <a:xfrm flipH="1">
+                <a:off x="2943150" y="3655199"/>
+                <a:ext cx="354503" cy="302161"/>
+              </a:xfrm>
+              <a:prstGeom prst="line">
+                <a:avLst/>
+              </a:prstGeom>
+            </p:spPr>
+            <p:style>
+              <a:lnRef idx="1">
+                <a:schemeClr val="dk1"/>
+              </a:lnRef>
+              <a:fillRef idx="0">
+                <a:schemeClr val="dk1"/>
+              </a:fillRef>
+              <a:effectRef idx="0">
+                <a:schemeClr val="dk1"/>
+              </a:effectRef>
+              <a:fontRef idx="minor">
+                <a:schemeClr val="tx1"/>
+              </a:fontRef>
+            </p:style>
+          </p:cxnSp>
+          <p:cxnSp>
+            <p:nvCxnSpPr>
+              <p:cNvPr id="219" name="直線コネクタ 218"/>
+              <p:cNvCxnSpPr>
+                <a:stCxn id="268" idx="2"/>
+                <a:endCxn id="256" idx="0"/>
+              </p:cNvCxnSpPr>
+              <p:nvPr/>
+            </p:nvCxnSpPr>
+            <p:spPr>
+              <a:xfrm>
+                <a:off x="3668646" y="3655199"/>
+                <a:ext cx="354504" cy="302161"/>
+              </a:xfrm>
+              <a:prstGeom prst="line">
+                <a:avLst/>
+              </a:prstGeom>
+            </p:spPr>
+            <p:style>
+              <a:lnRef idx="1">
+                <a:schemeClr val="dk1"/>
+              </a:lnRef>
+              <a:fillRef idx="0">
+                <a:schemeClr val="dk1"/>
+              </a:fillRef>
+              <a:effectRef idx="0">
+                <a:schemeClr val="dk1"/>
+              </a:effectRef>
+              <a:fontRef idx="minor">
+                <a:schemeClr val="tx1"/>
+              </a:fontRef>
+            </p:style>
+          </p:cxnSp>
+          <p:cxnSp>
+            <p:nvCxnSpPr>
+              <p:cNvPr id="220" name="直線コネクタ 219"/>
+              <p:cNvCxnSpPr>
+                <a:stCxn id="269" idx="2"/>
+                <a:endCxn id="257" idx="0"/>
+              </p:cNvCxnSpPr>
+              <p:nvPr/>
+            </p:nvCxnSpPr>
+            <p:spPr>
+              <a:xfrm>
+                <a:off x="3812646" y="3655199"/>
+                <a:ext cx="786504" cy="302161"/>
+              </a:xfrm>
+              <a:prstGeom prst="line">
+                <a:avLst/>
+              </a:prstGeom>
+            </p:spPr>
+            <p:style>
+              <a:lnRef idx="1">
+                <a:schemeClr val="dk1"/>
+              </a:lnRef>
+              <a:fillRef idx="0">
+                <a:schemeClr val="dk1"/>
+              </a:fillRef>
+              <a:effectRef idx="0">
+                <a:schemeClr val="dk1"/>
+              </a:effectRef>
+              <a:fontRef idx="minor">
+                <a:schemeClr val="tx1"/>
+              </a:fontRef>
+            </p:style>
+          </p:cxnSp>
+          <p:cxnSp>
+            <p:nvCxnSpPr>
+              <p:cNvPr id="221" name="直線コネクタ 220"/>
+              <p:cNvCxnSpPr>
+                <a:stCxn id="270" idx="2"/>
+                <a:endCxn id="258" idx="0"/>
+              </p:cNvCxnSpPr>
+              <p:nvPr/>
+            </p:nvCxnSpPr>
+            <p:spPr>
+              <a:xfrm>
+                <a:off x="3954420" y="3655199"/>
+                <a:ext cx="1220730" cy="302161"/>
+              </a:xfrm>
+              <a:prstGeom prst="line">
+                <a:avLst/>
+              </a:prstGeom>
+            </p:spPr>
+            <p:style>
+              <a:lnRef idx="1">
+                <a:schemeClr val="dk1"/>
+              </a:lnRef>
+              <a:fillRef idx="0">
+                <a:schemeClr val="dk1"/>
+              </a:fillRef>
+              <a:effectRef idx="0">
+                <a:schemeClr val="dk1"/>
+              </a:effectRef>
+              <a:fontRef idx="minor">
+                <a:schemeClr val="tx1"/>
+              </a:fontRef>
+            </p:style>
+          </p:cxnSp>
+          <p:grpSp>
+            <p:nvGrpSpPr>
+              <p:cNvPr id="222" name="グループ化 221"/>
+              <p:cNvGrpSpPr/>
+              <p:nvPr/>
+            </p:nvGrpSpPr>
+            <p:grpSpPr>
+              <a:xfrm>
+                <a:off x="2939879" y="3115199"/>
+                <a:ext cx="1086541" cy="540000"/>
+                <a:chOff x="3521684" y="2836483"/>
+                <a:chExt cx="1086541" cy="540000"/>
+              </a:xfrm>
+            </p:grpSpPr>
+            <p:sp>
+              <p:nvSpPr>
+                <p:cNvPr id="264" name="正方形/長方形 263"/>
+                <p:cNvSpPr/>
+                <p:nvPr/>
+              </p:nvSpPr>
+              <p:spPr>
+                <a:xfrm>
+                  <a:off x="3528225" y="2836483"/>
+                  <a:ext cx="1080000" cy="540000"/>
+                </a:xfrm>
+                <a:prstGeom prst="rect">
+                  <a:avLst/>
+                </a:prstGeom>
+              </p:spPr>
+              <p:style>
+                <a:lnRef idx="2">
+                  <a:schemeClr val="accent1">
+                    <a:shade val="50000"/>
+                  </a:schemeClr>
+                </a:lnRef>
+                <a:fillRef idx="1">
+                  <a:schemeClr val="accent1"/>
+                </a:fillRef>
+                <a:effectRef idx="0">
+                  <a:schemeClr val="accent1"/>
+                </a:effectRef>
+                <a:fontRef idx="minor">
+                  <a:schemeClr val="lt1"/>
+                </a:fontRef>
+              </p:style>
+              <p:txBody>
+                <a:bodyPr rtlCol="0" anchor="ctr"/>
+                <a:lstStyle/>
+                <a:p>
+                  <a:pPr algn="ctr"/>
+                  <a:r>
+                    <a:rPr lang="en-US" altLang="ja-JP" sz="1000" dirty="0" smtClean="0"/>
+                    <a:t>WAN</a:t>
+                  </a:r>
+                  <a:endParaRPr kumimoji="1" lang="ja-JP" altLang="en-US" sz="1000" dirty="0"/>
+                </a:p>
+              </p:txBody>
+            </p:sp>
+            <p:sp>
+              <p:nvSpPr>
+                <p:cNvPr id="265" name="正方形/長方形 264"/>
+                <p:cNvSpPr/>
+                <p:nvPr/>
+              </p:nvSpPr>
+              <p:spPr>
+                <a:xfrm>
+                  <a:off x="3521684" y="3232483"/>
+                  <a:ext cx="144000" cy="144000"/>
+                </a:xfrm>
+                <a:prstGeom prst="rect">
+                  <a:avLst/>
+                </a:prstGeom>
+              </p:spPr>
+              <p:style>
+                <a:lnRef idx="2">
+                  <a:schemeClr val="accent1">
+                    <a:shade val="50000"/>
+                  </a:schemeClr>
+                </a:lnRef>
+                <a:fillRef idx="1">
+                  <a:schemeClr val="accent1"/>
+                </a:fillRef>
+                <a:effectRef idx="0">
+                  <a:schemeClr val="accent1"/>
+                </a:effectRef>
+                <a:fontRef idx="minor">
+                  <a:schemeClr val="lt1"/>
+                </a:fontRef>
+              </p:style>
+              <p:txBody>
+                <a:bodyPr rtlCol="0" anchor="ctr"/>
+                <a:lstStyle/>
+                <a:p>
+                  <a:pPr algn="ctr"/>
+                  <a:endParaRPr kumimoji="1" lang="ja-JP" altLang="en-US" sz="1000"/>
+                </a:p>
+              </p:txBody>
+            </p:sp>
+            <p:sp>
+              <p:nvSpPr>
+                <p:cNvPr id="266" name="正方形/長方形 265"/>
+                <p:cNvSpPr/>
+                <p:nvPr/>
+              </p:nvSpPr>
+              <p:spPr>
+                <a:xfrm>
+                  <a:off x="3665684" y="3232483"/>
+                  <a:ext cx="144000" cy="144000"/>
+                </a:xfrm>
+                <a:prstGeom prst="rect">
+                  <a:avLst/>
+                </a:prstGeom>
+              </p:spPr>
+              <p:style>
+                <a:lnRef idx="2">
+                  <a:schemeClr val="accent1">
+                    <a:shade val="50000"/>
+                  </a:schemeClr>
+                </a:lnRef>
+                <a:fillRef idx="1">
+                  <a:schemeClr val="accent1"/>
+                </a:fillRef>
+                <a:effectRef idx="0">
+                  <a:schemeClr val="accent1"/>
+                </a:effectRef>
+                <a:fontRef idx="minor">
+                  <a:schemeClr val="lt1"/>
+                </a:fontRef>
+              </p:style>
+              <p:txBody>
+                <a:bodyPr rtlCol="0" anchor="ctr"/>
+                <a:lstStyle/>
+                <a:p>
+                  <a:pPr algn="ctr"/>
+                  <a:endParaRPr kumimoji="1" lang="ja-JP" altLang="en-US" sz="1000"/>
+                </a:p>
+              </p:txBody>
+            </p:sp>
+            <p:sp>
+              <p:nvSpPr>
+                <p:cNvPr id="267" name="正方形/長方形 266"/>
+                <p:cNvSpPr/>
+                <p:nvPr/>
+              </p:nvSpPr>
+              <p:spPr>
+                <a:xfrm>
+                  <a:off x="3807458" y="3232483"/>
+                  <a:ext cx="144000" cy="144000"/>
+                </a:xfrm>
+                <a:prstGeom prst="rect">
+                  <a:avLst/>
+                </a:prstGeom>
+              </p:spPr>
+              <p:style>
+                <a:lnRef idx="2">
+                  <a:schemeClr val="accent1">
+                    <a:shade val="50000"/>
+                  </a:schemeClr>
+                </a:lnRef>
+                <a:fillRef idx="1">
+                  <a:schemeClr val="accent1"/>
+                </a:fillRef>
+                <a:effectRef idx="0">
+                  <a:schemeClr val="accent1"/>
+                </a:effectRef>
+                <a:fontRef idx="minor">
+                  <a:schemeClr val="lt1"/>
+                </a:fontRef>
+              </p:style>
+              <p:txBody>
+                <a:bodyPr rtlCol="0" anchor="ctr"/>
+                <a:lstStyle/>
+                <a:p>
+                  <a:pPr algn="ctr"/>
+                  <a:endParaRPr kumimoji="1" lang="ja-JP" altLang="en-US" sz="1000"/>
+                </a:p>
+              </p:txBody>
+            </p:sp>
+            <p:sp>
+              <p:nvSpPr>
+                <p:cNvPr id="268" name="正方形/長方形 267"/>
+                <p:cNvSpPr/>
+                <p:nvPr/>
+              </p:nvSpPr>
+              <p:spPr>
+                <a:xfrm>
+                  <a:off x="4178451" y="3232483"/>
+                  <a:ext cx="144000" cy="144000"/>
+                </a:xfrm>
+                <a:prstGeom prst="rect">
+                  <a:avLst/>
+                </a:prstGeom>
+              </p:spPr>
+              <p:style>
+                <a:lnRef idx="2">
+                  <a:schemeClr val="accent1">
+                    <a:shade val="50000"/>
+                  </a:schemeClr>
+                </a:lnRef>
+                <a:fillRef idx="1">
+                  <a:schemeClr val="accent1"/>
+                </a:fillRef>
+                <a:effectRef idx="0">
+                  <a:schemeClr val="accent1"/>
+                </a:effectRef>
+                <a:fontRef idx="minor">
+                  <a:schemeClr val="lt1"/>
+                </a:fontRef>
+              </p:style>
+              <p:txBody>
+                <a:bodyPr rtlCol="0" anchor="ctr"/>
+                <a:lstStyle/>
+                <a:p>
+                  <a:pPr algn="ctr"/>
+                  <a:endParaRPr kumimoji="1" lang="ja-JP" altLang="en-US" sz="1000"/>
+                </a:p>
+              </p:txBody>
+            </p:sp>
+            <p:sp>
+              <p:nvSpPr>
+                <p:cNvPr id="269" name="正方形/長方形 268"/>
+                <p:cNvSpPr/>
+                <p:nvPr/>
+              </p:nvSpPr>
+              <p:spPr>
+                <a:xfrm>
+                  <a:off x="4322451" y="3232483"/>
+                  <a:ext cx="144000" cy="144000"/>
+                </a:xfrm>
+                <a:prstGeom prst="rect">
+                  <a:avLst/>
+                </a:prstGeom>
+              </p:spPr>
+              <p:style>
+                <a:lnRef idx="2">
+                  <a:schemeClr val="accent1">
+                    <a:shade val="50000"/>
+                  </a:schemeClr>
+                </a:lnRef>
+                <a:fillRef idx="1">
+                  <a:schemeClr val="accent1"/>
+                </a:fillRef>
+                <a:effectRef idx="0">
+                  <a:schemeClr val="accent1"/>
+                </a:effectRef>
+                <a:fontRef idx="minor">
+                  <a:schemeClr val="lt1"/>
+                </a:fontRef>
+              </p:style>
+              <p:txBody>
+                <a:bodyPr rtlCol="0" anchor="ctr"/>
+                <a:lstStyle/>
+                <a:p>
+                  <a:pPr algn="ctr"/>
+                  <a:endParaRPr kumimoji="1" lang="ja-JP" altLang="en-US" sz="1000"/>
+                </a:p>
+              </p:txBody>
+            </p:sp>
+            <p:sp>
+              <p:nvSpPr>
+                <p:cNvPr id="270" name="正方形/長方形 269"/>
+                <p:cNvSpPr/>
+                <p:nvPr/>
+              </p:nvSpPr>
+              <p:spPr>
+                <a:xfrm>
+                  <a:off x="4464225" y="3232483"/>
+                  <a:ext cx="144000" cy="144000"/>
+                </a:xfrm>
+                <a:prstGeom prst="rect">
+                  <a:avLst/>
+                </a:prstGeom>
+              </p:spPr>
+              <p:style>
+                <a:lnRef idx="2">
+                  <a:schemeClr val="accent1">
+                    <a:shade val="50000"/>
+                  </a:schemeClr>
+                </a:lnRef>
+                <a:fillRef idx="1">
+                  <a:schemeClr val="accent1"/>
+                </a:fillRef>
+                <a:effectRef idx="0">
+                  <a:schemeClr val="accent1"/>
+                </a:effectRef>
+                <a:fontRef idx="minor">
+                  <a:schemeClr val="lt1"/>
+                </a:fontRef>
+              </p:style>
+              <p:txBody>
+                <a:bodyPr rtlCol="0" anchor="ctr"/>
+                <a:lstStyle/>
+                <a:p>
+                  <a:pPr algn="ctr"/>
+                  <a:endParaRPr kumimoji="1" lang="ja-JP" altLang="en-US" sz="1000"/>
+                </a:p>
+              </p:txBody>
+            </p:sp>
+            <p:sp>
+              <p:nvSpPr>
+                <p:cNvPr id="271" name="正方形/長方形 270"/>
+                <p:cNvSpPr/>
+                <p:nvPr/>
+              </p:nvSpPr>
+              <p:spPr>
+                <a:xfrm>
+                  <a:off x="3996225" y="2836483"/>
+                  <a:ext cx="144000" cy="144000"/>
+                </a:xfrm>
+                <a:prstGeom prst="rect">
+                  <a:avLst/>
+                </a:prstGeom>
+              </p:spPr>
+              <p:style>
+                <a:lnRef idx="2">
+                  <a:schemeClr val="accent1">
+                    <a:shade val="50000"/>
+                  </a:schemeClr>
+                </a:lnRef>
+                <a:fillRef idx="1">
+                  <a:schemeClr val="accent1"/>
+                </a:fillRef>
+                <a:effectRef idx="0">
+                  <a:schemeClr val="accent1"/>
+                </a:effectRef>
+                <a:fontRef idx="minor">
+                  <a:schemeClr val="lt1"/>
+                </a:fontRef>
+              </p:style>
+              <p:txBody>
+                <a:bodyPr rtlCol="0" anchor="ctr"/>
+                <a:lstStyle/>
+                <a:p>
+                  <a:pPr algn="ctr"/>
+                  <a:endParaRPr kumimoji="1" lang="ja-JP" altLang="en-US" sz="1000"/>
+                </a:p>
+              </p:txBody>
+            </p:sp>
+          </p:grpSp>
+          <p:cxnSp>
+            <p:nvCxnSpPr>
+              <p:cNvPr id="223" name="直線コネクタ 222"/>
+              <p:cNvCxnSpPr>
+                <a:stCxn id="263" idx="2"/>
+                <a:endCxn id="271" idx="0"/>
+              </p:cNvCxnSpPr>
+              <p:nvPr/>
+            </p:nvCxnSpPr>
+            <p:spPr>
+              <a:xfrm>
+                <a:off x="3483150" y="2861250"/>
+                <a:ext cx="3270" cy="253949"/>
+              </a:xfrm>
+              <a:prstGeom prst="line">
+                <a:avLst/>
+              </a:prstGeom>
+            </p:spPr>
+            <p:style>
+              <a:lnRef idx="1">
+                <a:schemeClr val="dk1"/>
+              </a:lnRef>
+              <a:fillRef idx="0">
+                <a:schemeClr val="dk1"/>
+              </a:fillRef>
+              <a:effectRef idx="0">
+                <a:schemeClr val="dk1"/>
+              </a:effectRef>
+              <a:fontRef idx="minor">
+                <a:schemeClr val="tx1"/>
+              </a:fontRef>
+            </p:style>
+          </p:cxnSp>
+          <p:grpSp>
+            <p:nvGrpSpPr>
+              <p:cNvPr id="224" name="グループ化 223"/>
+              <p:cNvGrpSpPr/>
+              <p:nvPr/>
+            </p:nvGrpSpPr>
+            <p:grpSpPr>
+              <a:xfrm>
+                <a:off x="3123150" y="2357250"/>
+                <a:ext cx="720000" cy="504000"/>
+                <a:chOff x="3636225" y="757050"/>
+                <a:chExt cx="720000" cy="504000"/>
+              </a:xfrm>
+            </p:grpSpPr>
+            <p:sp>
+              <p:nvSpPr>
+                <p:cNvPr id="262" name="正方形/長方形 261"/>
+                <p:cNvSpPr/>
+                <p:nvPr/>
+              </p:nvSpPr>
+              <p:spPr>
+                <a:xfrm>
+                  <a:off x="3636225" y="757050"/>
+                  <a:ext cx="720000" cy="360000"/>
+                </a:xfrm>
+                <a:prstGeom prst="rect">
+                  <a:avLst/>
+                </a:prstGeom>
+              </p:spPr>
+              <p:style>
+                <a:lnRef idx="2">
+                  <a:schemeClr val="accent1">
+                    <a:shade val="50000"/>
+                  </a:schemeClr>
+                </a:lnRef>
+                <a:fillRef idx="1">
+                  <a:schemeClr val="accent1"/>
+                </a:fillRef>
+                <a:effectRef idx="0">
+                  <a:schemeClr val="accent1"/>
+                </a:effectRef>
+                <a:fontRef idx="minor">
+                  <a:schemeClr val="lt1"/>
+                </a:fontRef>
+              </p:style>
+              <p:txBody>
+                <a:bodyPr rtlCol="0" anchor="ctr"/>
+                <a:lstStyle/>
+                <a:p>
+                  <a:pPr algn="ctr"/>
+                  <a:r>
+                    <a:rPr lang="en-US" altLang="ja-JP" sz="1000" dirty="0" smtClean="0"/>
+                    <a:t>Witness</a:t>
+                  </a:r>
+                  <a:endParaRPr kumimoji="1" lang="ja-JP" altLang="en-US" sz="1000" dirty="0"/>
+                </a:p>
+              </p:txBody>
+            </p:sp>
+            <p:sp>
+              <p:nvSpPr>
+                <p:cNvPr id="263" name="正方形/長方形 262"/>
+                <p:cNvSpPr/>
+                <p:nvPr/>
+              </p:nvSpPr>
+              <p:spPr>
+                <a:xfrm>
+                  <a:off x="3924225" y="1117050"/>
+                  <a:ext cx="144000" cy="144000"/>
+                </a:xfrm>
+                <a:prstGeom prst="rect">
+                  <a:avLst/>
+                </a:prstGeom>
+              </p:spPr>
+              <p:style>
+                <a:lnRef idx="2">
+                  <a:schemeClr val="accent1">
+                    <a:shade val="50000"/>
+                  </a:schemeClr>
+                </a:lnRef>
+                <a:fillRef idx="1">
+                  <a:schemeClr val="accent1"/>
+                </a:fillRef>
+                <a:effectRef idx="0">
+                  <a:schemeClr val="accent1"/>
+                </a:effectRef>
+                <a:fontRef idx="minor">
+                  <a:schemeClr val="lt1"/>
+                </a:fontRef>
+              </p:style>
+              <p:txBody>
+                <a:bodyPr rtlCol="0" anchor="ctr"/>
+                <a:lstStyle/>
+                <a:p>
+                  <a:pPr algn="ctr"/>
+                  <a:endParaRPr kumimoji="1" lang="ja-JP" altLang="en-US" sz="1000"/>
+                </a:p>
+              </p:txBody>
+            </p:sp>
+          </p:grpSp>
+          <p:cxnSp>
+            <p:nvCxnSpPr>
+              <p:cNvPr id="225" name="直線コネクタ 224"/>
+              <p:cNvCxnSpPr>
+                <a:stCxn id="259" idx="2"/>
+                <a:endCxn id="236" idx="0"/>
+              </p:cNvCxnSpPr>
+              <p:nvPr/>
+            </p:nvCxnSpPr>
+            <p:spPr>
+              <a:xfrm>
+                <a:off x="1791150" y="4173360"/>
+                <a:ext cx="361500" cy="323025"/>
+              </a:xfrm>
+              <a:prstGeom prst="line">
+                <a:avLst/>
+              </a:prstGeom>
+            </p:spPr>
+            <p:style>
+              <a:lnRef idx="1">
+                <a:schemeClr val="dk1"/>
+              </a:lnRef>
+              <a:fillRef idx="0">
+                <a:schemeClr val="dk1"/>
+              </a:fillRef>
+              <a:effectRef idx="0">
+                <a:schemeClr val="dk1"/>
+              </a:effectRef>
+              <a:fontRef idx="minor">
+                <a:schemeClr val="tx1"/>
+              </a:fontRef>
+            </p:style>
+          </p:cxnSp>
+          <p:cxnSp>
+            <p:nvCxnSpPr>
+              <p:cNvPr id="226" name="直線コネクタ 225"/>
+              <p:cNvCxnSpPr>
+                <a:stCxn id="260" idx="2"/>
+                <a:endCxn id="237" idx="0"/>
+              </p:cNvCxnSpPr>
+              <p:nvPr/>
+            </p:nvCxnSpPr>
+            <p:spPr>
+              <a:xfrm>
+                <a:off x="2367150" y="4173360"/>
+                <a:ext cx="1500" cy="319696"/>
+              </a:xfrm>
+              <a:prstGeom prst="line">
+                <a:avLst/>
+              </a:prstGeom>
+            </p:spPr>
+            <p:style>
+              <a:lnRef idx="1">
+                <a:schemeClr val="dk1"/>
+              </a:lnRef>
+              <a:fillRef idx="0">
+                <a:schemeClr val="dk1"/>
+              </a:fillRef>
+              <a:effectRef idx="0">
+                <a:schemeClr val="dk1"/>
+              </a:effectRef>
+              <a:fontRef idx="minor">
+                <a:schemeClr val="tx1"/>
+              </a:fontRef>
+            </p:style>
+          </p:cxnSp>
+          <p:grpSp>
+            <p:nvGrpSpPr>
+              <p:cNvPr id="227" name="グループ化 226"/>
+              <p:cNvGrpSpPr/>
+              <p:nvPr/>
+            </p:nvGrpSpPr>
+            <p:grpSpPr>
+              <a:xfrm>
+                <a:off x="1539150" y="3957360"/>
+                <a:ext cx="1656000" cy="216000"/>
+                <a:chOff x="720000" y="3957360"/>
+                <a:chExt cx="1656000" cy="216000"/>
+              </a:xfrm>
+            </p:grpSpPr>
+            <p:sp>
+              <p:nvSpPr>
+                <p:cNvPr id="259" name="正方形/長方形 258"/>
+                <p:cNvSpPr/>
+                <p:nvPr/>
+              </p:nvSpPr>
+              <p:spPr>
+                <a:xfrm>
+                  <a:off x="720000" y="3957360"/>
+                  <a:ext cx="504000" cy="216000"/>
+                </a:xfrm>
+                <a:prstGeom prst="rect">
+                  <a:avLst/>
+                </a:prstGeom>
+              </p:spPr>
+              <p:style>
+                <a:lnRef idx="2">
+                  <a:schemeClr val="accent1">
+                    <a:shade val="50000"/>
+                  </a:schemeClr>
+                </a:lnRef>
+                <a:fillRef idx="1">
+                  <a:schemeClr val="accent1"/>
+                </a:fillRef>
+                <a:effectRef idx="0">
+                  <a:schemeClr val="accent1"/>
+                </a:effectRef>
+                <a:fontRef idx="minor">
+                  <a:schemeClr val="lt1"/>
+                </a:fontRef>
+              </p:style>
+              <p:txBody>
+                <a:bodyPr rtlCol="0" anchor="ctr"/>
+                <a:lstStyle/>
+                <a:p>
+                  <a:pPr algn="ctr"/>
+                  <a:r>
+                    <a:rPr lang="en-US" altLang="ja-JP" sz="1000" dirty="0" smtClean="0"/>
+                    <a:t>SW#1</a:t>
+                  </a:r>
+                  <a:endParaRPr kumimoji="1" lang="ja-JP" altLang="en-US" sz="1000" dirty="0"/>
+                </a:p>
+              </p:txBody>
+            </p:sp>
+            <p:sp>
+              <p:nvSpPr>
+                <p:cNvPr id="260" name="正方形/長方形 259"/>
+                <p:cNvSpPr/>
+                <p:nvPr/>
+              </p:nvSpPr>
+              <p:spPr>
+                <a:xfrm>
+                  <a:off x="1296000" y="3957360"/>
+                  <a:ext cx="504000" cy="216000"/>
+                </a:xfrm>
+                <a:prstGeom prst="rect">
+                  <a:avLst/>
+                </a:prstGeom>
+              </p:spPr>
+              <p:style>
+                <a:lnRef idx="2">
+                  <a:schemeClr val="accent1">
+                    <a:shade val="50000"/>
+                  </a:schemeClr>
+                </a:lnRef>
+                <a:fillRef idx="1">
+                  <a:schemeClr val="accent1"/>
+                </a:fillRef>
+                <a:effectRef idx="0">
+                  <a:schemeClr val="accent1"/>
+                </a:effectRef>
+                <a:fontRef idx="minor">
+                  <a:schemeClr val="lt1"/>
+                </a:fontRef>
+              </p:style>
+              <p:txBody>
+                <a:bodyPr rtlCol="0" anchor="ctr"/>
+                <a:lstStyle/>
+                <a:p>
+                  <a:pPr algn="ctr"/>
+                  <a:r>
+                    <a:rPr lang="en-US" altLang="ja-JP" sz="1000" dirty="0" smtClean="0"/>
+                    <a:t>SW#2</a:t>
+                  </a:r>
+                  <a:endParaRPr kumimoji="1" lang="ja-JP" altLang="en-US" sz="1000" dirty="0"/>
+                </a:p>
+              </p:txBody>
+            </p:sp>
+            <p:sp>
+              <p:nvSpPr>
+                <p:cNvPr id="261" name="正方形/長方形 260"/>
+                <p:cNvSpPr/>
+                <p:nvPr/>
+              </p:nvSpPr>
+              <p:spPr>
+                <a:xfrm>
+                  <a:off x="1872000" y="3957360"/>
+                  <a:ext cx="504000" cy="216000"/>
+                </a:xfrm>
+                <a:prstGeom prst="rect">
+                  <a:avLst/>
+                </a:prstGeom>
+              </p:spPr>
+              <p:style>
+                <a:lnRef idx="2">
+                  <a:schemeClr val="accent1">
+                    <a:shade val="50000"/>
+                  </a:schemeClr>
+                </a:lnRef>
+                <a:fillRef idx="1">
+                  <a:schemeClr val="accent1"/>
+                </a:fillRef>
+                <a:effectRef idx="0">
+                  <a:schemeClr val="accent1"/>
+                </a:effectRef>
+                <a:fontRef idx="minor">
+                  <a:schemeClr val="lt1"/>
+                </a:fontRef>
+              </p:style>
+              <p:txBody>
+                <a:bodyPr rtlCol="0" anchor="ctr"/>
+                <a:lstStyle/>
+                <a:p>
+                  <a:pPr algn="ctr"/>
+                  <a:r>
+                    <a:rPr lang="en-US" altLang="ja-JP" sz="1000" dirty="0" smtClean="0"/>
+                    <a:t>SW#3</a:t>
+                  </a:r>
+                  <a:endParaRPr kumimoji="1" lang="ja-JP" altLang="en-US" sz="1000" dirty="0"/>
+                </a:p>
+              </p:txBody>
+            </p:sp>
+          </p:grpSp>
+          <p:cxnSp>
+            <p:nvCxnSpPr>
+              <p:cNvPr id="228" name="直線コネクタ 227"/>
+              <p:cNvCxnSpPr>
+                <a:stCxn id="261" idx="2"/>
+                <a:endCxn id="238" idx="0"/>
+              </p:cNvCxnSpPr>
+              <p:nvPr/>
+            </p:nvCxnSpPr>
+            <p:spPr>
+              <a:xfrm flipH="1">
+                <a:off x="2584650" y="4173360"/>
+                <a:ext cx="358500" cy="320547"/>
+              </a:xfrm>
+              <a:prstGeom prst="line">
+                <a:avLst/>
+              </a:prstGeom>
+            </p:spPr>
+            <p:style>
+              <a:lnRef idx="1">
+                <a:schemeClr val="dk1"/>
+              </a:lnRef>
+              <a:fillRef idx="0">
+                <a:schemeClr val="dk1"/>
+              </a:fillRef>
+              <a:effectRef idx="0">
+                <a:schemeClr val="dk1"/>
+              </a:effectRef>
+              <a:fontRef idx="minor">
+                <a:schemeClr val="tx1"/>
+              </a:fontRef>
+            </p:style>
+          </p:cxnSp>
+          <p:cxnSp>
+            <p:nvCxnSpPr>
+              <p:cNvPr id="229" name="直線コネクタ 228"/>
+              <p:cNvCxnSpPr>
+                <a:stCxn id="256" idx="2"/>
+                <a:endCxn id="243" idx="0"/>
+              </p:cNvCxnSpPr>
+              <p:nvPr/>
+            </p:nvCxnSpPr>
+            <p:spPr>
+              <a:xfrm>
+                <a:off x="4023150" y="4173360"/>
+                <a:ext cx="360000" cy="323025"/>
+              </a:xfrm>
+              <a:prstGeom prst="line">
+                <a:avLst/>
+              </a:prstGeom>
+            </p:spPr>
+            <p:style>
+              <a:lnRef idx="1">
+                <a:schemeClr val="dk1"/>
+              </a:lnRef>
+              <a:fillRef idx="0">
+                <a:schemeClr val="dk1"/>
+              </a:fillRef>
+              <a:effectRef idx="0">
+                <a:schemeClr val="dk1"/>
+              </a:effectRef>
+              <a:fontRef idx="minor">
+                <a:schemeClr val="tx1"/>
+              </a:fontRef>
+            </p:style>
+          </p:cxnSp>
+          <p:cxnSp>
+            <p:nvCxnSpPr>
+              <p:cNvPr id="230" name="直線コネクタ 229"/>
+              <p:cNvCxnSpPr>
+                <a:stCxn id="257" idx="2"/>
+                <a:endCxn id="244" idx="0"/>
+              </p:cNvCxnSpPr>
+              <p:nvPr/>
+            </p:nvCxnSpPr>
+            <p:spPr>
+              <a:xfrm>
+                <a:off x="4599150" y="4173360"/>
+                <a:ext cx="0" cy="319696"/>
+              </a:xfrm>
+              <a:prstGeom prst="line">
+                <a:avLst/>
+              </a:prstGeom>
+            </p:spPr>
+            <p:style>
+              <a:lnRef idx="1">
+                <a:schemeClr val="dk1"/>
+              </a:lnRef>
+              <a:fillRef idx="0">
+                <a:schemeClr val="dk1"/>
+              </a:fillRef>
+              <a:effectRef idx="0">
+                <a:schemeClr val="dk1"/>
+              </a:effectRef>
+              <a:fontRef idx="minor">
+                <a:schemeClr val="tx1"/>
+              </a:fontRef>
+            </p:style>
+          </p:cxnSp>
+          <p:grpSp>
+            <p:nvGrpSpPr>
+              <p:cNvPr id="231" name="グループ化 230"/>
+              <p:cNvGrpSpPr/>
+              <p:nvPr/>
+            </p:nvGrpSpPr>
+            <p:grpSpPr>
+              <a:xfrm>
+                <a:off x="3771150" y="3957360"/>
+                <a:ext cx="1656000" cy="216000"/>
+                <a:chOff x="5040000" y="3957360"/>
+                <a:chExt cx="1656000" cy="216000"/>
+              </a:xfrm>
+            </p:grpSpPr>
+            <p:sp>
+              <p:nvSpPr>
+                <p:cNvPr id="256" name="正方形/長方形 255"/>
+                <p:cNvSpPr/>
+                <p:nvPr/>
+              </p:nvSpPr>
+              <p:spPr>
+                <a:xfrm>
+                  <a:off x="5040000" y="3957360"/>
+                  <a:ext cx="504000" cy="216000"/>
+                </a:xfrm>
+                <a:prstGeom prst="rect">
+                  <a:avLst/>
+                </a:prstGeom>
+              </p:spPr>
+              <p:style>
+                <a:lnRef idx="2">
+                  <a:schemeClr val="accent1">
+                    <a:shade val="50000"/>
+                  </a:schemeClr>
+                </a:lnRef>
+                <a:fillRef idx="1">
+                  <a:schemeClr val="accent1"/>
+                </a:fillRef>
+                <a:effectRef idx="0">
+                  <a:schemeClr val="accent1"/>
+                </a:effectRef>
+                <a:fontRef idx="minor">
+                  <a:schemeClr val="lt1"/>
+                </a:fontRef>
+              </p:style>
+              <p:txBody>
+                <a:bodyPr rtlCol="0" anchor="ctr"/>
+                <a:lstStyle/>
+                <a:p>
+                  <a:pPr algn="ctr"/>
+                  <a:r>
+                    <a:rPr lang="en-US" altLang="ja-JP" sz="1000" dirty="0" smtClean="0"/>
+                    <a:t>SW#4</a:t>
+                  </a:r>
+                  <a:endParaRPr kumimoji="1" lang="ja-JP" altLang="en-US" sz="1000" dirty="0"/>
+                </a:p>
+              </p:txBody>
+            </p:sp>
+            <p:sp>
+              <p:nvSpPr>
+                <p:cNvPr id="257" name="正方形/長方形 256"/>
+                <p:cNvSpPr/>
+                <p:nvPr/>
+              </p:nvSpPr>
+              <p:spPr>
+                <a:xfrm>
+                  <a:off x="5616000" y="3957360"/>
+                  <a:ext cx="504000" cy="216000"/>
+                </a:xfrm>
+                <a:prstGeom prst="rect">
+                  <a:avLst/>
+                </a:prstGeom>
+              </p:spPr>
+              <p:style>
+                <a:lnRef idx="2">
+                  <a:schemeClr val="accent1">
+                    <a:shade val="50000"/>
+                  </a:schemeClr>
+                </a:lnRef>
+                <a:fillRef idx="1">
+                  <a:schemeClr val="accent1"/>
+                </a:fillRef>
+                <a:effectRef idx="0">
+                  <a:schemeClr val="accent1"/>
+                </a:effectRef>
+                <a:fontRef idx="minor">
+                  <a:schemeClr val="lt1"/>
+                </a:fontRef>
+              </p:style>
+              <p:txBody>
+                <a:bodyPr rtlCol="0" anchor="ctr"/>
+                <a:lstStyle/>
+                <a:p>
+                  <a:pPr algn="ctr"/>
+                  <a:r>
+                    <a:rPr lang="en-US" altLang="ja-JP" sz="1000" dirty="0" smtClean="0"/>
+                    <a:t>SW#5</a:t>
+                  </a:r>
+                  <a:endParaRPr kumimoji="1" lang="ja-JP" altLang="en-US" sz="1000" dirty="0"/>
+                </a:p>
+              </p:txBody>
+            </p:sp>
+            <p:sp>
+              <p:nvSpPr>
+                <p:cNvPr id="258" name="正方形/長方形 257"/>
+                <p:cNvSpPr/>
+                <p:nvPr/>
+              </p:nvSpPr>
+              <p:spPr>
+                <a:xfrm>
+                  <a:off x="6192000" y="3957360"/>
+                  <a:ext cx="504000" cy="216000"/>
+                </a:xfrm>
+                <a:prstGeom prst="rect">
+                  <a:avLst/>
+                </a:prstGeom>
+              </p:spPr>
+              <p:style>
+                <a:lnRef idx="2">
+                  <a:schemeClr val="accent1">
+                    <a:shade val="50000"/>
+                  </a:schemeClr>
+                </a:lnRef>
+                <a:fillRef idx="1">
+                  <a:schemeClr val="accent1"/>
+                </a:fillRef>
+                <a:effectRef idx="0">
+                  <a:schemeClr val="accent1"/>
+                </a:effectRef>
+                <a:fontRef idx="minor">
+                  <a:schemeClr val="lt1"/>
+                </a:fontRef>
+              </p:style>
+              <p:txBody>
+                <a:bodyPr rtlCol="0" anchor="ctr"/>
+                <a:lstStyle/>
+                <a:p>
+                  <a:pPr algn="ctr"/>
+                  <a:r>
+                    <a:rPr lang="en-US" altLang="ja-JP" sz="1000" dirty="0" smtClean="0"/>
+                    <a:t>SW#6</a:t>
+                  </a:r>
+                  <a:endParaRPr kumimoji="1" lang="ja-JP" altLang="en-US" sz="1000" dirty="0"/>
+                </a:p>
+              </p:txBody>
+            </p:sp>
+          </p:grpSp>
+          <p:cxnSp>
+            <p:nvCxnSpPr>
+              <p:cNvPr id="232" name="直線コネクタ 231"/>
+              <p:cNvCxnSpPr>
+                <a:stCxn id="258" idx="2"/>
+                <a:endCxn id="245" idx="0"/>
+              </p:cNvCxnSpPr>
+              <p:nvPr/>
+            </p:nvCxnSpPr>
+            <p:spPr>
+              <a:xfrm flipH="1">
+                <a:off x="4815150" y="4173360"/>
+                <a:ext cx="360000" cy="320547"/>
+              </a:xfrm>
+              <a:prstGeom prst="line">
+                <a:avLst/>
+              </a:prstGeom>
+            </p:spPr>
+            <p:style>
+              <a:lnRef idx="1">
+                <a:schemeClr val="dk1"/>
+              </a:lnRef>
+              <a:fillRef idx="0">
+                <a:schemeClr val="dk1"/>
+              </a:fillRef>
+              <a:effectRef idx="0">
+                <a:schemeClr val="dk1"/>
+              </a:effectRef>
+              <a:fontRef idx="minor">
+                <a:schemeClr val="tx1"/>
+              </a:fontRef>
+            </p:style>
+          </p:cxnSp>
+          <p:grpSp>
+            <p:nvGrpSpPr>
+              <p:cNvPr id="233" name="グループ化 232"/>
+              <p:cNvGrpSpPr/>
+              <p:nvPr/>
+            </p:nvGrpSpPr>
+            <p:grpSpPr>
+              <a:xfrm>
+                <a:off x="1540650" y="4493056"/>
+                <a:ext cx="3670500" cy="1587794"/>
+                <a:chOff x="1540650" y="4674031"/>
+                <a:chExt cx="3670500" cy="1587794"/>
+              </a:xfrm>
+            </p:grpSpPr>
+            <p:sp>
+              <p:nvSpPr>
+                <p:cNvPr id="234" name="正方形/長方形 233"/>
+                <p:cNvSpPr/>
+                <p:nvPr/>
+              </p:nvSpPr>
+              <p:spPr>
+                <a:xfrm>
+                  <a:off x="1540650" y="4821825"/>
+                  <a:ext cx="1440000" cy="1440000"/>
+                </a:xfrm>
+                <a:prstGeom prst="rect">
+                  <a:avLst/>
+                </a:prstGeom>
+                <a:ln>
+                  <a:solidFill>
+                    <a:schemeClr val="accent1"/>
+                  </a:solidFill>
+                </a:ln>
+              </p:spPr>
+              <p:style>
+                <a:lnRef idx="2">
+                  <a:schemeClr val="accent3">
+                    <a:shade val="50000"/>
+                  </a:schemeClr>
+                </a:lnRef>
+                <a:fillRef idx="1">
+                  <a:schemeClr val="accent3"/>
+                </a:fillRef>
+                <a:effectRef idx="0">
+                  <a:schemeClr val="accent3"/>
+                </a:effectRef>
+                <a:fontRef idx="minor">
+                  <a:schemeClr val="lt1"/>
+                </a:fontRef>
+              </p:style>
+              <p:txBody>
+                <a:bodyPr rtlCol="0" anchor="b" anchorCtr="0"/>
+                <a:lstStyle/>
+                <a:p>
+                  <a:pPr algn="ctr"/>
+                  <a:r>
+                    <a:rPr kumimoji="1" lang="en-US" altLang="ja-JP" sz="1000" dirty="0" smtClean="0"/>
+                    <a:t>PM#1</a:t>
+                  </a:r>
+                  <a:endParaRPr kumimoji="1" lang="ja-JP" altLang="en-US" sz="1000" dirty="0"/>
+                </a:p>
+              </p:txBody>
+            </p:sp>
+            <p:grpSp>
+              <p:nvGrpSpPr>
+                <p:cNvPr id="235" name="グループ化 234"/>
+                <p:cNvGrpSpPr/>
+                <p:nvPr/>
+              </p:nvGrpSpPr>
+              <p:grpSpPr>
+                <a:xfrm>
+                  <a:off x="1900650" y="5289825"/>
+                  <a:ext cx="720000" cy="504000"/>
+                  <a:chOff x="4320000" y="2767876"/>
+                  <a:chExt cx="720000" cy="504000"/>
+                </a:xfrm>
+              </p:grpSpPr>
+              <p:sp>
+                <p:nvSpPr>
+                  <p:cNvPr id="252" name="正方形/長方形 251"/>
+                  <p:cNvSpPr/>
+                  <p:nvPr/>
+                </p:nvSpPr>
+                <p:spPr>
+                  <a:xfrm>
+                    <a:off x="4320000" y="2911876"/>
+                    <a:ext cx="720000" cy="360000"/>
+                  </a:xfrm>
+                  <a:prstGeom prst="rect">
+                    <a:avLst/>
+                  </a:prstGeom>
+                </p:spPr>
+                <p:style>
+                  <a:lnRef idx="2">
+                    <a:schemeClr val="accent1">
+                      <a:shade val="50000"/>
+                    </a:schemeClr>
+                  </a:lnRef>
+                  <a:fillRef idx="1">
+                    <a:schemeClr val="accent1"/>
+                  </a:fillRef>
+                  <a:effectRef idx="0">
+                    <a:schemeClr val="accent1"/>
+                  </a:effectRef>
+                  <a:fontRef idx="minor">
+                    <a:schemeClr val="lt1"/>
+                  </a:fontRef>
+                </p:style>
+                <p:txBody>
+                  <a:bodyPr rtlCol="0" anchor="ctr"/>
+                  <a:lstStyle/>
+                  <a:p>
+                    <a:pPr algn="ctr"/>
+                    <a:r>
+                      <a:rPr kumimoji="1" lang="en-US" altLang="ja-JP" sz="1000" dirty="0" smtClean="0"/>
+                      <a:t>VM#1</a:t>
+                    </a:r>
+                    <a:endParaRPr kumimoji="1" lang="ja-JP" altLang="en-US" sz="1000" dirty="0"/>
+                  </a:p>
+                </p:txBody>
+              </p:sp>
+              <p:grpSp>
+                <p:nvGrpSpPr>
+                  <p:cNvPr id="253" name="グループ化 252"/>
+                  <p:cNvGrpSpPr/>
+                  <p:nvPr/>
+                </p:nvGrpSpPr>
+                <p:grpSpPr>
+                  <a:xfrm>
+                    <a:off x="4500000" y="2767876"/>
+                    <a:ext cx="360000" cy="144000"/>
+                    <a:chOff x="5400000" y="2767876"/>
+                    <a:chExt cx="360000" cy="144000"/>
+                  </a:xfrm>
+                </p:grpSpPr>
+                <p:sp>
+                  <p:nvSpPr>
+                    <p:cNvPr id="254" name="正方形/長方形 253"/>
+                    <p:cNvSpPr/>
+                    <p:nvPr/>
+                  </p:nvSpPr>
+                  <p:spPr>
+                    <a:xfrm>
+                      <a:off x="5400000" y="2767876"/>
+                      <a:ext cx="144000" cy="144000"/>
+                    </a:xfrm>
+                    <a:prstGeom prst="rect">
+                      <a:avLst/>
+                    </a:prstGeom>
+                  </p:spPr>
+                  <p:style>
+                    <a:lnRef idx="2">
+                      <a:schemeClr val="accent1">
+                        <a:shade val="50000"/>
+                      </a:schemeClr>
+                    </a:lnRef>
+                    <a:fillRef idx="1">
+                      <a:schemeClr val="accent1"/>
+                    </a:fillRef>
+                    <a:effectRef idx="0">
+                      <a:schemeClr val="accent1"/>
+                    </a:effectRef>
+                    <a:fontRef idx="minor">
+                      <a:schemeClr val="lt1"/>
+                    </a:fontRef>
+                  </p:style>
+                  <p:txBody>
+                    <a:bodyPr rtlCol="0" anchor="ctr"/>
+                    <a:lstStyle/>
+                    <a:p>
+                      <a:pPr algn="ctr"/>
+                      <a:endParaRPr kumimoji="1" lang="ja-JP" altLang="en-US" sz="1000"/>
+                    </a:p>
+                  </p:txBody>
+                </p:sp>
+                <p:sp>
+                  <p:nvSpPr>
+                    <p:cNvPr id="255" name="正方形/長方形 254"/>
+                    <p:cNvSpPr/>
+                    <p:nvPr/>
+                  </p:nvSpPr>
+                  <p:spPr>
+                    <a:xfrm>
+                      <a:off x="5616000" y="2767876"/>
+                      <a:ext cx="144000" cy="144000"/>
+                    </a:xfrm>
+                    <a:prstGeom prst="rect">
+                      <a:avLst/>
+                    </a:prstGeom>
+                  </p:spPr>
+                  <p:style>
+                    <a:lnRef idx="2">
+                      <a:schemeClr val="accent1">
+                        <a:shade val="50000"/>
+                      </a:schemeClr>
+                    </a:lnRef>
+                    <a:fillRef idx="1">
+                      <a:schemeClr val="accent1"/>
+                    </a:fillRef>
+                    <a:effectRef idx="0">
+                      <a:schemeClr val="accent1"/>
+                    </a:effectRef>
+                    <a:fontRef idx="minor">
+                      <a:schemeClr val="lt1"/>
+                    </a:fontRef>
+                  </p:style>
+                  <p:txBody>
+                    <a:bodyPr rtlCol="0" anchor="ctr"/>
+                    <a:lstStyle/>
+                    <a:p>
+                      <a:pPr algn="ctr"/>
+                      <a:endParaRPr kumimoji="1" lang="ja-JP" altLang="en-US" sz="1000"/>
+                    </a:p>
+                  </p:txBody>
+                </p:sp>
+              </p:grpSp>
+            </p:grpSp>
+            <p:sp>
+              <p:nvSpPr>
+                <p:cNvPr id="236" name="正方形/長方形 235"/>
+                <p:cNvSpPr/>
+                <p:nvPr/>
+              </p:nvSpPr>
+              <p:spPr>
+                <a:xfrm>
+                  <a:off x="2080650" y="4677360"/>
+                  <a:ext cx="144000" cy="144000"/>
+                </a:xfrm>
+                <a:prstGeom prst="rect">
+                  <a:avLst/>
+                </a:prstGeom>
+              </p:spPr>
+              <p:style>
+                <a:lnRef idx="2">
+                  <a:schemeClr val="accent1">
+                    <a:shade val="50000"/>
+                  </a:schemeClr>
+                </a:lnRef>
+                <a:fillRef idx="1">
+                  <a:schemeClr val="accent1"/>
+                </a:fillRef>
+                <a:effectRef idx="0">
+                  <a:schemeClr val="accent1"/>
+                </a:effectRef>
+                <a:fontRef idx="minor">
+                  <a:schemeClr val="lt1"/>
+                </a:fontRef>
+              </p:style>
+              <p:txBody>
+                <a:bodyPr rtlCol="0" anchor="ctr"/>
+                <a:lstStyle/>
+                <a:p>
+                  <a:pPr algn="ctr"/>
+                  <a:r>
+                    <a:rPr kumimoji="1" lang="en-US" altLang="ja-JP" sz="1000" dirty="0" smtClean="0"/>
+                    <a:t>1</a:t>
+                  </a:r>
+                  <a:endParaRPr kumimoji="1" lang="ja-JP" altLang="en-US" sz="1000" dirty="0"/>
+                </a:p>
+              </p:txBody>
+            </p:sp>
+            <p:sp>
+              <p:nvSpPr>
+                <p:cNvPr id="237" name="正方形/長方形 236"/>
+                <p:cNvSpPr/>
+                <p:nvPr/>
+              </p:nvSpPr>
+              <p:spPr>
+                <a:xfrm>
+                  <a:off x="2296650" y="4674031"/>
+                  <a:ext cx="144000" cy="144000"/>
+                </a:xfrm>
+                <a:prstGeom prst="rect">
+                  <a:avLst/>
+                </a:prstGeom>
+              </p:spPr>
+              <p:style>
+                <a:lnRef idx="2">
+                  <a:schemeClr val="accent1">
+                    <a:shade val="50000"/>
+                  </a:schemeClr>
+                </a:lnRef>
+                <a:fillRef idx="1">
+                  <a:schemeClr val="accent1"/>
+                </a:fillRef>
+                <a:effectRef idx="0">
+                  <a:schemeClr val="accent1"/>
+                </a:effectRef>
+                <a:fontRef idx="minor">
+                  <a:schemeClr val="lt1"/>
+                </a:fontRef>
+              </p:style>
+              <p:txBody>
+                <a:bodyPr rtlCol="0" anchor="ctr"/>
+                <a:lstStyle/>
+                <a:p>
+                  <a:pPr algn="ctr"/>
+                  <a:r>
+                    <a:rPr kumimoji="1" lang="en-US" altLang="ja-JP" sz="1000" dirty="0" smtClean="0"/>
+                    <a:t>2</a:t>
+                  </a:r>
+                  <a:endParaRPr kumimoji="1" lang="ja-JP" altLang="en-US" sz="1000" dirty="0"/>
+                </a:p>
+              </p:txBody>
+            </p:sp>
+            <p:sp>
+              <p:nvSpPr>
+                <p:cNvPr id="238" name="正方形/長方形 237"/>
+                <p:cNvSpPr/>
+                <p:nvPr/>
+              </p:nvSpPr>
+              <p:spPr>
+                <a:xfrm>
+                  <a:off x="2512650" y="4674882"/>
+                  <a:ext cx="144000" cy="144000"/>
+                </a:xfrm>
+                <a:prstGeom prst="rect">
+                  <a:avLst/>
+                </a:prstGeom>
+              </p:spPr>
+              <p:style>
+                <a:lnRef idx="2">
+                  <a:schemeClr val="accent1">
+                    <a:shade val="50000"/>
+                  </a:schemeClr>
+                </a:lnRef>
+                <a:fillRef idx="1">
+                  <a:schemeClr val="accent1"/>
+                </a:fillRef>
+                <a:effectRef idx="0">
+                  <a:schemeClr val="accent1"/>
+                </a:effectRef>
+                <a:fontRef idx="minor">
+                  <a:schemeClr val="lt1"/>
+                </a:fontRef>
+              </p:style>
+              <p:txBody>
+                <a:bodyPr rtlCol="0" anchor="ctr"/>
+                <a:lstStyle/>
+                <a:p>
+                  <a:pPr algn="ctr"/>
+                  <a:r>
+                    <a:rPr kumimoji="1" lang="en-US" altLang="ja-JP" sz="1000" dirty="0" smtClean="0"/>
+                    <a:t>3</a:t>
+                  </a:r>
+                  <a:endParaRPr kumimoji="1" lang="ja-JP" altLang="en-US" sz="1000" dirty="0"/>
+                </a:p>
+              </p:txBody>
+            </p:sp>
+            <p:cxnSp>
+              <p:nvCxnSpPr>
+                <p:cNvPr id="239" name="直線コネクタ 238"/>
+                <p:cNvCxnSpPr>
+                  <a:stCxn id="236" idx="2"/>
+                  <a:endCxn id="254" idx="0"/>
+                </p:cNvCxnSpPr>
+                <p:nvPr/>
+              </p:nvCxnSpPr>
+              <p:spPr>
+                <a:xfrm>
+                  <a:off x="2152650" y="4821360"/>
+                  <a:ext cx="0" cy="468465"/>
+                </a:xfrm>
+                <a:prstGeom prst="line">
+                  <a:avLst/>
+                </a:prstGeom>
+              </p:spPr>
+              <p:style>
+                <a:lnRef idx="1">
+                  <a:schemeClr val="dk1"/>
+                </a:lnRef>
+                <a:fillRef idx="0">
+                  <a:schemeClr val="dk1"/>
+                </a:fillRef>
+                <a:effectRef idx="0">
+                  <a:schemeClr val="dk1"/>
+                </a:effectRef>
+                <a:fontRef idx="minor">
+                  <a:schemeClr val="tx1"/>
+                </a:fontRef>
+              </p:style>
+            </p:cxnSp>
+            <p:cxnSp>
+              <p:nvCxnSpPr>
+                <p:cNvPr id="240" name="直線コネクタ 239"/>
+                <p:cNvCxnSpPr>
+                  <a:stCxn id="237" idx="2"/>
+                  <a:endCxn id="255" idx="0"/>
+                </p:cNvCxnSpPr>
+                <p:nvPr/>
+              </p:nvCxnSpPr>
+              <p:spPr>
+                <a:xfrm>
+                  <a:off x="2368650" y="4818031"/>
+                  <a:ext cx="0" cy="471794"/>
+                </a:xfrm>
+                <a:prstGeom prst="line">
+                  <a:avLst/>
+                </a:prstGeom>
+              </p:spPr>
+              <p:style>
+                <a:lnRef idx="1">
+                  <a:schemeClr val="dk1"/>
+                </a:lnRef>
+                <a:fillRef idx="0">
+                  <a:schemeClr val="dk1"/>
+                </a:fillRef>
+                <a:effectRef idx="0">
+                  <a:schemeClr val="dk1"/>
+                </a:effectRef>
+                <a:fontRef idx="minor">
+                  <a:schemeClr val="tx1"/>
+                </a:fontRef>
+              </p:style>
+            </p:cxnSp>
+            <p:sp>
+              <p:nvSpPr>
+                <p:cNvPr id="241" name="正方形/長方形 240"/>
+                <p:cNvSpPr/>
+                <p:nvPr/>
+              </p:nvSpPr>
+              <p:spPr>
+                <a:xfrm>
+                  <a:off x="3771150" y="4821825"/>
+                  <a:ext cx="1440000" cy="1440000"/>
+                </a:xfrm>
+                <a:prstGeom prst="rect">
+                  <a:avLst/>
+                </a:prstGeom>
+                <a:ln>
+                  <a:solidFill>
+                    <a:schemeClr val="accent1"/>
+                  </a:solidFill>
+                </a:ln>
+              </p:spPr>
+              <p:style>
+                <a:lnRef idx="2">
+                  <a:schemeClr val="accent3">
+                    <a:shade val="50000"/>
+                  </a:schemeClr>
+                </a:lnRef>
+                <a:fillRef idx="1">
+                  <a:schemeClr val="accent3"/>
+                </a:fillRef>
+                <a:effectRef idx="0">
+                  <a:schemeClr val="accent3"/>
+                </a:effectRef>
+                <a:fontRef idx="minor">
+                  <a:schemeClr val="lt1"/>
+                </a:fontRef>
+              </p:style>
+              <p:txBody>
+                <a:bodyPr rtlCol="0" anchor="b" anchorCtr="0"/>
+                <a:lstStyle/>
+                <a:p>
+                  <a:pPr algn="ctr"/>
+                  <a:r>
+                    <a:rPr kumimoji="1" lang="en-US" altLang="ja-JP" sz="1000" dirty="0" smtClean="0"/>
+                    <a:t>PM#2</a:t>
+                  </a:r>
+                  <a:endParaRPr kumimoji="1" lang="ja-JP" altLang="en-US" sz="1000" dirty="0"/>
+                </a:p>
+              </p:txBody>
+            </p:sp>
+            <p:grpSp>
+              <p:nvGrpSpPr>
+                <p:cNvPr id="242" name="グループ化 241"/>
+                <p:cNvGrpSpPr/>
+                <p:nvPr/>
+              </p:nvGrpSpPr>
+              <p:grpSpPr>
+                <a:xfrm>
+                  <a:off x="4131150" y="5289825"/>
+                  <a:ext cx="720000" cy="504000"/>
+                  <a:chOff x="4320000" y="2767876"/>
+                  <a:chExt cx="720000" cy="504000"/>
+                </a:xfrm>
+              </p:grpSpPr>
+              <p:sp>
+                <p:nvSpPr>
+                  <p:cNvPr id="248" name="正方形/長方形 247"/>
+                  <p:cNvSpPr/>
+                  <p:nvPr/>
+                </p:nvSpPr>
+                <p:spPr>
+                  <a:xfrm>
+                    <a:off x="4320000" y="2911876"/>
+                    <a:ext cx="720000" cy="360000"/>
+                  </a:xfrm>
+                  <a:prstGeom prst="rect">
+                    <a:avLst/>
+                  </a:prstGeom>
+                </p:spPr>
+                <p:style>
+                  <a:lnRef idx="2">
+                    <a:schemeClr val="accent1">
+                      <a:shade val="50000"/>
+                    </a:schemeClr>
+                  </a:lnRef>
+                  <a:fillRef idx="1">
+                    <a:schemeClr val="accent1"/>
+                  </a:fillRef>
+                  <a:effectRef idx="0">
+                    <a:schemeClr val="accent1"/>
+                  </a:effectRef>
+                  <a:fontRef idx="minor">
+                    <a:schemeClr val="lt1"/>
+                  </a:fontRef>
+                </p:style>
+                <p:txBody>
+                  <a:bodyPr rtlCol="0" anchor="ctr"/>
+                  <a:lstStyle/>
+                  <a:p>
+                    <a:pPr algn="ctr"/>
+                    <a:r>
+                      <a:rPr kumimoji="1" lang="en-US" altLang="ja-JP" sz="1000" dirty="0" smtClean="0"/>
+                      <a:t>VM#2</a:t>
+                    </a:r>
+                    <a:endParaRPr kumimoji="1" lang="ja-JP" altLang="en-US" sz="1000" dirty="0"/>
+                  </a:p>
+                </p:txBody>
+              </p:sp>
+              <p:grpSp>
+                <p:nvGrpSpPr>
+                  <p:cNvPr id="249" name="グループ化 248"/>
+                  <p:cNvGrpSpPr/>
+                  <p:nvPr/>
+                </p:nvGrpSpPr>
+                <p:grpSpPr>
+                  <a:xfrm>
+                    <a:off x="4500000" y="2767876"/>
+                    <a:ext cx="360000" cy="144000"/>
+                    <a:chOff x="5400000" y="2767876"/>
+                    <a:chExt cx="360000" cy="144000"/>
+                  </a:xfrm>
+                </p:grpSpPr>
+                <p:sp>
+                  <p:nvSpPr>
+                    <p:cNvPr id="250" name="正方形/長方形 249"/>
+                    <p:cNvSpPr/>
+                    <p:nvPr/>
+                  </p:nvSpPr>
+                  <p:spPr>
+                    <a:xfrm>
+                      <a:off x="5400000" y="2767876"/>
+                      <a:ext cx="144000" cy="144000"/>
+                    </a:xfrm>
+                    <a:prstGeom prst="rect">
+                      <a:avLst/>
+                    </a:prstGeom>
+                  </p:spPr>
+                  <p:style>
+                    <a:lnRef idx="2">
+                      <a:schemeClr val="accent1">
+                        <a:shade val="50000"/>
+                      </a:schemeClr>
+                    </a:lnRef>
+                    <a:fillRef idx="1">
+                      <a:schemeClr val="accent1"/>
+                    </a:fillRef>
+                    <a:effectRef idx="0">
+                      <a:schemeClr val="accent1"/>
+                    </a:effectRef>
+                    <a:fontRef idx="minor">
+                      <a:schemeClr val="lt1"/>
+                    </a:fontRef>
+                  </p:style>
+                  <p:txBody>
+                    <a:bodyPr rtlCol="0" anchor="ctr"/>
+                    <a:lstStyle/>
+                    <a:p>
+                      <a:pPr algn="ctr"/>
+                      <a:endParaRPr kumimoji="1" lang="ja-JP" altLang="en-US" sz="1000"/>
+                    </a:p>
+                  </p:txBody>
+                </p:sp>
+                <p:sp>
+                  <p:nvSpPr>
+                    <p:cNvPr id="251" name="正方形/長方形 250"/>
+                    <p:cNvSpPr/>
+                    <p:nvPr/>
+                  </p:nvSpPr>
+                  <p:spPr>
+                    <a:xfrm>
+                      <a:off x="5616000" y="2767876"/>
+                      <a:ext cx="144000" cy="144000"/>
+                    </a:xfrm>
+                    <a:prstGeom prst="rect">
+                      <a:avLst/>
+                    </a:prstGeom>
+                  </p:spPr>
+                  <p:style>
+                    <a:lnRef idx="2">
+                      <a:schemeClr val="accent1">
+                        <a:shade val="50000"/>
+                      </a:schemeClr>
+                    </a:lnRef>
+                    <a:fillRef idx="1">
+                      <a:schemeClr val="accent1"/>
+                    </a:fillRef>
+                    <a:effectRef idx="0">
+                      <a:schemeClr val="accent1"/>
+                    </a:effectRef>
+                    <a:fontRef idx="minor">
+                      <a:schemeClr val="lt1"/>
+                    </a:fontRef>
+                  </p:style>
+                  <p:txBody>
+                    <a:bodyPr rtlCol="0" anchor="ctr"/>
+                    <a:lstStyle/>
+                    <a:p>
+                      <a:pPr algn="ctr"/>
+                      <a:endParaRPr kumimoji="1" lang="ja-JP" altLang="en-US" sz="1000"/>
+                    </a:p>
+                  </p:txBody>
+                </p:sp>
+              </p:grpSp>
+            </p:grpSp>
+            <p:sp>
+              <p:nvSpPr>
+                <p:cNvPr id="243" name="正方形/長方形 242"/>
+                <p:cNvSpPr/>
+                <p:nvPr/>
+              </p:nvSpPr>
+              <p:spPr>
+                <a:xfrm>
+                  <a:off x="4311150" y="4677360"/>
+                  <a:ext cx="144000" cy="144000"/>
+                </a:xfrm>
+                <a:prstGeom prst="rect">
+                  <a:avLst/>
+                </a:prstGeom>
+              </p:spPr>
+              <p:style>
+                <a:lnRef idx="2">
+                  <a:schemeClr val="accent1">
+                    <a:shade val="50000"/>
+                  </a:schemeClr>
+                </a:lnRef>
+                <a:fillRef idx="1">
+                  <a:schemeClr val="accent1"/>
+                </a:fillRef>
+                <a:effectRef idx="0">
+                  <a:schemeClr val="accent1"/>
+                </a:effectRef>
+                <a:fontRef idx="minor">
+                  <a:schemeClr val="lt1"/>
+                </a:fontRef>
+              </p:style>
+              <p:txBody>
+                <a:bodyPr wrap="none" rtlCol="0" anchor="ctr"/>
+                <a:lstStyle/>
+                <a:p>
+                  <a:pPr algn="ctr"/>
+                  <a:r>
+                    <a:rPr kumimoji="1" lang="en-US" altLang="ja-JP" sz="1000" dirty="0" smtClean="0"/>
+                    <a:t>1’</a:t>
+                  </a:r>
+                  <a:endParaRPr kumimoji="1" lang="ja-JP" altLang="en-US" sz="1000" dirty="0"/>
+                </a:p>
+              </p:txBody>
+            </p:sp>
+            <p:sp>
+              <p:nvSpPr>
+                <p:cNvPr id="244" name="正方形/長方形 243"/>
+                <p:cNvSpPr/>
+                <p:nvPr/>
+              </p:nvSpPr>
+              <p:spPr>
+                <a:xfrm>
+                  <a:off x="4527150" y="4674031"/>
+                  <a:ext cx="144000" cy="144000"/>
+                </a:xfrm>
+                <a:prstGeom prst="rect">
+                  <a:avLst/>
+                </a:prstGeom>
+              </p:spPr>
+              <p:style>
+                <a:lnRef idx="2">
+                  <a:schemeClr val="accent1">
+                    <a:shade val="50000"/>
+                  </a:schemeClr>
+                </a:lnRef>
+                <a:fillRef idx="1">
+                  <a:schemeClr val="accent1"/>
+                </a:fillRef>
+                <a:effectRef idx="0">
+                  <a:schemeClr val="accent1"/>
+                </a:effectRef>
+                <a:fontRef idx="minor">
+                  <a:schemeClr val="lt1"/>
+                </a:fontRef>
+              </p:style>
+              <p:txBody>
+                <a:bodyPr wrap="none" rtlCol="0" anchor="ctr"/>
+                <a:lstStyle/>
+                <a:p>
+                  <a:pPr algn="ctr"/>
+                  <a:r>
+                    <a:rPr kumimoji="1" lang="en-US" altLang="ja-JP" sz="1000" dirty="0" smtClean="0"/>
+                    <a:t>2’</a:t>
+                  </a:r>
+                  <a:endParaRPr kumimoji="1" lang="ja-JP" altLang="en-US" sz="1000" dirty="0"/>
+                </a:p>
+              </p:txBody>
+            </p:sp>
+            <p:sp>
+              <p:nvSpPr>
+                <p:cNvPr id="245" name="正方形/長方形 244"/>
+                <p:cNvSpPr/>
+                <p:nvPr/>
+              </p:nvSpPr>
+              <p:spPr>
+                <a:xfrm>
+                  <a:off x="4743150" y="4674882"/>
+                  <a:ext cx="144000" cy="144000"/>
+                </a:xfrm>
+                <a:prstGeom prst="rect">
+                  <a:avLst/>
+                </a:prstGeom>
+              </p:spPr>
+              <p:style>
+                <a:lnRef idx="2">
+                  <a:schemeClr val="accent1">
+                    <a:shade val="50000"/>
+                  </a:schemeClr>
+                </a:lnRef>
+                <a:fillRef idx="1">
+                  <a:schemeClr val="accent1"/>
+                </a:fillRef>
+                <a:effectRef idx="0">
+                  <a:schemeClr val="accent1"/>
+                </a:effectRef>
+                <a:fontRef idx="minor">
+                  <a:schemeClr val="lt1"/>
+                </a:fontRef>
+              </p:style>
+              <p:txBody>
+                <a:bodyPr wrap="none" rtlCol="0" anchor="ctr"/>
+                <a:lstStyle/>
+                <a:p>
+                  <a:pPr algn="ctr"/>
+                  <a:r>
+                    <a:rPr kumimoji="1" lang="en-US" altLang="ja-JP" sz="1000" dirty="0" smtClean="0"/>
+                    <a:t>3’</a:t>
+                  </a:r>
+                  <a:endParaRPr kumimoji="1" lang="ja-JP" altLang="en-US" sz="1000" dirty="0"/>
+                </a:p>
+              </p:txBody>
+            </p:sp>
+            <p:cxnSp>
+              <p:nvCxnSpPr>
+                <p:cNvPr id="246" name="直線コネクタ 245"/>
+                <p:cNvCxnSpPr>
+                  <a:stCxn id="243" idx="2"/>
+                  <a:endCxn id="250" idx="0"/>
+                </p:cNvCxnSpPr>
+                <p:nvPr/>
+              </p:nvCxnSpPr>
+              <p:spPr>
+                <a:xfrm>
+                  <a:off x="4383150" y="4821360"/>
+                  <a:ext cx="0" cy="468465"/>
+                </a:xfrm>
+                <a:prstGeom prst="line">
+                  <a:avLst/>
+                </a:prstGeom>
+              </p:spPr>
+              <p:style>
+                <a:lnRef idx="1">
+                  <a:schemeClr val="dk1"/>
+                </a:lnRef>
+                <a:fillRef idx="0">
+                  <a:schemeClr val="dk1"/>
+                </a:fillRef>
+                <a:effectRef idx="0">
+                  <a:schemeClr val="dk1"/>
+                </a:effectRef>
+                <a:fontRef idx="minor">
+                  <a:schemeClr val="tx1"/>
+                </a:fontRef>
+              </p:style>
+            </p:cxnSp>
+            <p:cxnSp>
+              <p:nvCxnSpPr>
+                <p:cNvPr id="247" name="直線コネクタ 246"/>
+                <p:cNvCxnSpPr>
+                  <a:stCxn id="244" idx="2"/>
+                  <a:endCxn id="251" idx="0"/>
+                </p:cNvCxnSpPr>
+                <p:nvPr/>
+              </p:nvCxnSpPr>
+              <p:spPr>
+                <a:xfrm>
+                  <a:off x="4599150" y="4818031"/>
+                  <a:ext cx="0" cy="471794"/>
+                </a:xfrm>
+                <a:prstGeom prst="line">
+                  <a:avLst/>
+                </a:prstGeom>
+              </p:spPr>
+              <p:style>
+                <a:lnRef idx="1">
+                  <a:schemeClr val="dk1"/>
+                </a:lnRef>
+                <a:fillRef idx="0">
+                  <a:schemeClr val="dk1"/>
+                </a:fillRef>
+                <a:effectRef idx="0">
+                  <a:schemeClr val="dk1"/>
+                </a:effectRef>
+                <a:fontRef idx="minor">
+                  <a:schemeClr val="tx1"/>
+                </a:fontRef>
+              </p:style>
+            </p:cxnSp>
+          </p:grpSp>
+        </p:grpSp>
+        <p:sp>
+          <p:nvSpPr>
+            <p:cNvPr id="2" name="角丸四角形 1"/>
+            <p:cNvSpPr/>
+            <p:nvPr/>
+          </p:nvSpPr>
+          <p:spPr>
+            <a:xfrm>
+              <a:off x="6076755" y="2929515"/>
+              <a:ext cx="540000" cy="180000"/>
+            </a:xfrm>
+            <a:prstGeom prst="roundRect">
+              <a:avLst/>
+            </a:prstGeom>
+            <a:solidFill>
+              <a:srgbClr val="FFC000"/>
+            </a:solidFill>
+          </p:spPr>
+          <p:style>
+            <a:lnRef idx="2">
+              <a:schemeClr val="accent1">
+                <a:shade val="50000"/>
+              </a:schemeClr>
+            </a:lnRef>
+            <a:fillRef idx="1">
+              <a:schemeClr val="accent1"/>
+            </a:fillRef>
+            <a:effectRef idx="0">
+              <a:schemeClr val="accent1"/>
+            </a:effectRef>
+            <a:fontRef idx="minor">
+              <a:schemeClr val="lt1"/>
+            </a:fontRef>
+          </p:style>
+          <p:txBody>
+            <a:bodyPr wrap="none" lIns="36000" tIns="36000" rIns="36000" bIns="36000" rtlCol="0" anchor="ctr">
+              <a:noAutofit/>
+            </a:bodyPr>
+            <a:lstStyle/>
+            <a:p>
+              <a:pPr algn="ctr"/>
+              <a:r>
+                <a:rPr kumimoji="1" lang="en-US" altLang="ja-JP" sz="1000" b="1" dirty="0" smtClean="0">
+                  <a:solidFill>
+                    <a:schemeClr val="tx1"/>
+                  </a:solidFill>
+                </a:rPr>
+                <a:t>Suspend</a:t>
+              </a:r>
+              <a:endParaRPr kumimoji="1" lang="ja-JP" altLang="en-US" sz="1000" b="1" dirty="0">
+                <a:solidFill>
+                  <a:schemeClr val="tx1"/>
+                </a:solidFill>
+              </a:endParaRPr>
+            </a:p>
+          </p:txBody>
+        </p:sp>
+      </p:grpSp>
     </p:spTree>
     <p:extLst>
       <p:ext uri="{BB962C8B-B14F-4D97-AF65-F5344CB8AC3E}">

--- a/NWTest.pptx
+++ b/NWTest.pptx
@@ -6,6 +6,7 @@
   </p:sldMasterIdLst>
   <p:sldIdLst>
     <p:sldId id="256" r:id="rId2"/>
+    <p:sldId id="257" r:id="rId3"/>
   </p:sldIdLst>
   <p:sldSz cx="12192000" cy="6858000"/>
   <p:notesSz cx="6858000" cy="9144000"/>
@@ -154,10 +155,9 @@
           </a:lstStyle>
           <a:p>
             <a:r>
-              <a:rPr kumimoji="1" lang="ja-JP" altLang="en-US" smtClean="0"/>
+              <a:rPr kumimoji="1" lang="ja-JP" altLang="en-US"/>
               <a:t>マスター タイトルの書式設定</a:t>
             </a:r>
-            <a:endParaRPr kumimoji="1" lang="ja-JP" altLang="en-US"/>
           </a:p>
         </p:txBody>
       </p:sp>
@@ -219,10 +219,9 @@
           </a:lstStyle>
           <a:p>
             <a:r>
-              <a:rPr kumimoji="1" lang="ja-JP" altLang="en-US" smtClean="0"/>
+              <a:rPr kumimoji="1" lang="ja-JP" altLang="en-US"/>
               <a:t>マスター サブタイトルの書式設定</a:t>
             </a:r>
-            <a:endParaRPr kumimoji="1" lang="ja-JP" altLang="en-US"/>
           </a:p>
         </p:txBody>
       </p:sp>
@@ -243,7 +242,7 @@
           <a:p>
             <a:fld id="{278734C7-5BF5-4A93-8E96-ED01F4D5F738}" type="datetimeFigureOut">
               <a:rPr kumimoji="1" lang="ja-JP" altLang="en-US" smtClean="0"/>
-              <a:t>2022/7/6</a:t>
+              <a:t>2022/8/4</a:t>
             </a:fld>
             <a:endParaRPr kumimoji="1" lang="ja-JP" altLang="en-US"/>
           </a:p>
@@ -337,10 +336,9 @@
           <a:lstStyle/>
           <a:p>
             <a:r>
-              <a:rPr kumimoji="1" lang="ja-JP" altLang="en-US" smtClean="0"/>
+              <a:rPr kumimoji="1" lang="ja-JP" altLang="en-US"/>
               <a:t>マスター タイトルの書式設定</a:t>
             </a:r>
-            <a:endParaRPr kumimoji="1" lang="ja-JP" altLang="en-US"/>
           </a:p>
         </p:txBody>
       </p:sp>
@@ -361,70 +359,69 @@
           <a:p>
             <a:pPr lvl="0"/>
             <a:r>
-              <a:rPr kumimoji="1" lang="ja-JP" altLang="en-US" smtClean="0"/>
+              <a:rPr kumimoji="1" lang="ja-JP" altLang="en-US"/>
               <a:t>マスター テキストの書式設定</a:t>
             </a:r>
           </a:p>
           <a:p>
             <a:pPr lvl="1"/>
             <a:r>
-              <a:rPr kumimoji="1" lang="ja-JP" altLang="en-US" smtClean="0"/>
+              <a:rPr kumimoji="1" lang="ja-JP" altLang="en-US"/>
               <a:t>第 </a:t>
             </a:r>
             <a:r>
-              <a:rPr kumimoji="1" lang="en-US" altLang="ja-JP" smtClean="0"/>
+              <a:rPr kumimoji="1" lang="en-US" altLang="ja-JP"/>
               <a:t>2 </a:t>
             </a:r>
             <a:r>
-              <a:rPr kumimoji="1" lang="ja-JP" altLang="en-US" smtClean="0"/>
+              <a:rPr kumimoji="1" lang="ja-JP" altLang="en-US"/>
               <a:t>レベル</a:t>
             </a:r>
           </a:p>
           <a:p>
             <a:pPr lvl="2"/>
             <a:r>
-              <a:rPr kumimoji="1" lang="ja-JP" altLang="en-US" smtClean="0"/>
+              <a:rPr kumimoji="1" lang="ja-JP" altLang="en-US"/>
               <a:t>第 </a:t>
             </a:r>
             <a:r>
-              <a:rPr kumimoji="1" lang="en-US" altLang="ja-JP" smtClean="0"/>
+              <a:rPr kumimoji="1" lang="en-US" altLang="ja-JP"/>
               <a:t>3 </a:t>
             </a:r>
             <a:r>
-              <a:rPr kumimoji="1" lang="ja-JP" altLang="en-US" smtClean="0"/>
+              <a:rPr kumimoji="1" lang="ja-JP" altLang="en-US"/>
               <a:t>レベル</a:t>
             </a:r>
           </a:p>
           <a:p>
             <a:pPr lvl="3"/>
             <a:r>
-              <a:rPr kumimoji="1" lang="ja-JP" altLang="en-US" smtClean="0"/>
+              <a:rPr kumimoji="1" lang="ja-JP" altLang="en-US"/>
               <a:t>第 </a:t>
             </a:r>
             <a:r>
-              <a:rPr kumimoji="1" lang="en-US" altLang="ja-JP" smtClean="0"/>
+              <a:rPr kumimoji="1" lang="en-US" altLang="ja-JP"/>
               <a:t>4 </a:t>
             </a:r>
             <a:r>
-              <a:rPr kumimoji="1" lang="ja-JP" altLang="en-US" smtClean="0"/>
+              <a:rPr kumimoji="1" lang="ja-JP" altLang="en-US"/>
               <a:t>レベル</a:t>
             </a:r>
           </a:p>
           <a:p>
             <a:pPr lvl="4"/>
             <a:r>
-              <a:rPr kumimoji="1" lang="ja-JP" altLang="en-US" smtClean="0"/>
+              <a:rPr kumimoji="1" lang="ja-JP" altLang="en-US"/>
               <a:t>第 </a:t>
             </a:r>
             <a:r>
-              <a:rPr kumimoji="1" lang="en-US" altLang="ja-JP" smtClean="0"/>
+              <a:rPr kumimoji="1" lang="en-US" altLang="ja-JP"/>
               <a:t>5 </a:t>
             </a:r>
             <a:r>
-              <a:rPr kumimoji="1" lang="ja-JP" altLang="en-US" smtClean="0"/>
+              <a:rPr kumimoji="1" lang="ja-JP" altLang="en-US"/>
               <a:t>レベル</a:t>
             </a:r>
-            <a:endParaRPr kumimoji="1" lang="ja-JP" altLang="en-US"/>
           </a:p>
         </p:txBody>
       </p:sp>
@@ -445,7 +442,7 @@
           <a:p>
             <a:fld id="{278734C7-5BF5-4A93-8E96-ED01F4D5F738}" type="datetimeFigureOut">
               <a:rPr kumimoji="1" lang="ja-JP" altLang="en-US" smtClean="0"/>
-              <a:t>2022/7/6</a:t>
+              <a:t>2022/8/4</a:t>
             </a:fld>
             <a:endParaRPr kumimoji="1" lang="ja-JP" altLang="en-US"/>
           </a:p>
@@ -544,10 +541,9 @@
           <a:lstStyle/>
           <a:p>
             <a:r>
-              <a:rPr kumimoji="1" lang="ja-JP" altLang="en-US" smtClean="0"/>
+              <a:rPr kumimoji="1" lang="ja-JP" altLang="en-US"/>
               <a:t>マスター タイトルの書式設定</a:t>
             </a:r>
-            <a:endParaRPr kumimoji="1" lang="ja-JP" altLang="en-US"/>
           </a:p>
         </p:txBody>
       </p:sp>
@@ -573,70 +569,69 @@
           <a:p>
             <a:pPr lvl="0"/>
             <a:r>
-              <a:rPr kumimoji="1" lang="ja-JP" altLang="en-US" smtClean="0"/>
+              <a:rPr kumimoji="1" lang="ja-JP" altLang="en-US"/>
               <a:t>マスター テキストの書式設定</a:t>
             </a:r>
           </a:p>
           <a:p>
             <a:pPr lvl="1"/>
             <a:r>
-              <a:rPr kumimoji="1" lang="ja-JP" altLang="en-US" smtClean="0"/>
+              <a:rPr kumimoji="1" lang="ja-JP" altLang="en-US"/>
               <a:t>第 </a:t>
             </a:r>
             <a:r>
-              <a:rPr kumimoji="1" lang="en-US" altLang="ja-JP" smtClean="0"/>
+              <a:rPr kumimoji="1" lang="en-US" altLang="ja-JP"/>
               <a:t>2 </a:t>
             </a:r>
             <a:r>
-              <a:rPr kumimoji="1" lang="ja-JP" altLang="en-US" smtClean="0"/>
+              <a:rPr kumimoji="1" lang="ja-JP" altLang="en-US"/>
               <a:t>レベル</a:t>
             </a:r>
           </a:p>
           <a:p>
             <a:pPr lvl="2"/>
             <a:r>
-              <a:rPr kumimoji="1" lang="ja-JP" altLang="en-US" smtClean="0"/>
+              <a:rPr kumimoji="1" lang="ja-JP" altLang="en-US"/>
               <a:t>第 </a:t>
             </a:r>
             <a:r>
-              <a:rPr kumimoji="1" lang="en-US" altLang="ja-JP" smtClean="0"/>
+              <a:rPr kumimoji="1" lang="en-US" altLang="ja-JP"/>
               <a:t>3 </a:t>
             </a:r>
             <a:r>
-              <a:rPr kumimoji="1" lang="ja-JP" altLang="en-US" smtClean="0"/>
+              <a:rPr kumimoji="1" lang="ja-JP" altLang="en-US"/>
               <a:t>レベル</a:t>
             </a:r>
           </a:p>
           <a:p>
             <a:pPr lvl="3"/>
             <a:r>
-              <a:rPr kumimoji="1" lang="ja-JP" altLang="en-US" smtClean="0"/>
+              <a:rPr kumimoji="1" lang="ja-JP" altLang="en-US"/>
               <a:t>第 </a:t>
             </a:r>
             <a:r>
-              <a:rPr kumimoji="1" lang="en-US" altLang="ja-JP" smtClean="0"/>
+              <a:rPr kumimoji="1" lang="en-US" altLang="ja-JP"/>
               <a:t>4 </a:t>
             </a:r>
             <a:r>
-              <a:rPr kumimoji="1" lang="ja-JP" altLang="en-US" smtClean="0"/>
+              <a:rPr kumimoji="1" lang="ja-JP" altLang="en-US"/>
               <a:t>レベル</a:t>
             </a:r>
           </a:p>
           <a:p>
             <a:pPr lvl="4"/>
             <a:r>
-              <a:rPr kumimoji="1" lang="ja-JP" altLang="en-US" smtClean="0"/>
+              <a:rPr kumimoji="1" lang="ja-JP" altLang="en-US"/>
               <a:t>第 </a:t>
             </a:r>
             <a:r>
-              <a:rPr kumimoji="1" lang="en-US" altLang="ja-JP" smtClean="0"/>
+              <a:rPr kumimoji="1" lang="en-US" altLang="ja-JP"/>
               <a:t>5 </a:t>
             </a:r>
             <a:r>
-              <a:rPr kumimoji="1" lang="ja-JP" altLang="en-US" smtClean="0"/>
+              <a:rPr kumimoji="1" lang="ja-JP" altLang="en-US"/>
               <a:t>レベル</a:t>
             </a:r>
-            <a:endParaRPr kumimoji="1" lang="ja-JP" altLang="en-US"/>
           </a:p>
         </p:txBody>
       </p:sp>
@@ -657,7 +652,7 @@
           <a:p>
             <a:fld id="{278734C7-5BF5-4A93-8E96-ED01F4D5F738}" type="datetimeFigureOut">
               <a:rPr kumimoji="1" lang="ja-JP" altLang="en-US" smtClean="0"/>
-              <a:t>2022/7/6</a:t>
+              <a:t>2022/8/4</a:t>
             </a:fld>
             <a:endParaRPr kumimoji="1" lang="ja-JP" altLang="en-US"/>
           </a:p>
@@ -751,10 +746,9 @@
           <a:lstStyle/>
           <a:p>
             <a:r>
-              <a:rPr kumimoji="1" lang="ja-JP" altLang="en-US" smtClean="0"/>
+              <a:rPr kumimoji="1" lang="ja-JP" altLang="en-US"/>
               <a:t>マスター タイトルの書式設定</a:t>
             </a:r>
-            <a:endParaRPr kumimoji="1" lang="ja-JP" altLang="en-US"/>
           </a:p>
         </p:txBody>
       </p:sp>
@@ -775,70 +769,69 @@
           <a:p>
             <a:pPr lvl="0"/>
             <a:r>
-              <a:rPr kumimoji="1" lang="ja-JP" altLang="en-US" smtClean="0"/>
+              <a:rPr kumimoji="1" lang="ja-JP" altLang="en-US"/>
               <a:t>マスター テキストの書式設定</a:t>
             </a:r>
           </a:p>
           <a:p>
             <a:pPr lvl="1"/>
             <a:r>
-              <a:rPr kumimoji="1" lang="ja-JP" altLang="en-US" smtClean="0"/>
+              <a:rPr kumimoji="1" lang="ja-JP" altLang="en-US"/>
               <a:t>第 </a:t>
             </a:r>
             <a:r>
-              <a:rPr kumimoji="1" lang="en-US" altLang="ja-JP" smtClean="0"/>
+              <a:rPr kumimoji="1" lang="en-US" altLang="ja-JP"/>
               <a:t>2 </a:t>
             </a:r>
             <a:r>
-              <a:rPr kumimoji="1" lang="ja-JP" altLang="en-US" smtClean="0"/>
+              <a:rPr kumimoji="1" lang="ja-JP" altLang="en-US"/>
               <a:t>レベル</a:t>
             </a:r>
           </a:p>
           <a:p>
             <a:pPr lvl="2"/>
             <a:r>
-              <a:rPr kumimoji="1" lang="ja-JP" altLang="en-US" smtClean="0"/>
+              <a:rPr kumimoji="1" lang="ja-JP" altLang="en-US"/>
               <a:t>第 </a:t>
             </a:r>
             <a:r>
-              <a:rPr kumimoji="1" lang="en-US" altLang="ja-JP" smtClean="0"/>
+              <a:rPr kumimoji="1" lang="en-US" altLang="ja-JP"/>
               <a:t>3 </a:t>
             </a:r>
             <a:r>
-              <a:rPr kumimoji="1" lang="ja-JP" altLang="en-US" smtClean="0"/>
+              <a:rPr kumimoji="1" lang="ja-JP" altLang="en-US"/>
               <a:t>レベル</a:t>
             </a:r>
           </a:p>
           <a:p>
             <a:pPr lvl="3"/>
             <a:r>
-              <a:rPr kumimoji="1" lang="ja-JP" altLang="en-US" smtClean="0"/>
+              <a:rPr kumimoji="1" lang="ja-JP" altLang="en-US"/>
               <a:t>第 </a:t>
             </a:r>
             <a:r>
-              <a:rPr kumimoji="1" lang="en-US" altLang="ja-JP" smtClean="0"/>
+              <a:rPr kumimoji="1" lang="en-US" altLang="ja-JP"/>
               <a:t>4 </a:t>
             </a:r>
             <a:r>
-              <a:rPr kumimoji="1" lang="ja-JP" altLang="en-US" smtClean="0"/>
+              <a:rPr kumimoji="1" lang="ja-JP" altLang="en-US"/>
               <a:t>レベル</a:t>
             </a:r>
           </a:p>
           <a:p>
             <a:pPr lvl="4"/>
             <a:r>
-              <a:rPr kumimoji="1" lang="ja-JP" altLang="en-US" smtClean="0"/>
+              <a:rPr kumimoji="1" lang="ja-JP" altLang="en-US"/>
               <a:t>第 </a:t>
             </a:r>
             <a:r>
-              <a:rPr kumimoji="1" lang="en-US" altLang="ja-JP" smtClean="0"/>
+              <a:rPr kumimoji="1" lang="en-US" altLang="ja-JP"/>
               <a:t>5 </a:t>
             </a:r>
             <a:r>
-              <a:rPr kumimoji="1" lang="ja-JP" altLang="en-US" smtClean="0"/>
+              <a:rPr kumimoji="1" lang="ja-JP" altLang="en-US"/>
               <a:t>レベル</a:t>
             </a:r>
-            <a:endParaRPr kumimoji="1" lang="ja-JP" altLang="en-US"/>
           </a:p>
         </p:txBody>
       </p:sp>
@@ -859,7 +852,7 @@
           <a:p>
             <a:fld id="{278734C7-5BF5-4A93-8E96-ED01F4D5F738}" type="datetimeFigureOut">
               <a:rPr kumimoji="1" lang="ja-JP" altLang="en-US" smtClean="0"/>
-              <a:t>2022/7/6</a:t>
+              <a:t>2022/8/4</a:t>
             </a:fld>
             <a:endParaRPr kumimoji="1" lang="ja-JP" altLang="en-US"/>
           </a:p>
@@ -962,10 +955,9 @@
           </a:lstStyle>
           <a:p>
             <a:r>
-              <a:rPr kumimoji="1" lang="ja-JP" altLang="en-US" smtClean="0"/>
+              <a:rPr kumimoji="1" lang="ja-JP" altLang="en-US"/>
               <a:t>マスター タイトルの書式設定</a:t>
             </a:r>
-            <a:endParaRPr kumimoji="1" lang="ja-JP" altLang="en-US"/>
           </a:p>
         </p:txBody>
       </p:sp>
@@ -1082,7 +1074,7 @@
           <a:p>
             <a:pPr lvl="0"/>
             <a:r>
-              <a:rPr kumimoji="1" lang="ja-JP" altLang="en-US" smtClean="0"/>
+              <a:rPr kumimoji="1" lang="ja-JP" altLang="en-US"/>
               <a:t>マスター テキストの書式設定</a:t>
             </a:r>
           </a:p>
@@ -1105,7 +1097,7 @@
           <a:p>
             <a:fld id="{278734C7-5BF5-4A93-8E96-ED01F4D5F738}" type="datetimeFigureOut">
               <a:rPr kumimoji="1" lang="ja-JP" altLang="en-US" smtClean="0"/>
-              <a:t>2022/7/6</a:t>
+              <a:t>2022/8/4</a:t>
             </a:fld>
             <a:endParaRPr kumimoji="1" lang="ja-JP" altLang="en-US"/>
           </a:p>
@@ -1199,10 +1191,9 @@
           <a:lstStyle/>
           <a:p>
             <a:r>
-              <a:rPr kumimoji="1" lang="ja-JP" altLang="en-US" smtClean="0"/>
+              <a:rPr kumimoji="1" lang="ja-JP" altLang="en-US"/>
               <a:t>マスター タイトルの書式設定</a:t>
             </a:r>
-            <a:endParaRPr kumimoji="1" lang="ja-JP" altLang="en-US"/>
           </a:p>
         </p:txBody>
       </p:sp>
@@ -1228,70 +1219,69 @@
           <a:p>
             <a:pPr lvl="0"/>
             <a:r>
-              <a:rPr kumimoji="1" lang="ja-JP" altLang="en-US" smtClean="0"/>
+              <a:rPr kumimoji="1" lang="ja-JP" altLang="en-US"/>
               <a:t>マスター テキストの書式設定</a:t>
             </a:r>
           </a:p>
           <a:p>
             <a:pPr lvl="1"/>
             <a:r>
-              <a:rPr kumimoji="1" lang="ja-JP" altLang="en-US" smtClean="0"/>
+              <a:rPr kumimoji="1" lang="ja-JP" altLang="en-US"/>
               <a:t>第 </a:t>
             </a:r>
             <a:r>
-              <a:rPr kumimoji="1" lang="en-US" altLang="ja-JP" smtClean="0"/>
+              <a:rPr kumimoji="1" lang="en-US" altLang="ja-JP"/>
               <a:t>2 </a:t>
             </a:r>
             <a:r>
-              <a:rPr kumimoji="1" lang="ja-JP" altLang="en-US" smtClean="0"/>
+              <a:rPr kumimoji="1" lang="ja-JP" altLang="en-US"/>
               <a:t>レベル</a:t>
             </a:r>
           </a:p>
           <a:p>
             <a:pPr lvl="2"/>
             <a:r>
-              <a:rPr kumimoji="1" lang="ja-JP" altLang="en-US" smtClean="0"/>
+              <a:rPr kumimoji="1" lang="ja-JP" altLang="en-US"/>
               <a:t>第 </a:t>
             </a:r>
             <a:r>
-              <a:rPr kumimoji="1" lang="en-US" altLang="ja-JP" smtClean="0"/>
+              <a:rPr kumimoji="1" lang="en-US" altLang="ja-JP"/>
               <a:t>3 </a:t>
             </a:r>
             <a:r>
-              <a:rPr kumimoji="1" lang="ja-JP" altLang="en-US" smtClean="0"/>
+              <a:rPr kumimoji="1" lang="ja-JP" altLang="en-US"/>
               <a:t>レベル</a:t>
             </a:r>
           </a:p>
           <a:p>
             <a:pPr lvl="3"/>
             <a:r>
-              <a:rPr kumimoji="1" lang="ja-JP" altLang="en-US" smtClean="0"/>
+              <a:rPr kumimoji="1" lang="ja-JP" altLang="en-US"/>
               <a:t>第 </a:t>
             </a:r>
             <a:r>
-              <a:rPr kumimoji="1" lang="en-US" altLang="ja-JP" smtClean="0"/>
+              <a:rPr kumimoji="1" lang="en-US" altLang="ja-JP"/>
               <a:t>4 </a:t>
             </a:r>
             <a:r>
-              <a:rPr kumimoji="1" lang="ja-JP" altLang="en-US" smtClean="0"/>
+              <a:rPr kumimoji="1" lang="ja-JP" altLang="en-US"/>
               <a:t>レベル</a:t>
             </a:r>
           </a:p>
           <a:p>
             <a:pPr lvl="4"/>
             <a:r>
-              <a:rPr kumimoji="1" lang="ja-JP" altLang="en-US" smtClean="0"/>
+              <a:rPr kumimoji="1" lang="ja-JP" altLang="en-US"/>
               <a:t>第 </a:t>
             </a:r>
             <a:r>
-              <a:rPr kumimoji="1" lang="en-US" altLang="ja-JP" smtClean="0"/>
+              <a:rPr kumimoji="1" lang="en-US" altLang="ja-JP"/>
               <a:t>5 </a:t>
             </a:r>
             <a:r>
-              <a:rPr kumimoji="1" lang="ja-JP" altLang="en-US" smtClean="0"/>
+              <a:rPr kumimoji="1" lang="ja-JP" altLang="en-US"/>
               <a:t>レベル</a:t>
             </a:r>
-            <a:endParaRPr kumimoji="1" lang="ja-JP" altLang="en-US"/>
           </a:p>
         </p:txBody>
       </p:sp>
@@ -1317,70 +1307,69 @@
           <a:p>
             <a:pPr lvl="0"/>
             <a:r>
-              <a:rPr kumimoji="1" lang="ja-JP" altLang="en-US" smtClean="0"/>
+              <a:rPr kumimoji="1" lang="ja-JP" altLang="en-US"/>
               <a:t>マスター テキストの書式設定</a:t>
             </a:r>
           </a:p>
           <a:p>
             <a:pPr lvl="1"/>
             <a:r>
-              <a:rPr kumimoji="1" lang="ja-JP" altLang="en-US" smtClean="0"/>
+              <a:rPr kumimoji="1" lang="ja-JP" altLang="en-US"/>
               <a:t>第 </a:t>
             </a:r>
             <a:r>
-              <a:rPr kumimoji="1" lang="en-US" altLang="ja-JP" smtClean="0"/>
+              <a:rPr kumimoji="1" lang="en-US" altLang="ja-JP"/>
               <a:t>2 </a:t>
             </a:r>
             <a:r>
-              <a:rPr kumimoji="1" lang="ja-JP" altLang="en-US" smtClean="0"/>
+              <a:rPr kumimoji="1" lang="ja-JP" altLang="en-US"/>
               <a:t>レベル</a:t>
             </a:r>
           </a:p>
           <a:p>
             <a:pPr lvl="2"/>
             <a:r>
-              <a:rPr kumimoji="1" lang="ja-JP" altLang="en-US" smtClean="0"/>
+              <a:rPr kumimoji="1" lang="ja-JP" altLang="en-US"/>
               <a:t>第 </a:t>
             </a:r>
             <a:r>
-              <a:rPr kumimoji="1" lang="en-US" altLang="ja-JP" smtClean="0"/>
+              <a:rPr kumimoji="1" lang="en-US" altLang="ja-JP"/>
               <a:t>3 </a:t>
             </a:r>
             <a:r>
-              <a:rPr kumimoji="1" lang="ja-JP" altLang="en-US" smtClean="0"/>
+              <a:rPr kumimoji="1" lang="ja-JP" altLang="en-US"/>
               <a:t>レベル</a:t>
             </a:r>
           </a:p>
           <a:p>
             <a:pPr lvl="3"/>
             <a:r>
-              <a:rPr kumimoji="1" lang="ja-JP" altLang="en-US" smtClean="0"/>
+              <a:rPr kumimoji="1" lang="ja-JP" altLang="en-US"/>
               <a:t>第 </a:t>
             </a:r>
             <a:r>
-              <a:rPr kumimoji="1" lang="en-US" altLang="ja-JP" smtClean="0"/>
+              <a:rPr kumimoji="1" lang="en-US" altLang="ja-JP"/>
               <a:t>4 </a:t>
             </a:r>
             <a:r>
-              <a:rPr kumimoji="1" lang="ja-JP" altLang="en-US" smtClean="0"/>
+              <a:rPr kumimoji="1" lang="ja-JP" altLang="en-US"/>
               <a:t>レベル</a:t>
             </a:r>
           </a:p>
           <a:p>
             <a:pPr lvl="4"/>
             <a:r>
-              <a:rPr kumimoji="1" lang="ja-JP" altLang="en-US" smtClean="0"/>
+              <a:rPr kumimoji="1" lang="ja-JP" altLang="en-US"/>
               <a:t>第 </a:t>
             </a:r>
             <a:r>
-              <a:rPr kumimoji="1" lang="en-US" altLang="ja-JP" smtClean="0"/>
+              <a:rPr kumimoji="1" lang="en-US" altLang="ja-JP"/>
               <a:t>5 </a:t>
             </a:r>
             <a:r>
-              <a:rPr kumimoji="1" lang="ja-JP" altLang="en-US" smtClean="0"/>
+              <a:rPr kumimoji="1" lang="ja-JP" altLang="en-US"/>
               <a:t>レベル</a:t>
             </a:r>
-            <a:endParaRPr kumimoji="1" lang="ja-JP" altLang="en-US"/>
           </a:p>
         </p:txBody>
       </p:sp>
@@ -1401,7 +1390,7 @@
           <a:p>
             <a:fld id="{278734C7-5BF5-4A93-8E96-ED01F4D5F738}" type="datetimeFigureOut">
               <a:rPr kumimoji="1" lang="ja-JP" altLang="en-US" smtClean="0"/>
-              <a:t>2022/7/6</a:t>
+              <a:t>2022/8/4</a:t>
             </a:fld>
             <a:endParaRPr kumimoji="1" lang="ja-JP" altLang="en-US"/>
           </a:p>
@@ -1500,10 +1489,9 @@
           <a:lstStyle/>
           <a:p>
             <a:r>
-              <a:rPr kumimoji="1" lang="ja-JP" altLang="en-US" smtClean="0"/>
+              <a:rPr kumimoji="1" lang="ja-JP" altLang="en-US"/>
               <a:t>マスター タイトルの書式設定</a:t>
             </a:r>
-            <a:endParaRPr kumimoji="1" lang="ja-JP" altLang="en-US"/>
           </a:p>
         </p:txBody>
       </p:sp>
@@ -1566,7 +1554,7 @@
           <a:p>
             <a:pPr lvl="0"/>
             <a:r>
-              <a:rPr kumimoji="1" lang="ja-JP" altLang="en-US" smtClean="0"/>
+              <a:rPr kumimoji="1" lang="ja-JP" altLang="en-US"/>
               <a:t>マスター テキストの書式設定</a:t>
             </a:r>
           </a:p>
@@ -1594,70 +1582,69 @@
           <a:p>
             <a:pPr lvl="0"/>
             <a:r>
-              <a:rPr kumimoji="1" lang="ja-JP" altLang="en-US" smtClean="0"/>
+              <a:rPr kumimoji="1" lang="ja-JP" altLang="en-US"/>
               <a:t>マスター テキストの書式設定</a:t>
             </a:r>
           </a:p>
           <a:p>
             <a:pPr lvl="1"/>
             <a:r>
-              <a:rPr kumimoji="1" lang="ja-JP" altLang="en-US" smtClean="0"/>
+              <a:rPr kumimoji="1" lang="ja-JP" altLang="en-US"/>
               <a:t>第 </a:t>
             </a:r>
             <a:r>
-              <a:rPr kumimoji="1" lang="en-US" altLang="ja-JP" smtClean="0"/>
+              <a:rPr kumimoji="1" lang="en-US" altLang="ja-JP"/>
               <a:t>2 </a:t>
             </a:r>
             <a:r>
-              <a:rPr kumimoji="1" lang="ja-JP" altLang="en-US" smtClean="0"/>
+              <a:rPr kumimoji="1" lang="ja-JP" altLang="en-US"/>
               <a:t>レベル</a:t>
             </a:r>
           </a:p>
           <a:p>
             <a:pPr lvl="2"/>
             <a:r>
-              <a:rPr kumimoji="1" lang="ja-JP" altLang="en-US" smtClean="0"/>
+              <a:rPr kumimoji="1" lang="ja-JP" altLang="en-US"/>
               <a:t>第 </a:t>
             </a:r>
             <a:r>
-              <a:rPr kumimoji="1" lang="en-US" altLang="ja-JP" smtClean="0"/>
+              <a:rPr kumimoji="1" lang="en-US" altLang="ja-JP"/>
               <a:t>3 </a:t>
             </a:r>
             <a:r>
-              <a:rPr kumimoji="1" lang="ja-JP" altLang="en-US" smtClean="0"/>
+              <a:rPr kumimoji="1" lang="ja-JP" altLang="en-US"/>
               <a:t>レベル</a:t>
             </a:r>
           </a:p>
           <a:p>
             <a:pPr lvl="3"/>
             <a:r>
-              <a:rPr kumimoji="1" lang="ja-JP" altLang="en-US" smtClean="0"/>
+              <a:rPr kumimoji="1" lang="ja-JP" altLang="en-US"/>
               <a:t>第 </a:t>
             </a:r>
             <a:r>
-              <a:rPr kumimoji="1" lang="en-US" altLang="ja-JP" smtClean="0"/>
+              <a:rPr kumimoji="1" lang="en-US" altLang="ja-JP"/>
               <a:t>4 </a:t>
             </a:r>
             <a:r>
-              <a:rPr kumimoji="1" lang="ja-JP" altLang="en-US" smtClean="0"/>
+              <a:rPr kumimoji="1" lang="ja-JP" altLang="en-US"/>
               <a:t>レベル</a:t>
             </a:r>
           </a:p>
           <a:p>
             <a:pPr lvl="4"/>
             <a:r>
-              <a:rPr kumimoji="1" lang="ja-JP" altLang="en-US" smtClean="0"/>
+              <a:rPr kumimoji="1" lang="ja-JP" altLang="en-US"/>
               <a:t>第 </a:t>
             </a:r>
             <a:r>
-              <a:rPr kumimoji="1" lang="en-US" altLang="ja-JP" smtClean="0"/>
+              <a:rPr kumimoji="1" lang="en-US" altLang="ja-JP"/>
               <a:t>5 </a:t>
             </a:r>
             <a:r>
-              <a:rPr kumimoji="1" lang="ja-JP" altLang="en-US" smtClean="0"/>
+              <a:rPr kumimoji="1" lang="ja-JP" altLang="en-US"/>
               <a:t>レベル</a:t>
             </a:r>
-            <a:endParaRPr kumimoji="1" lang="ja-JP" altLang="en-US"/>
           </a:p>
         </p:txBody>
       </p:sp>
@@ -1720,7 +1707,7 @@
           <a:p>
             <a:pPr lvl="0"/>
             <a:r>
-              <a:rPr kumimoji="1" lang="ja-JP" altLang="en-US" smtClean="0"/>
+              <a:rPr kumimoji="1" lang="ja-JP" altLang="en-US"/>
               <a:t>マスター テキストの書式設定</a:t>
             </a:r>
           </a:p>
@@ -1748,70 +1735,69 @@
           <a:p>
             <a:pPr lvl="0"/>
             <a:r>
-              <a:rPr kumimoji="1" lang="ja-JP" altLang="en-US" smtClean="0"/>
+              <a:rPr kumimoji="1" lang="ja-JP" altLang="en-US"/>
               <a:t>マスター テキストの書式設定</a:t>
             </a:r>
           </a:p>
           <a:p>
             <a:pPr lvl="1"/>
             <a:r>
-              <a:rPr kumimoji="1" lang="ja-JP" altLang="en-US" smtClean="0"/>
+              <a:rPr kumimoji="1" lang="ja-JP" altLang="en-US"/>
               <a:t>第 </a:t>
             </a:r>
             <a:r>
-              <a:rPr kumimoji="1" lang="en-US" altLang="ja-JP" smtClean="0"/>
+              <a:rPr kumimoji="1" lang="en-US" altLang="ja-JP"/>
               <a:t>2 </a:t>
             </a:r>
             <a:r>
-              <a:rPr kumimoji="1" lang="ja-JP" altLang="en-US" smtClean="0"/>
+              <a:rPr kumimoji="1" lang="ja-JP" altLang="en-US"/>
               <a:t>レベル</a:t>
             </a:r>
           </a:p>
           <a:p>
             <a:pPr lvl="2"/>
             <a:r>
-              <a:rPr kumimoji="1" lang="ja-JP" altLang="en-US" smtClean="0"/>
+              <a:rPr kumimoji="1" lang="ja-JP" altLang="en-US"/>
               <a:t>第 </a:t>
             </a:r>
             <a:r>
-              <a:rPr kumimoji="1" lang="en-US" altLang="ja-JP" smtClean="0"/>
+              <a:rPr kumimoji="1" lang="en-US" altLang="ja-JP"/>
               <a:t>3 </a:t>
             </a:r>
             <a:r>
-              <a:rPr kumimoji="1" lang="ja-JP" altLang="en-US" smtClean="0"/>
+              <a:rPr kumimoji="1" lang="ja-JP" altLang="en-US"/>
               <a:t>レベル</a:t>
             </a:r>
           </a:p>
           <a:p>
             <a:pPr lvl="3"/>
             <a:r>
-              <a:rPr kumimoji="1" lang="ja-JP" altLang="en-US" smtClean="0"/>
+              <a:rPr kumimoji="1" lang="ja-JP" altLang="en-US"/>
               <a:t>第 </a:t>
             </a:r>
             <a:r>
-              <a:rPr kumimoji="1" lang="en-US" altLang="ja-JP" smtClean="0"/>
+              <a:rPr kumimoji="1" lang="en-US" altLang="ja-JP"/>
               <a:t>4 </a:t>
             </a:r>
             <a:r>
-              <a:rPr kumimoji="1" lang="ja-JP" altLang="en-US" smtClean="0"/>
+              <a:rPr kumimoji="1" lang="ja-JP" altLang="en-US"/>
               <a:t>レベル</a:t>
             </a:r>
           </a:p>
           <a:p>
             <a:pPr lvl="4"/>
             <a:r>
-              <a:rPr kumimoji="1" lang="ja-JP" altLang="en-US" smtClean="0"/>
+              <a:rPr kumimoji="1" lang="ja-JP" altLang="en-US"/>
               <a:t>第 </a:t>
             </a:r>
             <a:r>
-              <a:rPr kumimoji="1" lang="en-US" altLang="ja-JP" smtClean="0"/>
+              <a:rPr kumimoji="1" lang="en-US" altLang="ja-JP"/>
               <a:t>5 </a:t>
             </a:r>
             <a:r>
-              <a:rPr kumimoji="1" lang="ja-JP" altLang="en-US" smtClean="0"/>
+              <a:rPr kumimoji="1" lang="ja-JP" altLang="en-US"/>
               <a:t>レベル</a:t>
             </a:r>
-            <a:endParaRPr kumimoji="1" lang="ja-JP" altLang="en-US"/>
           </a:p>
         </p:txBody>
       </p:sp>
@@ -1832,7 +1818,7 @@
           <a:p>
             <a:fld id="{278734C7-5BF5-4A93-8E96-ED01F4D5F738}" type="datetimeFigureOut">
               <a:rPr kumimoji="1" lang="ja-JP" altLang="en-US" smtClean="0"/>
-              <a:t>2022/7/6</a:t>
+              <a:t>2022/8/4</a:t>
             </a:fld>
             <a:endParaRPr kumimoji="1" lang="ja-JP" altLang="en-US"/>
           </a:p>
@@ -1926,10 +1912,9 @@
           <a:lstStyle/>
           <a:p>
             <a:r>
-              <a:rPr kumimoji="1" lang="ja-JP" altLang="en-US" smtClean="0"/>
+              <a:rPr kumimoji="1" lang="ja-JP" altLang="en-US"/>
               <a:t>マスター タイトルの書式設定</a:t>
             </a:r>
-            <a:endParaRPr kumimoji="1" lang="ja-JP" altLang="en-US"/>
           </a:p>
         </p:txBody>
       </p:sp>
@@ -1950,7 +1935,7 @@
           <a:p>
             <a:fld id="{278734C7-5BF5-4A93-8E96-ED01F4D5F738}" type="datetimeFigureOut">
               <a:rPr kumimoji="1" lang="ja-JP" altLang="en-US" smtClean="0"/>
-              <a:t>2022/7/6</a:t>
+              <a:t>2022/8/4</a:t>
             </a:fld>
             <a:endParaRPr kumimoji="1" lang="ja-JP" altLang="en-US"/>
           </a:p>
@@ -2045,7 +2030,7 @@
           <a:p>
             <a:fld id="{278734C7-5BF5-4A93-8E96-ED01F4D5F738}" type="datetimeFigureOut">
               <a:rPr kumimoji="1" lang="ja-JP" altLang="en-US" smtClean="0"/>
-              <a:t>2022/7/6</a:t>
+              <a:t>2022/8/4</a:t>
             </a:fld>
             <a:endParaRPr kumimoji="1" lang="ja-JP" altLang="en-US"/>
           </a:p>
@@ -2148,10 +2133,9 @@
           </a:lstStyle>
           <a:p>
             <a:r>
-              <a:rPr kumimoji="1" lang="ja-JP" altLang="en-US" smtClean="0"/>
+              <a:rPr kumimoji="1" lang="ja-JP" altLang="en-US"/>
               <a:t>マスター タイトルの書式設定</a:t>
             </a:r>
-            <a:endParaRPr kumimoji="1" lang="ja-JP" altLang="en-US"/>
           </a:p>
         </p:txBody>
       </p:sp>
@@ -2205,70 +2189,69 @@
           <a:p>
             <a:pPr lvl="0"/>
             <a:r>
-              <a:rPr kumimoji="1" lang="ja-JP" altLang="en-US" smtClean="0"/>
+              <a:rPr kumimoji="1" lang="ja-JP" altLang="en-US"/>
               <a:t>マスター テキストの書式設定</a:t>
             </a:r>
           </a:p>
           <a:p>
             <a:pPr lvl="1"/>
             <a:r>
-              <a:rPr kumimoji="1" lang="ja-JP" altLang="en-US" smtClean="0"/>
+              <a:rPr kumimoji="1" lang="ja-JP" altLang="en-US"/>
               <a:t>第 </a:t>
             </a:r>
             <a:r>
-              <a:rPr kumimoji="1" lang="en-US" altLang="ja-JP" smtClean="0"/>
+              <a:rPr kumimoji="1" lang="en-US" altLang="ja-JP"/>
               <a:t>2 </a:t>
             </a:r>
             <a:r>
-              <a:rPr kumimoji="1" lang="ja-JP" altLang="en-US" smtClean="0"/>
+              <a:rPr kumimoji="1" lang="ja-JP" altLang="en-US"/>
               <a:t>レベル</a:t>
             </a:r>
           </a:p>
           <a:p>
             <a:pPr lvl="2"/>
             <a:r>
-              <a:rPr kumimoji="1" lang="ja-JP" altLang="en-US" smtClean="0"/>
+              <a:rPr kumimoji="1" lang="ja-JP" altLang="en-US"/>
               <a:t>第 </a:t>
             </a:r>
             <a:r>
-              <a:rPr kumimoji="1" lang="en-US" altLang="ja-JP" smtClean="0"/>
+              <a:rPr kumimoji="1" lang="en-US" altLang="ja-JP"/>
               <a:t>3 </a:t>
             </a:r>
             <a:r>
-              <a:rPr kumimoji="1" lang="ja-JP" altLang="en-US" smtClean="0"/>
+              <a:rPr kumimoji="1" lang="ja-JP" altLang="en-US"/>
               <a:t>レベル</a:t>
             </a:r>
           </a:p>
           <a:p>
             <a:pPr lvl="3"/>
             <a:r>
-              <a:rPr kumimoji="1" lang="ja-JP" altLang="en-US" smtClean="0"/>
+              <a:rPr kumimoji="1" lang="ja-JP" altLang="en-US"/>
               <a:t>第 </a:t>
             </a:r>
             <a:r>
-              <a:rPr kumimoji="1" lang="en-US" altLang="ja-JP" smtClean="0"/>
+              <a:rPr kumimoji="1" lang="en-US" altLang="ja-JP"/>
               <a:t>4 </a:t>
             </a:r>
             <a:r>
-              <a:rPr kumimoji="1" lang="ja-JP" altLang="en-US" smtClean="0"/>
+              <a:rPr kumimoji="1" lang="ja-JP" altLang="en-US"/>
               <a:t>レベル</a:t>
             </a:r>
           </a:p>
           <a:p>
             <a:pPr lvl="4"/>
             <a:r>
-              <a:rPr kumimoji="1" lang="ja-JP" altLang="en-US" smtClean="0"/>
+              <a:rPr kumimoji="1" lang="ja-JP" altLang="en-US"/>
               <a:t>第 </a:t>
             </a:r>
             <a:r>
-              <a:rPr kumimoji="1" lang="en-US" altLang="ja-JP" smtClean="0"/>
+              <a:rPr kumimoji="1" lang="en-US" altLang="ja-JP"/>
               <a:t>5 </a:t>
             </a:r>
             <a:r>
-              <a:rPr kumimoji="1" lang="ja-JP" altLang="en-US" smtClean="0"/>
+              <a:rPr kumimoji="1" lang="ja-JP" altLang="en-US"/>
               <a:t>レベル</a:t>
             </a:r>
-            <a:endParaRPr kumimoji="1" lang="ja-JP" altLang="en-US"/>
           </a:p>
         </p:txBody>
       </p:sp>
@@ -2331,7 +2314,7 @@
           <a:p>
             <a:pPr lvl="0"/>
             <a:r>
-              <a:rPr kumimoji="1" lang="ja-JP" altLang="en-US" smtClean="0"/>
+              <a:rPr kumimoji="1" lang="ja-JP" altLang="en-US"/>
               <a:t>マスター テキストの書式設定</a:t>
             </a:r>
           </a:p>
@@ -2354,7 +2337,7 @@
           <a:p>
             <a:fld id="{278734C7-5BF5-4A93-8E96-ED01F4D5F738}" type="datetimeFigureOut">
               <a:rPr kumimoji="1" lang="ja-JP" altLang="en-US" smtClean="0"/>
-              <a:t>2022/7/6</a:t>
+              <a:t>2022/8/4</a:t>
             </a:fld>
             <a:endParaRPr kumimoji="1" lang="ja-JP" altLang="en-US"/>
           </a:p>
@@ -2457,10 +2440,9 @@
           </a:lstStyle>
           <a:p>
             <a:r>
-              <a:rPr kumimoji="1" lang="ja-JP" altLang="en-US" smtClean="0"/>
+              <a:rPr kumimoji="1" lang="ja-JP" altLang="en-US"/>
               <a:t>マスター タイトルの書式設定</a:t>
             </a:r>
-            <a:endParaRPr kumimoji="1" lang="ja-JP" altLang="en-US"/>
           </a:p>
         </p:txBody>
       </p:sp>
@@ -2584,7 +2566,7 @@
           <a:p>
             <a:pPr lvl="0"/>
             <a:r>
-              <a:rPr kumimoji="1" lang="ja-JP" altLang="en-US" smtClean="0"/>
+              <a:rPr kumimoji="1" lang="ja-JP" altLang="en-US"/>
               <a:t>マスター テキストの書式設定</a:t>
             </a:r>
           </a:p>
@@ -2607,7 +2589,7 @@
           <a:p>
             <a:fld id="{278734C7-5BF5-4A93-8E96-ED01F4D5F738}" type="datetimeFigureOut">
               <a:rPr kumimoji="1" lang="ja-JP" altLang="en-US" smtClean="0"/>
-              <a:t>2022/7/6</a:t>
+              <a:t>2022/8/4</a:t>
             </a:fld>
             <a:endParaRPr kumimoji="1" lang="ja-JP" altLang="en-US"/>
           </a:p>
@@ -2716,10 +2698,9 @@
           <a:lstStyle/>
           <a:p>
             <a:r>
-              <a:rPr kumimoji="1" lang="ja-JP" altLang="en-US" smtClean="0"/>
+              <a:rPr kumimoji="1" lang="ja-JP" altLang="en-US"/>
               <a:t>マスター タイトルの書式設定</a:t>
             </a:r>
-            <a:endParaRPr kumimoji="1" lang="ja-JP" altLang="en-US"/>
           </a:p>
         </p:txBody>
       </p:sp>
@@ -2750,70 +2731,69 @@
           <a:p>
             <a:pPr lvl="0"/>
             <a:r>
-              <a:rPr kumimoji="1" lang="ja-JP" altLang="en-US" smtClean="0"/>
+              <a:rPr kumimoji="1" lang="ja-JP" altLang="en-US"/>
               <a:t>マスター テキストの書式設定</a:t>
             </a:r>
           </a:p>
           <a:p>
             <a:pPr lvl="1"/>
             <a:r>
-              <a:rPr kumimoji="1" lang="ja-JP" altLang="en-US" smtClean="0"/>
+              <a:rPr kumimoji="1" lang="ja-JP" altLang="en-US"/>
               <a:t>第 </a:t>
             </a:r>
             <a:r>
-              <a:rPr kumimoji="1" lang="en-US" altLang="ja-JP" smtClean="0"/>
+              <a:rPr kumimoji="1" lang="en-US" altLang="ja-JP"/>
               <a:t>2 </a:t>
             </a:r>
             <a:r>
-              <a:rPr kumimoji="1" lang="ja-JP" altLang="en-US" smtClean="0"/>
+              <a:rPr kumimoji="1" lang="ja-JP" altLang="en-US"/>
               <a:t>レベル</a:t>
             </a:r>
           </a:p>
           <a:p>
             <a:pPr lvl="2"/>
             <a:r>
-              <a:rPr kumimoji="1" lang="ja-JP" altLang="en-US" smtClean="0"/>
+              <a:rPr kumimoji="1" lang="ja-JP" altLang="en-US"/>
               <a:t>第 </a:t>
             </a:r>
             <a:r>
-              <a:rPr kumimoji="1" lang="en-US" altLang="ja-JP" smtClean="0"/>
+              <a:rPr kumimoji="1" lang="en-US" altLang="ja-JP"/>
               <a:t>3 </a:t>
             </a:r>
             <a:r>
-              <a:rPr kumimoji="1" lang="ja-JP" altLang="en-US" smtClean="0"/>
+              <a:rPr kumimoji="1" lang="ja-JP" altLang="en-US"/>
               <a:t>レベル</a:t>
             </a:r>
           </a:p>
           <a:p>
             <a:pPr lvl="3"/>
             <a:r>
-              <a:rPr kumimoji="1" lang="ja-JP" altLang="en-US" smtClean="0"/>
+              <a:rPr kumimoji="1" lang="ja-JP" altLang="en-US"/>
               <a:t>第 </a:t>
             </a:r>
             <a:r>
-              <a:rPr kumimoji="1" lang="en-US" altLang="ja-JP" smtClean="0"/>
+              <a:rPr kumimoji="1" lang="en-US" altLang="ja-JP"/>
               <a:t>4 </a:t>
             </a:r>
             <a:r>
-              <a:rPr kumimoji="1" lang="ja-JP" altLang="en-US" smtClean="0"/>
+              <a:rPr kumimoji="1" lang="ja-JP" altLang="en-US"/>
               <a:t>レベル</a:t>
             </a:r>
           </a:p>
           <a:p>
             <a:pPr lvl="4"/>
             <a:r>
-              <a:rPr kumimoji="1" lang="ja-JP" altLang="en-US" smtClean="0"/>
+              <a:rPr kumimoji="1" lang="ja-JP" altLang="en-US"/>
               <a:t>第 </a:t>
             </a:r>
             <a:r>
-              <a:rPr kumimoji="1" lang="en-US" altLang="ja-JP" smtClean="0"/>
+              <a:rPr kumimoji="1" lang="en-US" altLang="ja-JP"/>
               <a:t>5 </a:t>
             </a:r>
             <a:r>
-              <a:rPr kumimoji="1" lang="ja-JP" altLang="en-US" smtClean="0"/>
+              <a:rPr kumimoji="1" lang="ja-JP" altLang="en-US"/>
               <a:t>レベル</a:t>
             </a:r>
-            <a:endParaRPr kumimoji="1" lang="ja-JP" altLang="en-US"/>
           </a:p>
         </p:txBody>
       </p:sp>
@@ -2852,7 +2832,7 @@
           <a:p>
             <a:fld id="{278734C7-5BF5-4A93-8E96-ED01F4D5F738}" type="datetimeFigureOut">
               <a:rPr kumimoji="1" lang="ja-JP" altLang="en-US" smtClean="0"/>
-              <a:t>2022/7/6</a:t>
+              <a:t>2022/8/4</a:t>
             </a:fld>
             <a:endParaRPr kumimoji="1" lang="ja-JP" altLang="en-US"/>
           </a:p>
@@ -3520,7 +3500,7 @@
               <a:p>
                 <a:pPr algn="ctr"/>
                 <a:r>
-                  <a:rPr lang="en-US" altLang="ja-JP" sz="1000" dirty="0" smtClean="0"/>
+                  <a:rPr lang="en-US" altLang="ja-JP" sz="1000" dirty="0"/>
                   <a:t>WAN</a:t>
                 </a:r>
                 <a:endParaRPr kumimoji="1" lang="ja-JP" altLang="en-US" sz="1000" dirty="0"/>
@@ -3906,7 +3886,7 @@
                 <a:p>
                   <a:pPr algn="ctr"/>
                   <a:r>
-                    <a:rPr lang="en-US" altLang="ja-JP" sz="1000" dirty="0" smtClean="0"/>
+                    <a:rPr lang="en-US" altLang="ja-JP" sz="1000" dirty="0"/>
                     <a:t>Witness</a:t>
                   </a:r>
                   <a:endParaRPr kumimoji="1" lang="ja-JP" altLang="en-US" sz="1000" dirty="0"/>
@@ -3997,7 +3977,7 @@
               <a:p>
                 <a:pPr algn="ctr"/>
                 <a:r>
-                  <a:rPr kumimoji="1" lang="en-US" altLang="ja-JP" sz="1000" b="1" dirty="0" smtClean="0">
+                  <a:rPr kumimoji="1" lang="en-US" altLang="ja-JP" sz="1000" b="1" dirty="0">
                     <a:ln w="6350">
                       <a:solidFill>
                         <a:schemeClr val="bg1"/>
@@ -4140,7 +4120,7 @@
               <a:p>
                 <a:pPr algn="ctr"/>
                 <a:r>
-                  <a:rPr lang="en-US" altLang="ja-JP" sz="1000" dirty="0" smtClean="0"/>
+                  <a:rPr lang="en-US" altLang="ja-JP" sz="1000" dirty="0"/>
                   <a:t>SW#1</a:t>
                 </a:r>
                 <a:endParaRPr kumimoji="1" lang="ja-JP" altLang="en-US" sz="1000" dirty="0"/>
@@ -4184,7 +4164,7 @@
               <a:p>
                 <a:pPr algn="ctr"/>
                 <a:r>
-                  <a:rPr lang="en-US" altLang="ja-JP" sz="1000" dirty="0" smtClean="0"/>
+                  <a:rPr lang="en-US" altLang="ja-JP" sz="1000" dirty="0"/>
                   <a:t>SW#2</a:t>
                 </a:r>
                 <a:endParaRPr kumimoji="1" lang="ja-JP" altLang="en-US" sz="1000" dirty="0"/>
@@ -4228,7 +4208,7 @@
               <a:p>
                 <a:pPr algn="ctr"/>
                 <a:r>
-                  <a:rPr lang="en-US" altLang="ja-JP" sz="1000" dirty="0" smtClean="0"/>
+                  <a:rPr lang="en-US" altLang="ja-JP" sz="1000" dirty="0"/>
                   <a:t>SW#3</a:t>
                 </a:r>
                 <a:endParaRPr kumimoji="1" lang="ja-JP" altLang="en-US" sz="1000" dirty="0"/>
@@ -4386,7 +4366,7 @@
               <a:p>
                 <a:pPr algn="ctr"/>
                 <a:r>
-                  <a:rPr lang="en-US" altLang="ja-JP" sz="1000" dirty="0" smtClean="0"/>
+                  <a:rPr lang="en-US" altLang="ja-JP" sz="1000" dirty="0"/>
                   <a:t>SW#4</a:t>
                 </a:r>
                 <a:endParaRPr kumimoji="1" lang="ja-JP" altLang="en-US" sz="1000" dirty="0"/>
@@ -4430,7 +4410,7 @@
               <a:p>
                 <a:pPr algn="ctr"/>
                 <a:r>
-                  <a:rPr lang="en-US" altLang="ja-JP" sz="1000" dirty="0" smtClean="0"/>
+                  <a:rPr lang="en-US" altLang="ja-JP" sz="1000" dirty="0"/>
                   <a:t>SW#5</a:t>
                 </a:r>
                 <a:endParaRPr kumimoji="1" lang="ja-JP" altLang="en-US" sz="1000" dirty="0"/>
@@ -4474,7 +4454,7 @@
               <a:p>
                 <a:pPr algn="ctr"/>
                 <a:r>
-                  <a:rPr lang="en-US" altLang="ja-JP" sz="1000" dirty="0" smtClean="0"/>
+                  <a:rPr lang="en-US" altLang="ja-JP" sz="1000" dirty="0"/>
                   <a:t>SW#6</a:t>
                 </a:r>
                 <a:endParaRPr kumimoji="1" lang="ja-JP" altLang="en-US" sz="1000" dirty="0"/>
@@ -4571,7 +4551,7 @@
               <a:p>
                 <a:pPr algn="ctr"/>
                 <a:r>
-                  <a:rPr kumimoji="1" lang="en-US" altLang="ja-JP" sz="1000" dirty="0" smtClean="0"/>
+                  <a:rPr kumimoji="1" lang="en-US" altLang="ja-JP" sz="1000" dirty="0"/>
                   <a:t>PM#1</a:t>
                 </a:r>
                 <a:endParaRPr kumimoji="1" lang="ja-JP" altLang="en-US" sz="1000" dirty="0"/>
@@ -4629,7 +4609,7 @@
                 <a:p>
                   <a:pPr algn="ctr"/>
                   <a:r>
-                    <a:rPr kumimoji="1" lang="en-US" altLang="ja-JP" sz="1000" dirty="0" smtClean="0"/>
+                    <a:rPr kumimoji="1" lang="en-US" altLang="ja-JP" sz="1000" dirty="0"/>
                     <a:t>VM#1</a:t>
                   </a:r>
                   <a:endParaRPr kumimoji="1" lang="ja-JP" altLang="en-US" sz="1000" dirty="0"/>
@@ -4769,7 +4749,7 @@
               <a:p>
                 <a:pPr algn="ctr"/>
                 <a:r>
-                  <a:rPr kumimoji="1" lang="en-US" altLang="ja-JP" sz="1000" dirty="0" smtClean="0"/>
+                  <a:rPr kumimoji="1" lang="en-US" altLang="ja-JP" sz="1000" dirty="0"/>
                   <a:t>1</a:t>
                 </a:r>
                 <a:endParaRPr kumimoji="1" lang="ja-JP" altLang="en-US" sz="1000" dirty="0"/>
@@ -4813,7 +4793,7 @@
               <a:p>
                 <a:pPr algn="ctr"/>
                 <a:r>
-                  <a:rPr kumimoji="1" lang="en-US" altLang="ja-JP" sz="1000" dirty="0" smtClean="0"/>
+                  <a:rPr kumimoji="1" lang="en-US" altLang="ja-JP" sz="1000" dirty="0"/>
                   <a:t>2</a:t>
                 </a:r>
                 <a:endParaRPr kumimoji="1" lang="ja-JP" altLang="en-US" sz="1000" dirty="0"/>
@@ -4857,7 +4837,7 @@
               <a:p>
                 <a:pPr algn="ctr"/>
                 <a:r>
-                  <a:rPr kumimoji="1" lang="en-US" altLang="ja-JP" sz="1000" dirty="0" smtClean="0"/>
+                  <a:rPr kumimoji="1" lang="en-US" altLang="ja-JP" sz="1000" dirty="0"/>
                   <a:t>3</a:t>
                 </a:r>
                 <a:endParaRPr kumimoji="1" lang="ja-JP" altLang="en-US" sz="1000" dirty="0"/>
@@ -4973,7 +4953,7 @@
               <a:p>
                 <a:pPr algn="ctr"/>
                 <a:r>
-                  <a:rPr kumimoji="1" lang="en-US" altLang="ja-JP" sz="1000" b="1" dirty="0" smtClean="0">
+                  <a:rPr kumimoji="1" lang="en-US" altLang="ja-JP" sz="1000" b="1" dirty="0">
                     <a:ln w="6350">
                       <a:solidFill>
                         <a:schemeClr val="bg1"/>
@@ -5040,7 +5020,7 @@
               <a:p>
                 <a:pPr algn="ctr"/>
                 <a:r>
-                  <a:rPr kumimoji="1" lang="en-US" altLang="ja-JP" sz="1000" dirty="0" smtClean="0"/>
+                  <a:rPr kumimoji="1" lang="en-US" altLang="ja-JP" sz="1000" dirty="0"/>
                   <a:t>PM#2</a:t>
                 </a:r>
                 <a:endParaRPr kumimoji="1" lang="ja-JP" altLang="en-US" sz="1000" dirty="0"/>
@@ -5098,7 +5078,7 @@
                 <a:p>
                   <a:pPr algn="ctr"/>
                   <a:r>
-                    <a:rPr kumimoji="1" lang="en-US" altLang="ja-JP" sz="1000" dirty="0" smtClean="0"/>
+                    <a:rPr kumimoji="1" lang="en-US" altLang="ja-JP" sz="1000" dirty="0"/>
                     <a:t>VM#2</a:t>
                   </a:r>
                   <a:endParaRPr kumimoji="1" lang="ja-JP" altLang="en-US" sz="1000" dirty="0"/>
@@ -5238,7 +5218,7 @@
               <a:p>
                 <a:pPr algn="ctr"/>
                 <a:r>
-                  <a:rPr kumimoji="1" lang="en-US" altLang="ja-JP" sz="1000" dirty="0" smtClean="0"/>
+                  <a:rPr kumimoji="1" lang="en-US" altLang="ja-JP" sz="1000" dirty="0"/>
                   <a:t>1’</a:t>
                 </a:r>
                 <a:endParaRPr kumimoji="1" lang="ja-JP" altLang="en-US" sz="1000" dirty="0"/>
@@ -5282,7 +5262,7 @@
               <a:p>
                 <a:pPr algn="ctr"/>
                 <a:r>
-                  <a:rPr kumimoji="1" lang="en-US" altLang="ja-JP" sz="1000" dirty="0" smtClean="0"/>
+                  <a:rPr kumimoji="1" lang="en-US" altLang="ja-JP" sz="1000" dirty="0"/>
                   <a:t>2’</a:t>
                 </a:r>
                 <a:endParaRPr kumimoji="1" lang="ja-JP" altLang="en-US" sz="1000" dirty="0"/>
@@ -5326,7 +5306,7 @@
               <a:p>
                 <a:pPr algn="ctr"/>
                 <a:r>
-                  <a:rPr kumimoji="1" lang="en-US" altLang="ja-JP" sz="1000" dirty="0" smtClean="0"/>
+                  <a:rPr kumimoji="1" lang="en-US" altLang="ja-JP" sz="1000" dirty="0"/>
                   <a:t>3’</a:t>
                 </a:r>
                 <a:endParaRPr kumimoji="1" lang="ja-JP" altLang="en-US" sz="1000" dirty="0"/>
@@ -5442,7 +5422,7 @@
               <a:p>
                 <a:pPr algn="ctr"/>
                 <a:r>
-                  <a:rPr kumimoji="1" lang="en-US" altLang="ja-JP" sz="1000" b="1" dirty="0" smtClean="0">
+                  <a:rPr kumimoji="1" lang="en-US" altLang="ja-JP" sz="1000" b="1" dirty="0">
                     <a:ln w="6350">
                       <a:solidFill>
                         <a:schemeClr val="bg1"/>
@@ -5732,7 +5712,7 @@
               <a:p>
                 <a:pPr algn="ctr"/>
                 <a:r>
-                  <a:rPr lang="en-US" altLang="ja-JP" sz="1000" dirty="0" smtClean="0"/>
+                  <a:rPr lang="en-US" altLang="ja-JP" sz="1000" dirty="0"/>
                   <a:t>WAN</a:t>
                 </a:r>
                 <a:endParaRPr kumimoji="1" lang="ja-JP" altLang="en-US" sz="1000" dirty="0"/>
@@ -6118,7 +6098,7 @@
                 <a:p>
                   <a:pPr algn="ctr"/>
                   <a:r>
-                    <a:rPr lang="en-US" altLang="ja-JP" sz="1000" dirty="0" smtClean="0"/>
+                    <a:rPr lang="en-US" altLang="ja-JP" sz="1000" dirty="0"/>
                     <a:t>Witness</a:t>
                   </a:r>
                   <a:endParaRPr kumimoji="1" lang="ja-JP" altLang="en-US" sz="1000" dirty="0"/>
@@ -6209,7 +6189,7 @@
               <a:p>
                 <a:pPr algn="ctr"/>
                 <a:r>
-                  <a:rPr kumimoji="1" lang="en-US" altLang="ja-JP" sz="1000" b="1" dirty="0" smtClean="0">
+                  <a:rPr kumimoji="1" lang="en-US" altLang="ja-JP" sz="1000" b="1" dirty="0">
                     <a:ln w="6350">
                       <a:solidFill>
                         <a:schemeClr val="bg1"/>
@@ -6352,7 +6332,7 @@
               <a:p>
                 <a:pPr algn="ctr"/>
                 <a:r>
-                  <a:rPr lang="en-US" altLang="ja-JP" sz="1000" dirty="0" smtClean="0"/>
+                  <a:rPr lang="en-US" altLang="ja-JP" sz="1000" dirty="0"/>
                   <a:t>SW#1</a:t>
                 </a:r>
                 <a:endParaRPr kumimoji="1" lang="ja-JP" altLang="en-US" sz="1000" dirty="0"/>
@@ -6396,7 +6376,7 @@
               <a:p>
                 <a:pPr algn="ctr"/>
                 <a:r>
-                  <a:rPr lang="en-US" altLang="ja-JP" sz="1000" dirty="0" smtClean="0"/>
+                  <a:rPr lang="en-US" altLang="ja-JP" sz="1000" dirty="0"/>
                   <a:t>SW#2</a:t>
                 </a:r>
                 <a:endParaRPr kumimoji="1" lang="ja-JP" altLang="en-US" sz="1000" dirty="0"/>
@@ -6440,7 +6420,7 @@
               <a:p>
                 <a:pPr algn="ctr"/>
                 <a:r>
-                  <a:rPr lang="en-US" altLang="ja-JP" sz="1000" dirty="0" smtClean="0"/>
+                  <a:rPr lang="en-US" altLang="ja-JP" sz="1000" dirty="0"/>
                   <a:t>SW#3</a:t>
                 </a:r>
                 <a:endParaRPr kumimoji="1" lang="ja-JP" altLang="en-US" sz="1000" dirty="0"/>
@@ -6598,7 +6578,7 @@
               <a:p>
                 <a:pPr algn="ctr"/>
                 <a:r>
-                  <a:rPr lang="en-US" altLang="ja-JP" sz="1000" dirty="0" smtClean="0"/>
+                  <a:rPr lang="en-US" altLang="ja-JP" sz="1000" dirty="0"/>
                   <a:t>SW#4</a:t>
                 </a:r>
                 <a:endParaRPr kumimoji="1" lang="ja-JP" altLang="en-US" sz="1000" dirty="0"/>
@@ -6642,7 +6622,7 @@
               <a:p>
                 <a:pPr algn="ctr"/>
                 <a:r>
-                  <a:rPr lang="en-US" altLang="ja-JP" sz="1000" dirty="0" smtClean="0"/>
+                  <a:rPr lang="en-US" altLang="ja-JP" sz="1000" dirty="0"/>
                   <a:t>SW#5</a:t>
                 </a:r>
                 <a:endParaRPr kumimoji="1" lang="ja-JP" altLang="en-US" sz="1000" dirty="0"/>
@@ -6686,7 +6666,7 @@
               <a:p>
                 <a:pPr algn="ctr"/>
                 <a:r>
-                  <a:rPr lang="en-US" altLang="ja-JP" sz="1000" dirty="0" smtClean="0"/>
+                  <a:rPr lang="en-US" altLang="ja-JP" sz="1000" dirty="0"/>
                   <a:t>SW#6</a:t>
                 </a:r>
                 <a:endParaRPr kumimoji="1" lang="ja-JP" altLang="en-US" sz="1000" dirty="0"/>
@@ -6783,7 +6763,7 @@
               <a:p>
                 <a:pPr algn="ctr"/>
                 <a:r>
-                  <a:rPr kumimoji="1" lang="en-US" altLang="ja-JP" sz="1000" dirty="0" smtClean="0"/>
+                  <a:rPr kumimoji="1" lang="en-US" altLang="ja-JP" sz="1000" dirty="0"/>
                   <a:t>PM#1</a:t>
                 </a:r>
                 <a:endParaRPr kumimoji="1" lang="ja-JP" altLang="en-US" sz="1000" dirty="0"/>
@@ -6841,7 +6821,7 @@
                 <a:p>
                   <a:pPr algn="ctr"/>
                   <a:r>
-                    <a:rPr kumimoji="1" lang="en-US" altLang="ja-JP" sz="1000" dirty="0" smtClean="0"/>
+                    <a:rPr kumimoji="1" lang="en-US" altLang="ja-JP" sz="1000" dirty="0"/>
                     <a:t>VM#1</a:t>
                   </a:r>
                   <a:endParaRPr kumimoji="1" lang="ja-JP" altLang="en-US" sz="1000" dirty="0"/>
@@ -6981,7 +6961,7 @@
               <a:p>
                 <a:pPr algn="ctr"/>
                 <a:r>
-                  <a:rPr kumimoji="1" lang="en-US" altLang="ja-JP" sz="1000" dirty="0" smtClean="0"/>
+                  <a:rPr kumimoji="1" lang="en-US" altLang="ja-JP" sz="1000" dirty="0"/>
                   <a:t>1</a:t>
                 </a:r>
                 <a:endParaRPr kumimoji="1" lang="ja-JP" altLang="en-US" sz="1000" dirty="0"/>
@@ -7025,7 +7005,7 @@
               <a:p>
                 <a:pPr algn="ctr"/>
                 <a:r>
-                  <a:rPr kumimoji="1" lang="en-US" altLang="ja-JP" sz="1000" dirty="0" smtClean="0"/>
+                  <a:rPr kumimoji="1" lang="en-US" altLang="ja-JP" sz="1000" dirty="0"/>
                   <a:t>2</a:t>
                 </a:r>
                 <a:endParaRPr kumimoji="1" lang="ja-JP" altLang="en-US" sz="1000" dirty="0"/>
@@ -7069,7 +7049,7 @@
               <a:p>
                 <a:pPr algn="ctr"/>
                 <a:r>
-                  <a:rPr kumimoji="1" lang="en-US" altLang="ja-JP" sz="1000" dirty="0" smtClean="0"/>
+                  <a:rPr kumimoji="1" lang="en-US" altLang="ja-JP" sz="1000" dirty="0"/>
                   <a:t>3</a:t>
                 </a:r>
                 <a:endParaRPr kumimoji="1" lang="ja-JP" altLang="en-US" sz="1000" dirty="0"/>
@@ -7185,7 +7165,7 @@
               <a:p>
                 <a:pPr algn="ctr"/>
                 <a:r>
-                  <a:rPr kumimoji="1" lang="en-US" altLang="ja-JP" sz="1000" b="1" dirty="0" smtClean="0">
+                  <a:rPr kumimoji="1" lang="en-US" altLang="ja-JP" sz="1000" b="1" dirty="0">
                     <a:ln w="6350">
                       <a:solidFill>
                         <a:schemeClr val="bg1"/>
@@ -7252,7 +7232,7 @@
               <a:p>
                 <a:pPr algn="ctr"/>
                 <a:r>
-                  <a:rPr kumimoji="1" lang="en-US" altLang="ja-JP" sz="1000" dirty="0" smtClean="0"/>
+                  <a:rPr kumimoji="1" lang="en-US" altLang="ja-JP" sz="1000" dirty="0"/>
                   <a:t>PM#2</a:t>
                 </a:r>
                 <a:endParaRPr kumimoji="1" lang="ja-JP" altLang="en-US" sz="1000" dirty="0"/>
@@ -7310,7 +7290,7 @@
                 <a:p>
                   <a:pPr algn="ctr"/>
                   <a:r>
-                    <a:rPr kumimoji="1" lang="en-US" altLang="ja-JP" sz="1000" dirty="0" smtClean="0"/>
+                    <a:rPr kumimoji="1" lang="en-US" altLang="ja-JP" sz="1000" dirty="0"/>
                     <a:t>VM#2</a:t>
                   </a:r>
                   <a:endParaRPr kumimoji="1" lang="ja-JP" altLang="en-US" sz="1000" dirty="0"/>
@@ -7450,7 +7430,7 @@
               <a:p>
                 <a:pPr algn="ctr"/>
                 <a:r>
-                  <a:rPr kumimoji="1" lang="en-US" altLang="ja-JP" sz="1000" dirty="0" smtClean="0"/>
+                  <a:rPr kumimoji="1" lang="en-US" altLang="ja-JP" sz="1000" dirty="0"/>
                   <a:t>1’</a:t>
                 </a:r>
                 <a:endParaRPr kumimoji="1" lang="ja-JP" altLang="en-US" sz="1000" dirty="0"/>
@@ -7494,7 +7474,7 @@
               <a:p>
                 <a:pPr algn="ctr"/>
                 <a:r>
-                  <a:rPr kumimoji="1" lang="en-US" altLang="ja-JP" sz="1000" dirty="0" smtClean="0"/>
+                  <a:rPr kumimoji="1" lang="en-US" altLang="ja-JP" sz="1000" dirty="0"/>
                   <a:t>2’</a:t>
                 </a:r>
                 <a:endParaRPr kumimoji="1" lang="ja-JP" altLang="en-US" sz="1000" dirty="0"/>
@@ -7538,7 +7518,7 @@
               <a:p>
                 <a:pPr algn="ctr"/>
                 <a:r>
-                  <a:rPr kumimoji="1" lang="en-US" altLang="ja-JP" sz="1000" dirty="0" smtClean="0"/>
+                  <a:rPr kumimoji="1" lang="en-US" altLang="ja-JP" sz="1000" dirty="0"/>
                   <a:t>3’</a:t>
                 </a:r>
                 <a:endParaRPr kumimoji="1" lang="ja-JP" altLang="en-US" sz="1000" dirty="0"/>
@@ -7876,7 +7856,7 @@
               <a:p>
                 <a:pPr algn="ctr"/>
                 <a:r>
-                  <a:rPr lang="en-US" altLang="ja-JP" sz="1000" dirty="0" smtClean="0"/>
+                  <a:rPr lang="en-US" altLang="ja-JP" sz="1000" dirty="0"/>
                   <a:t>WAN</a:t>
                 </a:r>
                 <a:endParaRPr kumimoji="1" lang="ja-JP" altLang="en-US" sz="1000" dirty="0"/>
@@ -8248,7 +8228,7 @@
               <a:p>
                 <a:pPr algn="ctr"/>
                 <a:r>
-                  <a:rPr lang="en-US" altLang="ja-JP" sz="1000" dirty="0" smtClean="0"/>
+                  <a:rPr lang="en-US" altLang="ja-JP" sz="1000" dirty="0"/>
                   <a:t>Witness</a:t>
                 </a:r>
                 <a:endParaRPr kumimoji="1" lang="ja-JP" altLang="en-US" sz="1000" dirty="0"/>
@@ -8413,7 +8393,7 @@
               <a:p>
                 <a:pPr algn="ctr"/>
                 <a:r>
-                  <a:rPr lang="en-US" altLang="ja-JP" sz="1000" dirty="0" smtClean="0"/>
+                  <a:rPr lang="en-US" altLang="ja-JP" sz="1000" dirty="0"/>
                   <a:t>SW#1</a:t>
                 </a:r>
                 <a:endParaRPr kumimoji="1" lang="ja-JP" altLang="en-US" sz="1000" dirty="0"/>
@@ -8457,7 +8437,7 @@
               <a:p>
                 <a:pPr algn="ctr"/>
                 <a:r>
-                  <a:rPr lang="en-US" altLang="ja-JP" sz="1000" dirty="0" smtClean="0"/>
+                  <a:rPr lang="en-US" altLang="ja-JP" sz="1000" dirty="0"/>
                   <a:t>SW#2</a:t>
                 </a:r>
                 <a:endParaRPr kumimoji="1" lang="ja-JP" altLang="en-US" sz="1000" dirty="0"/>
@@ -8501,7 +8481,7 @@
               <a:p>
                 <a:pPr algn="ctr"/>
                 <a:r>
-                  <a:rPr lang="en-US" altLang="ja-JP" sz="1000" dirty="0" smtClean="0"/>
+                  <a:rPr lang="en-US" altLang="ja-JP" sz="1000" dirty="0"/>
                   <a:t>SW#3</a:t>
                 </a:r>
                 <a:endParaRPr kumimoji="1" lang="ja-JP" altLang="en-US" sz="1000" dirty="0"/>
@@ -8659,7 +8639,7 @@
               <a:p>
                 <a:pPr algn="ctr"/>
                 <a:r>
-                  <a:rPr lang="en-US" altLang="ja-JP" sz="1000" dirty="0" smtClean="0"/>
+                  <a:rPr lang="en-US" altLang="ja-JP" sz="1000" dirty="0"/>
                   <a:t>SW#4</a:t>
                 </a:r>
                 <a:endParaRPr kumimoji="1" lang="ja-JP" altLang="en-US" sz="1000" dirty="0"/>
@@ -8703,7 +8683,7 @@
               <a:p>
                 <a:pPr algn="ctr"/>
                 <a:r>
-                  <a:rPr lang="en-US" altLang="ja-JP" sz="1000" dirty="0" smtClean="0"/>
+                  <a:rPr lang="en-US" altLang="ja-JP" sz="1000" dirty="0"/>
                   <a:t>SW#5</a:t>
                 </a:r>
                 <a:endParaRPr kumimoji="1" lang="ja-JP" altLang="en-US" sz="1000" dirty="0"/>
@@ -8747,7 +8727,7 @@
               <a:p>
                 <a:pPr algn="ctr"/>
                 <a:r>
-                  <a:rPr lang="en-US" altLang="ja-JP" sz="1000" dirty="0" smtClean="0"/>
+                  <a:rPr lang="en-US" altLang="ja-JP" sz="1000" dirty="0"/>
                   <a:t>SW#6</a:t>
                 </a:r>
                 <a:endParaRPr kumimoji="1" lang="ja-JP" altLang="en-US" sz="1000" dirty="0"/>
@@ -8844,7 +8824,7 @@
               <a:p>
                 <a:pPr algn="ctr"/>
                 <a:r>
-                  <a:rPr kumimoji="1" lang="en-US" altLang="ja-JP" sz="1000" dirty="0" smtClean="0"/>
+                  <a:rPr kumimoji="1" lang="en-US" altLang="ja-JP" sz="1000" dirty="0"/>
                   <a:t>PM#1</a:t>
                 </a:r>
                 <a:endParaRPr kumimoji="1" lang="ja-JP" altLang="en-US" sz="1000" dirty="0"/>
@@ -8902,7 +8882,7 @@
                 <a:p>
                   <a:pPr algn="ctr"/>
                   <a:r>
-                    <a:rPr kumimoji="1" lang="en-US" altLang="ja-JP" sz="1000" dirty="0" smtClean="0"/>
+                    <a:rPr kumimoji="1" lang="en-US" altLang="ja-JP" sz="1000" dirty="0"/>
                     <a:t>VM#1</a:t>
                   </a:r>
                   <a:endParaRPr kumimoji="1" lang="ja-JP" altLang="en-US" sz="1000" dirty="0"/>
@@ -9042,7 +9022,7 @@
               <a:p>
                 <a:pPr algn="ctr"/>
                 <a:r>
-                  <a:rPr kumimoji="1" lang="en-US" altLang="ja-JP" sz="1000" dirty="0" smtClean="0"/>
+                  <a:rPr kumimoji="1" lang="en-US" altLang="ja-JP" sz="1000" dirty="0"/>
                   <a:t>1</a:t>
                 </a:r>
                 <a:endParaRPr kumimoji="1" lang="ja-JP" altLang="en-US" sz="1000" dirty="0"/>
@@ -9086,7 +9066,7 @@
               <a:p>
                 <a:pPr algn="ctr"/>
                 <a:r>
-                  <a:rPr kumimoji="1" lang="en-US" altLang="ja-JP" sz="1000" dirty="0" smtClean="0"/>
+                  <a:rPr kumimoji="1" lang="en-US" altLang="ja-JP" sz="1000" dirty="0"/>
                   <a:t>2</a:t>
                 </a:r>
                 <a:endParaRPr kumimoji="1" lang="ja-JP" altLang="en-US" sz="1000" dirty="0"/>
@@ -9130,7 +9110,7 @@
               <a:p>
                 <a:pPr algn="ctr"/>
                 <a:r>
-                  <a:rPr kumimoji="1" lang="en-US" altLang="ja-JP" sz="1000" dirty="0" smtClean="0"/>
+                  <a:rPr kumimoji="1" lang="en-US" altLang="ja-JP" sz="1000" dirty="0"/>
                   <a:t>3</a:t>
                 </a:r>
                 <a:endParaRPr kumimoji="1" lang="ja-JP" altLang="en-US" sz="1000" dirty="0"/>
@@ -9245,7 +9225,7 @@
               <a:p>
                 <a:pPr algn="ctr"/>
                 <a:r>
-                  <a:rPr kumimoji="1" lang="en-US" altLang="ja-JP" sz="1000" dirty="0" smtClean="0"/>
+                  <a:rPr kumimoji="1" lang="en-US" altLang="ja-JP" sz="1000" dirty="0"/>
                   <a:t>PM#2</a:t>
                 </a:r>
                 <a:endParaRPr kumimoji="1" lang="ja-JP" altLang="en-US" sz="1000" dirty="0"/>
@@ -9303,7 +9283,7 @@
                 <a:p>
                   <a:pPr algn="ctr"/>
                   <a:r>
-                    <a:rPr kumimoji="1" lang="en-US" altLang="ja-JP" sz="1000" dirty="0" smtClean="0"/>
+                    <a:rPr kumimoji="1" lang="en-US" altLang="ja-JP" sz="1000" dirty="0"/>
                     <a:t>VM#2</a:t>
                   </a:r>
                   <a:endParaRPr kumimoji="1" lang="ja-JP" altLang="en-US" sz="1000" dirty="0"/>
@@ -9443,7 +9423,7 @@
               <a:p>
                 <a:pPr algn="ctr"/>
                 <a:r>
-                  <a:rPr kumimoji="1" lang="en-US" altLang="ja-JP" sz="1000" dirty="0" smtClean="0"/>
+                  <a:rPr kumimoji="1" lang="en-US" altLang="ja-JP" sz="1000" dirty="0"/>
                   <a:t>1’</a:t>
                 </a:r>
                 <a:endParaRPr kumimoji="1" lang="ja-JP" altLang="en-US" sz="1000" dirty="0"/>
@@ -9487,7 +9467,7 @@
               <a:p>
                 <a:pPr algn="ctr"/>
                 <a:r>
-                  <a:rPr kumimoji="1" lang="en-US" altLang="ja-JP" sz="1000" dirty="0" smtClean="0"/>
+                  <a:rPr kumimoji="1" lang="en-US" altLang="ja-JP" sz="1000" dirty="0"/>
                   <a:t>2’</a:t>
                 </a:r>
                 <a:endParaRPr kumimoji="1" lang="ja-JP" altLang="en-US" sz="1000" dirty="0"/>
@@ -9531,7 +9511,7 @@
               <a:p>
                 <a:pPr algn="ctr"/>
                 <a:r>
-                  <a:rPr kumimoji="1" lang="en-US" altLang="ja-JP" sz="1000" dirty="0" smtClean="0"/>
+                  <a:rPr kumimoji="1" lang="en-US" altLang="ja-JP" sz="1000" dirty="0"/>
                   <a:t>3’</a:t>
                 </a:r>
                 <a:endParaRPr kumimoji="1" lang="ja-JP" altLang="en-US" sz="1000" dirty="0"/>
@@ -9883,7 +9863,7 @@
                 <a:p>
                   <a:pPr algn="ctr"/>
                   <a:r>
-                    <a:rPr lang="en-US" altLang="ja-JP" sz="1000" dirty="0" smtClean="0"/>
+                    <a:rPr lang="en-US" altLang="ja-JP" sz="1000" dirty="0"/>
                     <a:t>WAN</a:t>
                   </a:r>
                   <a:endParaRPr kumimoji="1" lang="ja-JP" altLang="en-US" sz="1000" dirty="0"/>
@@ -10255,7 +10235,7 @@
                 <a:p>
                   <a:pPr algn="ctr"/>
                   <a:r>
-                    <a:rPr lang="en-US" altLang="ja-JP" sz="1000" dirty="0" smtClean="0"/>
+                    <a:rPr lang="en-US" altLang="ja-JP" sz="1000" dirty="0"/>
                     <a:t>Witness</a:t>
                   </a:r>
                   <a:endParaRPr kumimoji="1" lang="ja-JP" altLang="en-US" sz="1000" dirty="0"/>
@@ -10420,7 +10400,7 @@
                 <a:p>
                   <a:pPr algn="ctr"/>
                   <a:r>
-                    <a:rPr lang="en-US" altLang="ja-JP" sz="1000" dirty="0" smtClean="0"/>
+                    <a:rPr lang="en-US" altLang="ja-JP" sz="1000" dirty="0"/>
                     <a:t>SW#1</a:t>
                   </a:r>
                   <a:endParaRPr kumimoji="1" lang="ja-JP" altLang="en-US" sz="1000" dirty="0"/>
@@ -10464,7 +10444,7 @@
                 <a:p>
                   <a:pPr algn="ctr"/>
                   <a:r>
-                    <a:rPr lang="en-US" altLang="ja-JP" sz="1000" dirty="0" smtClean="0"/>
+                    <a:rPr lang="en-US" altLang="ja-JP" sz="1000" dirty="0"/>
                     <a:t>SW#2</a:t>
                   </a:r>
                   <a:endParaRPr kumimoji="1" lang="ja-JP" altLang="en-US" sz="1000" dirty="0"/>
@@ -10508,7 +10488,7 @@
                 <a:p>
                   <a:pPr algn="ctr"/>
                   <a:r>
-                    <a:rPr lang="en-US" altLang="ja-JP" sz="1000" dirty="0" smtClean="0"/>
+                    <a:rPr lang="en-US" altLang="ja-JP" sz="1000" dirty="0"/>
                     <a:t>SW#3</a:t>
                   </a:r>
                   <a:endParaRPr kumimoji="1" lang="ja-JP" altLang="en-US" sz="1000" dirty="0"/>
@@ -10666,7 +10646,7 @@
                 <a:p>
                   <a:pPr algn="ctr"/>
                   <a:r>
-                    <a:rPr lang="en-US" altLang="ja-JP" sz="1000" dirty="0" smtClean="0"/>
+                    <a:rPr lang="en-US" altLang="ja-JP" sz="1000" dirty="0"/>
                     <a:t>SW#4</a:t>
                   </a:r>
                   <a:endParaRPr kumimoji="1" lang="ja-JP" altLang="en-US" sz="1000" dirty="0"/>
@@ -10710,7 +10690,7 @@
                 <a:p>
                   <a:pPr algn="ctr"/>
                   <a:r>
-                    <a:rPr lang="en-US" altLang="ja-JP" sz="1000" dirty="0" smtClean="0"/>
+                    <a:rPr lang="en-US" altLang="ja-JP" sz="1000" dirty="0"/>
                     <a:t>SW#5</a:t>
                   </a:r>
                   <a:endParaRPr kumimoji="1" lang="ja-JP" altLang="en-US" sz="1000" dirty="0"/>
@@ -10754,7 +10734,7 @@
                 <a:p>
                   <a:pPr algn="ctr"/>
                   <a:r>
-                    <a:rPr lang="en-US" altLang="ja-JP" sz="1000" dirty="0" smtClean="0"/>
+                    <a:rPr lang="en-US" altLang="ja-JP" sz="1000" dirty="0"/>
                     <a:t>SW#6</a:t>
                   </a:r>
                   <a:endParaRPr kumimoji="1" lang="ja-JP" altLang="en-US" sz="1000" dirty="0"/>
@@ -10851,7 +10831,7 @@
                 <a:p>
                   <a:pPr algn="ctr"/>
                   <a:r>
-                    <a:rPr kumimoji="1" lang="en-US" altLang="ja-JP" sz="1000" dirty="0" smtClean="0"/>
+                    <a:rPr kumimoji="1" lang="en-US" altLang="ja-JP" sz="1000" dirty="0"/>
                     <a:t>PM#1</a:t>
                   </a:r>
                   <a:endParaRPr kumimoji="1" lang="ja-JP" altLang="en-US" sz="1000" dirty="0"/>
@@ -10909,7 +10889,7 @@
                   <a:p>
                     <a:pPr algn="ctr"/>
                     <a:r>
-                      <a:rPr kumimoji="1" lang="en-US" altLang="ja-JP" sz="1000" dirty="0" smtClean="0"/>
+                      <a:rPr kumimoji="1" lang="en-US" altLang="ja-JP" sz="1000" dirty="0"/>
                       <a:t>VM#1</a:t>
                     </a:r>
                     <a:endParaRPr kumimoji="1" lang="ja-JP" altLang="en-US" sz="1000" dirty="0"/>
@@ -11049,7 +11029,7 @@
                 <a:p>
                   <a:pPr algn="ctr"/>
                   <a:r>
-                    <a:rPr kumimoji="1" lang="en-US" altLang="ja-JP" sz="1000" dirty="0" smtClean="0"/>
+                    <a:rPr kumimoji="1" lang="en-US" altLang="ja-JP" sz="1000" dirty="0"/>
                     <a:t>1</a:t>
                   </a:r>
                   <a:endParaRPr kumimoji="1" lang="ja-JP" altLang="en-US" sz="1000" dirty="0"/>
@@ -11093,7 +11073,7 @@
                 <a:p>
                   <a:pPr algn="ctr"/>
                   <a:r>
-                    <a:rPr kumimoji="1" lang="en-US" altLang="ja-JP" sz="1000" dirty="0" smtClean="0"/>
+                    <a:rPr kumimoji="1" lang="en-US" altLang="ja-JP" sz="1000" dirty="0"/>
                     <a:t>2</a:t>
                   </a:r>
                   <a:endParaRPr kumimoji="1" lang="ja-JP" altLang="en-US" sz="1000" dirty="0"/>
@@ -11137,7 +11117,7 @@
                 <a:p>
                   <a:pPr algn="ctr"/>
                   <a:r>
-                    <a:rPr kumimoji="1" lang="en-US" altLang="ja-JP" sz="1000" dirty="0" smtClean="0"/>
+                    <a:rPr kumimoji="1" lang="en-US" altLang="ja-JP" sz="1000" dirty="0"/>
                     <a:t>3</a:t>
                   </a:r>
                   <a:endParaRPr kumimoji="1" lang="ja-JP" altLang="en-US" sz="1000" dirty="0"/>
@@ -11252,7 +11232,7 @@
                 <a:p>
                   <a:pPr algn="ctr"/>
                   <a:r>
-                    <a:rPr kumimoji="1" lang="en-US" altLang="ja-JP" sz="1000" dirty="0" smtClean="0"/>
+                    <a:rPr kumimoji="1" lang="en-US" altLang="ja-JP" sz="1000" dirty="0"/>
                     <a:t>PM#2</a:t>
                   </a:r>
                   <a:endParaRPr kumimoji="1" lang="ja-JP" altLang="en-US" sz="1000" dirty="0"/>
@@ -11310,7 +11290,7 @@
                   <a:p>
                     <a:pPr algn="ctr"/>
                     <a:r>
-                      <a:rPr kumimoji="1" lang="en-US" altLang="ja-JP" sz="1000" dirty="0" smtClean="0"/>
+                      <a:rPr kumimoji="1" lang="en-US" altLang="ja-JP" sz="1000" dirty="0"/>
                       <a:t>VM#2</a:t>
                     </a:r>
                     <a:endParaRPr kumimoji="1" lang="ja-JP" altLang="en-US" sz="1000" dirty="0"/>
@@ -11450,7 +11430,7 @@
                 <a:p>
                   <a:pPr algn="ctr"/>
                   <a:r>
-                    <a:rPr kumimoji="1" lang="en-US" altLang="ja-JP" sz="1000" dirty="0" smtClean="0"/>
+                    <a:rPr kumimoji="1" lang="en-US" altLang="ja-JP" sz="1000" dirty="0"/>
                     <a:t>1’</a:t>
                   </a:r>
                   <a:endParaRPr kumimoji="1" lang="ja-JP" altLang="en-US" sz="1000" dirty="0"/>
@@ -11494,7 +11474,7 @@
                 <a:p>
                   <a:pPr algn="ctr"/>
                   <a:r>
-                    <a:rPr kumimoji="1" lang="en-US" altLang="ja-JP" sz="1000" dirty="0" smtClean="0"/>
+                    <a:rPr kumimoji="1" lang="en-US" altLang="ja-JP" sz="1000" dirty="0"/>
                     <a:t>2’</a:t>
                   </a:r>
                   <a:endParaRPr kumimoji="1" lang="ja-JP" altLang="en-US" sz="1000" dirty="0"/>
@@ -11538,7 +11518,7 @@
                 <a:p>
                   <a:pPr algn="ctr"/>
                   <a:r>
-                    <a:rPr kumimoji="1" lang="en-US" altLang="ja-JP" sz="1000" dirty="0" smtClean="0"/>
+                    <a:rPr kumimoji="1" lang="en-US" altLang="ja-JP" sz="1000" dirty="0"/>
                     <a:t>3’</a:t>
                   </a:r>
                   <a:endParaRPr kumimoji="1" lang="ja-JP" altLang="en-US" sz="1000" dirty="0"/>
@@ -11655,7 +11635,7 @@
             <a:p>
               <a:pPr algn="ctr"/>
               <a:r>
-                <a:rPr kumimoji="1" lang="en-US" altLang="ja-JP" sz="1000" b="1" dirty="0" smtClean="0">
+                <a:rPr kumimoji="1" lang="en-US" altLang="ja-JP" sz="1000" b="1" dirty="0">
                   <a:solidFill>
                     <a:schemeClr val="tx1"/>
                   </a:solidFill>
@@ -11675,6 +11655,2340 @@
     <p:extLst>
       <p:ext uri="{BB962C8B-B14F-4D97-AF65-F5344CB8AC3E}">
         <p14:creationId xmlns:p14="http://schemas.microsoft.com/office/powerpoint/2010/main" val="2331526503"/>
+      </p:ext>
+    </p:extLst>
+  </p:cSld>
+  <p:clrMapOvr>
+    <a:masterClrMapping/>
+  </p:clrMapOvr>
+</p:sld>
+</file>
+
+<file path=ppt/slides/slide2.xml><?xml version="1.0" encoding="utf-8"?>
+<p:sld xmlns:a="http://schemas.openxmlformats.org/drawingml/2006/main" xmlns:r="http://schemas.openxmlformats.org/officeDocument/2006/relationships" xmlns:p="http://schemas.openxmlformats.org/presentationml/2006/main">
+  <p:cSld>
+    <p:spTree>
+      <p:nvGrpSpPr>
+        <p:cNvPr id="1" name=""/>
+        <p:cNvGrpSpPr/>
+        <p:nvPr/>
+      </p:nvGrpSpPr>
+      <p:grpSpPr>
+        <a:xfrm>
+          <a:off x="0" y="0"/>
+          <a:ext cx="0" cy="0"/>
+          <a:chOff x="0" y="0"/>
+          <a:chExt cx="0" cy="0"/>
+        </a:xfrm>
+      </p:grpSpPr>
+      <p:grpSp>
+        <p:nvGrpSpPr>
+          <p:cNvPr id="249" name="グループ化 248">
+            <a:extLst>
+              <a:ext uri="{FF2B5EF4-FFF2-40B4-BE49-F238E27FC236}">
+                <a16:creationId xmlns:a16="http://schemas.microsoft.com/office/drawing/2014/main" id="{A026EF54-1E6C-42CC-B0B6-EF6F45DD2B04}"/>
+              </a:ext>
+            </a:extLst>
+          </p:cNvPr>
+          <p:cNvGrpSpPr/>
+          <p:nvPr/>
+        </p:nvGrpSpPr>
+        <p:grpSpPr>
+          <a:xfrm>
+            <a:off x="360000" y="360000"/>
+            <a:ext cx="4320000" cy="4320000"/>
+            <a:chOff x="2412000" y="1989320"/>
+            <a:chExt cx="4320000" cy="4320000"/>
+          </a:xfrm>
+        </p:grpSpPr>
+        <p:grpSp>
+          <p:nvGrpSpPr>
+            <p:cNvPr id="250" name="グループ化 249">
+              <a:extLst>
+                <a:ext uri="{FF2B5EF4-FFF2-40B4-BE49-F238E27FC236}">
+                  <a16:creationId xmlns:a16="http://schemas.microsoft.com/office/drawing/2014/main" id="{D28AF4BF-CBB0-4DB3-A239-05E055C9A64A}"/>
+                </a:ext>
+              </a:extLst>
+            </p:cNvPr>
+            <p:cNvGrpSpPr/>
+            <p:nvPr/>
+          </p:nvGrpSpPr>
+          <p:grpSpPr>
+            <a:xfrm>
+              <a:off x="2412000" y="1989320"/>
+              <a:ext cx="4320000" cy="4320000"/>
+              <a:chOff x="826256" y="428454"/>
+              <a:chExt cx="4320000" cy="4320000"/>
+            </a:xfrm>
+          </p:grpSpPr>
+          <p:sp>
+            <p:nvSpPr>
+              <p:cNvPr id="257" name="正方形/長方形 256">
+                <a:extLst>
+                  <a:ext uri="{FF2B5EF4-FFF2-40B4-BE49-F238E27FC236}">
+                    <a16:creationId xmlns:a16="http://schemas.microsoft.com/office/drawing/2014/main" id="{15AC17F9-958B-4F8B-8000-3DD4C045BB90}"/>
+                  </a:ext>
+                </a:extLst>
+              </p:cNvPr>
+              <p:cNvSpPr/>
+              <p:nvPr/>
+            </p:nvSpPr>
+            <p:spPr>
+              <a:xfrm>
+                <a:off x="826256" y="428454"/>
+                <a:ext cx="4320000" cy="4320000"/>
+              </a:xfrm>
+              <a:prstGeom prst="rect">
+                <a:avLst/>
+              </a:prstGeom>
+              <a:noFill/>
+              <a:ln w="50800">
+                <a:solidFill>
+                  <a:srgbClr val="00B050"/>
+                </a:solidFill>
+              </a:ln>
+            </p:spPr>
+            <p:style>
+              <a:lnRef idx="2">
+                <a:schemeClr val="accent1">
+                  <a:shade val="50000"/>
+                </a:schemeClr>
+              </a:lnRef>
+              <a:fillRef idx="1">
+                <a:schemeClr val="accent1"/>
+              </a:fillRef>
+              <a:effectRef idx="0">
+                <a:schemeClr val="accent1"/>
+              </a:effectRef>
+              <a:fontRef idx="minor">
+                <a:schemeClr val="lt1"/>
+              </a:fontRef>
+            </p:style>
+            <p:txBody>
+              <a:bodyPr rtlCol="0" anchor="b" anchorCtr="0"/>
+              <a:lstStyle/>
+              <a:p>
+                <a:pPr algn="ctr"/>
+                <a:r>
+                  <a:rPr kumimoji="1" lang="en-US" altLang="ja-JP" sz="1000" dirty="0"/>
+                  <a:t>VMware</a:t>
+                </a:r>
+              </a:p>
+              <a:p>
+                <a:pPr algn="ctr"/>
+                <a:r>
+                  <a:rPr kumimoji="1" lang="en-US" altLang="ja-JP" sz="1000" dirty="0">
+                    <a:solidFill>
+                      <a:schemeClr val="tx1"/>
+                    </a:solidFill>
+                  </a:rPr>
+                  <a:t>VMware </a:t>
+                </a:r>
+                <a:r>
+                  <a:rPr kumimoji="1" lang="en-US" altLang="ja-JP" sz="1000" dirty="0" err="1">
+                    <a:solidFill>
+                      <a:schemeClr val="tx1"/>
+                    </a:solidFill>
+                  </a:rPr>
+                  <a:t>ESXi</a:t>
+                </a:r>
+                <a:endParaRPr kumimoji="1" lang="ja-JP" altLang="en-US" sz="1000" dirty="0">
+                  <a:solidFill>
+                    <a:schemeClr val="tx1"/>
+                  </a:solidFill>
+                </a:endParaRPr>
+              </a:p>
+            </p:txBody>
+          </p:sp>
+          <p:grpSp>
+            <p:nvGrpSpPr>
+              <p:cNvPr id="258" name="グループ化 257">
+                <a:extLst>
+                  <a:ext uri="{FF2B5EF4-FFF2-40B4-BE49-F238E27FC236}">
+                    <a16:creationId xmlns:a16="http://schemas.microsoft.com/office/drawing/2014/main" id="{DBCF5667-84B4-47F5-A588-692717A14456}"/>
+                  </a:ext>
+                </a:extLst>
+              </p:cNvPr>
+              <p:cNvGrpSpPr/>
+              <p:nvPr/>
+            </p:nvGrpSpPr>
+            <p:grpSpPr>
+              <a:xfrm>
+                <a:off x="1356956" y="872061"/>
+                <a:ext cx="3259439" cy="3520187"/>
+                <a:chOff x="562628" y="123915"/>
+                <a:chExt cx="3259439" cy="3520187"/>
+              </a:xfrm>
+            </p:grpSpPr>
+            <p:grpSp>
+              <p:nvGrpSpPr>
+                <p:cNvPr id="259" name="グループ化 258">
+                  <a:extLst>
+                    <a:ext uri="{FF2B5EF4-FFF2-40B4-BE49-F238E27FC236}">
+                      <a16:creationId xmlns:a16="http://schemas.microsoft.com/office/drawing/2014/main" id="{E2EE4337-2A35-404A-8629-809D1B8D6770}"/>
+                    </a:ext>
+                  </a:extLst>
+                </p:cNvPr>
+                <p:cNvGrpSpPr/>
+                <p:nvPr/>
+              </p:nvGrpSpPr>
+              <p:grpSpPr>
+                <a:xfrm>
+                  <a:off x="1651928" y="892112"/>
+                  <a:ext cx="1080839" cy="540000"/>
+                  <a:chOff x="3528225" y="2836483"/>
+                  <a:chExt cx="1080839" cy="540000"/>
+                </a:xfrm>
+              </p:grpSpPr>
+              <p:sp>
+                <p:nvSpPr>
+                  <p:cNvPr id="297" name="正方形/長方形 296">
+                    <a:extLst>
+                      <a:ext uri="{FF2B5EF4-FFF2-40B4-BE49-F238E27FC236}">
+                        <a16:creationId xmlns:a16="http://schemas.microsoft.com/office/drawing/2014/main" id="{9CA9C3F0-24D4-42CD-8759-9B7D1403D5B6}"/>
+                      </a:ext>
+                    </a:extLst>
+                  </p:cNvPr>
+                  <p:cNvSpPr/>
+                  <p:nvPr/>
+                </p:nvSpPr>
+                <p:spPr>
+                  <a:xfrm>
+                    <a:off x="3528225" y="2836483"/>
+                    <a:ext cx="1080000" cy="540000"/>
+                  </a:xfrm>
+                  <a:prstGeom prst="rect">
+                    <a:avLst/>
+                  </a:prstGeom>
+                </p:spPr>
+                <p:style>
+                  <a:lnRef idx="2">
+                    <a:schemeClr val="accent1">
+                      <a:shade val="50000"/>
+                    </a:schemeClr>
+                  </a:lnRef>
+                  <a:fillRef idx="1">
+                    <a:schemeClr val="accent1"/>
+                  </a:fillRef>
+                  <a:effectRef idx="0">
+                    <a:schemeClr val="accent1"/>
+                  </a:effectRef>
+                  <a:fontRef idx="minor">
+                    <a:schemeClr val="lt1"/>
+                  </a:fontRef>
+                </p:style>
+                <p:txBody>
+                  <a:bodyPr rtlCol="0" anchor="ctr"/>
+                  <a:lstStyle/>
+                  <a:p>
+                    <a:pPr algn="ctr"/>
+                    <a:r>
+                      <a:rPr lang="en-US" altLang="ja-JP" sz="1000" dirty="0" err="1"/>
+                      <a:t>vSwitch</a:t>
+                    </a:r>
+                    <a:endParaRPr kumimoji="1" lang="ja-JP" altLang="en-US" sz="1000" dirty="0"/>
+                  </a:p>
+                </p:txBody>
+              </p:sp>
+              <p:sp>
+                <p:nvSpPr>
+                  <p:cNvPr id="298" name="正方形/長方形 297">
+                    <a:extLst>
+                      <a:ext uri="{FF2B5EF4-FFF2-40B4-BE49-F238E27FC236}">
+                        <a16:creationId xmlns:a16="http://schemas.microsoft.com/office/drawing/2014/main" id="{9144E8C4-0C7E-4605-B7EE-B016628DD8E4}"/>
+                      </a:ext>
+                    </a:extLst>
+                  </p:cNvPr>
+                  <p:cNvSpPr/>
+                  <p:nvPr/>
+                </p:nvSpPr>
+                <p:spPr>
+                  <a:xfrm>
+                    <a:off x="3528827" y="3232483"/>
+                    <a:ext cx="144000" cy="144000"/>
+                  </a:xfrm>
+                  <a:prstGeom prst="rect">
+                    <a:avLst/>
+                  </a:prstGeom>
+                </p:spPr>
+                <p:style>
+                  <a:lnRef idx="2">
+                    <a:schemeClr val="accent1">
+                      <a:shade val="50000"/>
+                    </a:schemeClr>
+                  </a:lnRef>
+                  <a:fillRef idx="1">
+                    <a:schemeClr val="accent1"/>
+                  </a:fillRef>
+                  <a:effectRef idx="0">
+                    <a:schemeClr val="accent1"/>
+                  </a:effectRef>
+                  <a:fontRef idx="minor">
+                    <a:schemeClr val="lt1"/>
+                  </a:fontRef>
+                </p:style>
+                <p:txBody>
+                  <a:bodyPr rtlCol="0" anchor="ctr"/>
+                  <a:lstStyle/>
+                  <a:p>
+                    <a:pPr algn="ctr"/>
+                    <a:endParaRPr kumimoji="1" lang="ja-JP" altLang="en-US" sz="1000"/>
+                  </a:p>
+                </p:txBody>
+              </p:sp>
+              <p:sp>
+                <p:nvSpPr>
+                  <p:cNvPr id="299" name="正方形/長方形 298">
+                    <a:extLst>
+                      <a:ext uri="{FF2B5EF4-FFF2-40B4-BE49-F238E27FC236}">
+                        <a16:creationId xmlns:a16="http://schemas.microsoft.com/office/drawing/2014/main" id="{F468C6C7-1AFF-4DC2-AAEF-D737C704D03A}"/>
+                      </a:ext>
+                    </a:extLst>
+                  </p:cNvPr>
+                  <p:cNvSpPr/>
+                  <p:nvPr/>
+                </p:nvSpPr>
+                <p:spPr>
+                  <a:xfrm>
+                    <a:off x="3672827" y="3232483"/>
+                    <a:ext cx="144000" cy="144000"/>
+                  </a:xfrm>
+                  <a:prstGeom prst="rect">
+                    <a:avLst/>
+                  </a:prstGeom>
+                </p:spPr>
+                <p:style>
+                  <a:lnRef idx="2">
+                    <a:schemeClr val="accent1">
+                      <a:shade val="50000"/>
+                    </a:schemeClr>
+                  </a:lnRef>
+                  <a:fillRef idx="1">
+                    <a:schemeClr val="accent1"/>
+                  </a:fillRef>
+                  <a:effectRef idx="0">
+                    <a:schemeClr val="accent1"/>
+                  </a:effectRef>
+                  <a:fontRef idx="minor">
+                    <a:schemeClr val="lt1"/>
+                  </a:fontRef>
+                </p:style>
+                <p:txBody>
+                  <a:bodyPr rtlCol="0" anchor="ctr"/>
+                  <a:lstStyle/>
+                  <a:p>
+                    <a:pPr algn="ctr"/>
+                    <a:endParaRPr kumimoji="1" lang="ja-JP" altLang="en-US" sz="1000"/>
+                  </a:p>
+                </p:txBody>
+              </p:sp>
+              <p:sp>
+                <p:nvSpPr>
+                  <p:cNvPr id="300" name="正方形/長方形 299">
+                    <a:extLst>
+                      <a:ext uri="{FF2B5EF4-FFF2-40B4-BE49-F238E27FC236}">
+                        <a16:creationId xmlns:a16="http://schemas.microsoft.com/office/drawing/2014/main" id="{099CFF56-4D06-47B5-92D2-09E2BF2191AF}"/>
+                      </a:ext>
+                    </a:extLst>
+                  </p:cNvPr>
+                  <p:cNvSpPr/>
+                  <p:nvPr/>
+                </p:nvSpPr>
+                <p:spPr>
+                  <a:xfrm>
+                    <a:off x="4321064" y="3232483"/>
+                    <a:ext cx="144000" cy="144000"/>
+                  </a:xfrm>
+                  <a:prstGeom prst="rect">
+                    <a:avLst/>
+                  </a:prstGeom>
+                </p:spPr>
+                <p:style>
+                  <a:lnRef idx="2">
+                    <a:schemeClr val="accent1">
+                      <a:shade val="50000"/>
+                    </a:schemeClr>
+                  </a:lnRef>
+                  <a:fillRef idx="1">
+                    <a:schemeClr val="accent1"/>
+                  </a:fillRef>
+                  <a:effectRef idx="0">
+                    <a:schemeClr val="accent1"/>
+                  </a:effectRef>
+                  <a:fontRef idx="minor">
+                    <a:schemeClr val="lt1"/>
+                  </a:fontRef>
+                </p:style>
+                <p:txBody>
+                  <a:bodyPr rtlCol="0" anchor="ctr"/>
+                  <a:lstStyle/>
+                  <a:p>
+                    <a:pPr algn="ctr"/>
+                    <a:endParaRPr kumimoji="1" lang="ja-JP" altLang="en-US" sz="1000"/>
+                  </a:p>
+                </p:txBody>
+              </p:sp>
+              <p:sp>
+                <p:nvSpPr>
+                  <p:cNvPr id="301" name="正方形/長方形 300">
+                    <a:extLst>
+                      <a:ext uri="{FF2B5EF4-FFF2-40B4-BE49-F238E27FC236}">
+                        <a16:creationId xmlns:a16="http://schemas.microsoft.com/office/drawing/2014/main" id="{E9F6F802-980C-4451-84B0-08B32B96B701}"/>
+                      </a:ext>
+                    </a:extLst>
+                  </p:cNvPr>
+                  <p:cNvSpPr/>
+                  <p:nvPr/>
+                </p:nvSpPr>
+                <p:spPr>
+                  <a:xfrm>
+                    <a:off x="4465064" y="3232483"/>
+                    <a:ext cx="144000" cy="144000"/>
+                  </a:xfrm>
+                  <a:prstGeom prst="rect">
+                    <a:avLst/>
+                  </a:prstGeom>
+                </p:spPr>
+                <p:style>
+                  <a:lnRef idx="2">
+                    <a:schemeClr val="accent1">
+                      <a:shade val="50000"/>
+                    </a:schemeClr>
+                  </a:lnRef>
+                  <a:fillRef idx="1">
+                    <a:schemeClr val="accent1"/>
+                  </a:fillRef>
+                  <a:effectRef idx="0">
+                    <a:schemeClr val="accent1"/>
+                  </a:effectRef>
+                  <a:fontRef idx="minor">
+                    <a:schemeClr val="lt1"/>
+                  </a:fontRef>
+                </p:style>
+                <p:txBody>
+                  <a:bodyPr rtlCol="0" anchor="ctr"/>
+                  <a:lstStyle/>
+                  <a:p>
+                    <a:pPr algn="ctr"/>
+                    <a:endParaRPr kumimoji="1" lang="ja-JP" altLang="en-US" sz="1000"/>
+                  </a:p>
+                </p:txBody>
+              </p:sp>
+              <p:sp>
+                <p:nvSpPr>
+                  <p:cNvPr id="302" name="正方形/長方形 301">
+                    <a:extLst>
+                      <a:ext uri="{FF2B5EF4-FFF2-40B4-BE49-F238E27FC236}">
+                        <a16:creationId xmlns:a16="http://schemas.microsoft.com/office/drawing/2014/main" id="{ACFED5C8-7681-46D6-ADE2-FDD3E64AAFF8}"/>
+                      </a:ext>
+                    </a:extLst>
+                  </p:cNvPr>
+                  <p:cNvSpPr/>
+                  <p:nvPr/>
+                </p:nvSpPr>
+                <p:spPr>
+                  <a:xfrm>
+                    <a:off x="3996225" y="2836483"/>
+                    <a:ext cx="144000" cy="144000"/>
+                  </a:xfrm>
+                  <a:prstGeom prst="rect">
+                    <a:avLst/>
+                  </a:prstGeom>
+                </p:spPr>
+                <p:style>
+                  <a:lnRef idx="2">
+                    <a:schemeClr val="accent1">
+                      <a:shade val="50000"/>
+                    </a:schemeClr>
+                  </a:lnRef>
+                  <a:fillRef idx="1">
+                    <a:schemeClr val="accent1"/>
+                  </a:fillRef>
+                  <a:effectRef idx="0">
+                    <a:schemeClr val="accent1"/>
+                  </a:effectRef>
+                  <a:fontRef idx="minor">
+                    <a:schemeClr val="lt1"/>
+                  </a:fontRef>
+                </p:style>
+                <p:txBody>
+                  <a:bodyPr rtlCol="0" anchor="ctr"/>
+                  <a:lstStyle/>
+                  <a:p>
+                    <a:pPr algn="ctr"/>
+                    <a:endParaRPr kumimoji="1" lang="ja-JP" altLang="en-US" sz="1000"/>
+                  </a:p>
+                </p:txBody>
+              </p:sp>
+            </p:grpSp>
+            <p:cxnSp>
+              <p:nvCxnSpPr>
+                <p:cNvPr id="260" name="直線コネクタ 259">
+                  <a:extLst>
+                    <a:ext uri="{FF2B5EF4-FFF2-40B4-BE49-F238E27FC236}">
+                      <a16:creationId xmlns:a16="http://schemas.microsoft.com/office/drawing/2014/main" id="{64410444-6121-41A3-BAFD-BADE451BB357}"/>
+                    </a:ext>
+                  </a:extLst>
+                </p:cNvPr>
+                <p:cNvCxnSpPr>
+                  <a:stCxn id="296" idx="2"/>
+                  <a:endCxn id="302" idx="0"/>
+                </p:cNvCxnSpPr>
+                <p:nvPr/>
+              </p:nvCxnSpPr>
+              <p:spPr>
+                <a:xfrm flipH="1">
+                  <a:off x="2191928" y="627915"/>
+                  <a:ext cx="419" cy="264197"/>
+                </a:xfrm>
+                <a:prstGeom prst="line">
+                  <a:avLst/>
+                </a:prstGeom>
+              </p:spPr>
+              <p:style>
+                <a:lnRef idx="1">
+                  <a:schemeClr val="dk1"/>
+                </a:lnRef>
+                <a:fillRef idx="0">
+                  <a:schemeClr val="dk1"/>
+                </a:fillRef>
+                <a:effectRef idx="0">
+                  <a:schemeClr val="dk1"/>
+                </a:effectRef>
+                <a:fontRef idx="minor">
+                  <a:schemeClr val="tx1"/>
+                </a:fontRef>
+              </p:style>
+            </p:cxnSp>
+            <p:grpSp>
+              <p:nvGrpSpPr>
+                <p:cNvPr id="261" name="グループ化 260">
+                  <a:extLst>
+                    <a:ext uri="{FF2B5EF4-FFF2-40B4-BE49-F238E27FC236}">
+                      <a16:creationId xmlns:a16="http://schemas.microsoft.com/office/drawing/2014/main" id="{D462973A-47E2-4A13-AC87-035F51F40783}"/>
+                    </a:ext>
+                  </a:extLst>
+                </p:cNvPr>
+                <p:cNvGrpSpPr/>
+                <p:nvPr/>
+              </p:nvGrpSpPr>
+              <p:grpSpPr>
+                <a:xfrm>
+                  <a:off x="1832347" y="123915"/>
+                  <a:ext cx="720000" cy="504000"/>
+                  <a:chOff x="3636225" y="757050"/>
+                  <a:chExt cx="720000" cy="504000"/>
+                </a:xfrm>
+              </p:grpSpPr>
+              <p:sp>
+                <p:nvSpPr>
+                  <p:cNvPr id="295" name="正方形/長方形 294">
+                    <a:extLst>
+                      <a:ext uri="{FF2B5EF4-FFF2-40B4-BE49-F238E27FC236}">
+                        <a16:creationId xmlns:a16="http://schemas.microsoft.com/office/drawing/2014/main" id="{4E9110D0-44B1-459F-93F1-E3E94756A9D3}"/>
+                      </a:ext>
+                    </a:extLst>
+                  </p:cNvPr>
+                  <p:cNvSpPr/>
+                  <p:nvPr/>
+                </p:nvSpPr>
+                <p:spPr>
+                  <a:xfrm>
+                    <a:off x="3636225" y="757050"/>
+                    <a:ext cx="720000" cy="360000"/>
+                  </a:xfrm>
+                  <a:prstGeom prst="rect">
+                    <a:avLst/>
+                  </a:prstGeom>
+                </p:spPr>
+                <p:style>
+                  <a:lnRef idx="2">
+                    <a:schemeClr val="accent1">
+                      <a:shade val="50000"/>
+                    </a:schemeClr>
+                  </a:lnRef>
+                  <a:fillRef idx="1">
+                    <a:schemeClr val="accent1"/>
+                  </a:fillRef>
+                  <a:effectRef idx="0">
+                    <a:schemeClr val="accent1"/>
+                  </a:effectRef>
+                  <a:fontRef idx="minor">
+                    <a:schemeClr val="lt1"/>
+                  </a:fontRef>
+                </p:style>
+                <p:txBody>
+                  <a:bodyPr rtlCol="0" anchor="ctr"/>
+                  <a:lstStyle/>
+                  <a:p>
+                    <a:pPr algn="ctr"/>
+                    <a:r>
+                      <a:rPr lang="en-US" altLang="ja-JP" sz="1000" dirty="0"/>
+                      <a:t>Witness</a:t>
+                    </a:r>
+                    <a:endParaRPr kumimoji="1" lang="ja-JP" altLang="en-US" sz="1000" dirty="0"/>
+                  </a:p>
+                </p:txBody>
+              </p:sp>
+              <p:sp>
+                <p:nvSpPr>
+                  <p:cNvPr id="296" name="正方形/長方形 295">
+                    <a:extLst>
+                      <a:ext uri="{FF2B5EF4-FFF2-40B4-BE49-F238E27FC236}">
+                        <a16:creationId xmlns:a16="http://schemas.microsoft.com/office/drawing/2014/main" id="{3FCC1B7E-9736-4CC4-AEF3-D44B4A65BF04}"/>
+                      </a:ext>
+                    </a:extLst>
+                  </p:cNvPr>
+                  <p:cNvSpPr/>
+                  <p:nvPr/>
+                </p:nvSpPr>
+                <p:spPr>
+                  <a:xfrm>
+                    <a:off x="3924225" y="1117050"/>
+                    <a:ext cx="144000" cy="144000"/>
+                  </a:xfrm>
+                  <a:prstGeom prst="rect">
+                    <a:avLst/>
+                  </a:prstGeom>
+                </p:spPr>
+                <p:style>
+                  <a:lnRef idx="2">
+                    <a:schemeClr val="accent1">
+                      <a:shade val="50000"/>
+                    </a:schemeClr>
+                  </a:lnRef>
+                  <a:fillRef idx="1">
+                    <a:schemeClr val="accent1"/>
+                  </a:fillRef>
+                  <a:effectRef idx="0">
+                    <a:schemeClr val="accent1"/>
+                  </a:effectRef>
+                  <a:fontRef idx="minor">
+                    <a:schemeClr val="lt1"/>
+                  </a:fontRef>
+                </p:style>
+                <p:txBody>
+                  <a:bodyPr rtlCol="0" anchor="ctr"/>
+                  <a:lstStyle/>
+                  <a:p>
+                    <a:pPr algn="ctr"/>
+                    <a:endParaRPr kumimoji="1" lang="ja-JP" altLang="en-US" sz="1000"/>
+                  </a:p>
+                </p:txBody>
+              </p:sp>
+            </p:grpSp>
+            <p:cxnSp>
+              <p:nvCxnSpPr>
+                <p:cNvPr id="262" name="直線コネクタ 261">
+                  <a:extLst>
+                    <a:ext uri="{FF2B5EF4-FFF2-40B4-BE49-F238E27FC236}">
+                      <a16:creationId xmlns:a16="http://schemas.microsoft.com/office/drawing/2014/main" id="{274A6421-77DE-4EA1-9DFA-4AEADFDBC69D}"/>
+                    </a:ext>
+                  </a:extLst>
+                </p:cNvPr>
+                <p:cNvCxnSpPr>
+                  <a:cxnSpLocks/>
+                  <a:stCxn id="298" idx="2"/>
+                  <a:endCxn id="283" idx="0"/>
+                </p:cNvCxnSpPr>
+                <p:nvPr/>
+              </p:nvCxnSpPr>
+              <p:spPr>
+                <a:xfrm flipH="1">
+                  <a:off x="1174628" y="1432112"/>
+                  <a:ext cx="549902" cy="267525"/>
+                </a:xfrm>
+                <a:prstGeom prst="line">
+                  <a:avLst/>
+                </a:prstGeom>
+              </p:spPr>
+              <p:style>
+                <a:lnRef idx="1">
+                  <a:schemeClr val="dk1"/>
+                </a:lnRef>
+                <a:fillRef idx="0">
+                  <a:schemeClr val="dk1"/>
+                </a:fillRef>
+                <a:effectRef idx="0">
+                  <a:schemeClr val="dk1"/>
+                </a:effectRef>
+                <a:fontRef idx="minor">
+                  <a:schemeClr val="tx1"/>
+                </a:fontRef>
+              </p:style>
+            </p:cxnSp>
+            <p:cxnSp>
+              <p:nvCxnSpPr>
+                <p:cNvPr id="263" name="直線コネクタ 262">
+                  <a:extLst>
+                    <a:ext uri="{FF2B5EF4-FFF2-40B4-BE49-F238E27FC236}">
+                      <a16:creationId xmlns:a16="http://schemas.microsoft.com/office/drawing/2014/main" id="{B74ECB1C-D204-4F40-9D5B-AA13D316D499}"/>
+                    </a:ext>
+                  </a:extLst>
+                </p:cNvPr>
+                <p:cNvCxnSpPr>
+                  <a:cxnSpLocks/>
+                  <a:stCxn id="299" idx="2"/>
+                  <a:endCxn id="284" idx="0"/>
+                </p:cNvCxnSpPr>
+                <p:nvPr/>
+              </p:nvCxnSpPr>
+              <p:spPr>
+                <a:xfrm flipH="1">
+                  <a:off x="1390628" y="1432112"/>
+                  <a:ext cx="477902" cy="264196"/>
+                </a:xfrm>
+                <a:prstGeom prst="line">
+                  <a:avLst/>
+                </a:prstGeom>
+              </p:spPr>
+              <p:style>
+                <a:lnRef idx="1">
+                  <a:schemeClr val="dk1"/>
+                </a:lnRef>
+                <a:fillRef idx="0">
+                  <a:schemeClr val="dk1"/>
+                </a:fillRef>
+                <a:effectRef idx="0">
+                  <a:schemeClr val="dk1"/>
+                </a:effectRef>
+                <a:fontRef idx="minor">
+                  <a:schemeClr val="tx1"/>
+                </a:fontRef>
+              </p:style>
+            </p:cxnSp>
+            <p:cxnSp>
+              <p:nvCxnSpPr>
+                <p:cNvPr id="264" name="直線コネクタ 263">
+                  <a:extLst>
+                    <a:ext uri="{FF2B5EF4-FFF2-40B4-BE49-F238E27FC236}">
+                      <a16:creationId xmlns:a16="http://schemas.microsoft.com/office/drawing/2014/main" id="{C21BC852-6FE3-4AEC-A304-8F913F349E8F}"/>
+                    </a:ext>
+                  </a:extLst>
+                </p:cNvPr>
+                <p:cNvCxnSpPr>
+                  <a:cxnSpLocks/>
+                  <a:stCxn id="254" idx="2"/>
+                  <a:endCxn id="270" idx="0"/>
+                </p:cNvCxnSpPr>
+                <p:nvPr/>
+              </p:nvCxnSpPr>
+              <p:spPr>
+                <a:xfrm>
+                  <a:off x="2377936" y="1432112"/>
+                  <a:ext cx="616131" cy="267525"/>
+                </a:xfrm>
+                <a:prstGeom prst="line">
+                  <a:avLst/>
+                </a:prstGeom>
+              </p:spPr>
+              <p:style>
+                <a:lnRef idx="1">
+                  <a:schemeClr val="dk1"/>
+                </a:lnRef>
+                <a:fillRef idx="0">
+                  <a:schemeClr val="dk1"/>
+                </a:fillRef>
+                <a:effectRef idx="0">
+                  <a:schemeClr val="dk1"/>
+                </a:effectRef>
+                <a:fontRef idx="minor">
+                  <a:schemeClr val="tx1"/>
+                </a:fontRef>
+              </p:style>
+            </p:cxnSp>
+            <p:cxnSp>
+              <p:nvCxnSpPr>
+                <p:cNvPr id="265" name="直線コネクタ 264">
+                  <a:extLst>
+                    <a:ext uri="{FF2B5EF4-FFF2-40B4-BE49-F238E27FC236}">
+                      <a16:creationId xmlns:a16="http://schemas.microsoft.com/office/drawing/2014/main" id="{1373C1B9-E978-4BC8-AA46-7D38E77A38EB}"/>
+                    </a:ext>
+                  </a:extLst>
+                </p:cNvPr>
+                <p:cNvCxnSpPr>
+                  <a:cxnSpLocks/>
+                  <a:stCxn id="300" idx="2"/>
+                  <a:endCxn id="271" idx="0"/>
+                </p:cNvCxnSpPr>
+                <p:nvPr/>
+              </p:nvCxnSpPr>
+              <p:spPr>
+                <a:xfrm>
+                  <a:off x="2516767" y="1432112"/>
+                  <a:ext cx="693300" cy="264196"/>
+                </a:xfrm>
+                <a:prstGeom prst="line">
+                  <a:avLst/>
+                </a:prstGeom>
+              </p:spPr>
+              <p:style>
+                <a:lnRef idx="1">
+                  <a:schemeClr val="dk1"/>
+                </a:lnRef>
+                <a:fillRef idx="0">
+                  <a:schemeClr val="dk1"/>
+                </a:fillRef>
+                <a:effectRef idx="0">
+                  <a:schemeClr val="dk1"/>
+                </a:effectRef>
+                <a:fontRef idx="minor">
+                  <a:schemeClr val="tx1"/>
+                </a:fontRef>
+              </p:style>
+            </p:cxnSp>
+            <p:grpSp>
+              <p:nvGrpSpPr>
+                <p:cNvPr id="266" name="グループ化 265">
+                  <a:extLst>
+                    <a:ext uri="{FF2B5EF4-FFF2-40B4-BE49-F238E27FC236}">
+                      <a16:creationId xmlns:a16="http://schemas.microsoft.com/office/drawing/2014/main" id="{3A81ED0D-B23A-40C1-8EBC-22303D758E60}"/>
+                    </a:ext>
+                  </a:extLst>
+                </p:cNvPr>
+                <p:cNvGrpSpPr/>
+                <p:nvPr/>
+              </p:nvGrpSpPr>
+              <p:grpSpPr>
+                <a:xfrm>
+                  <a:off x="562628" y="1696308"/>
+                  <a:ext cx="3259439" cy="1947794"/>
+                  <a:chOff x="562628" y="2259721"/>
+                  <a:chExt cx="3259439" cy="1947794"/>
+                </a:xfrm>
+              </p:grpSpPr>
+              <p:grpSp>
+                <p:nvGrpSpPr>
+                  <p:cNvPr id="267" name="グループ化 266">
+                    <a:extLst>
+                      <a:ext uri="{FF2B5EF4-FFF2-40B4-BE49-F238E27FC236}">
+                        <a16:creationId xmlns:a16="http://schemas.microsoft.com/office/drawing/2014/main" id="{F18F44C6-CA7A-493A-B1A8-45C4136619F9}"/>
+                      </a:ext>
+                    </a:extLst>
+                  </p:cNvPr>
+                  <p:cNvGrpSpPr/>
+                  <p:nvPr/>
+                </p:nvGrpSpPr>
+                <p:grpSpPr>
+                  <a:xfrm>
+                    <a:off x="562628" y="2259721"/>
+                    <a:ext cx="1440000" cy="1947794"/>
+                    <a:chOff x="562628" y="2259721"/>
+                    <a:chExt cx="1440000" cy="1947794"/>
+                  </a:xfrm>
+                </p:grpSpPr>
+                <p:sp>
+                  <p:nvSpPr>
+                    <p:cNvPr id="282" name="正方形/長方形 281">
+                      <a:extLst>
+                        <a:ext uri="{FF2B5EF4-FFF2-40B4-BE49-F238E27FC236}">
+                          <a16:creationId xmlns:a16="http://schemas.microsoft.com/office/drawing/2014/main" id="{543AA95A-8ED8-419F-8789-66B42741E30F}"/>
+                        </a:ext>
+                      </a:extLst>
+                    </p:cNvPr>
+                    <p:cNvSpPr/>
+                    <p:nvPr/>
+                  </p:nvSpPr>
+                  <p:spPr>
+                    <a:xfrm>
+                      <a:off x="562628" y="2407515"/>
+                      <a:ext cx="1440000" cy="1800000"/>
+                    </a:xfrm>
+                    <a:prstGeom prst="rect">
+                      <a:avLst/>
+                    </a:prstGeom>
+                    <a:solidFill>
+                      <a:schemeClr val="bg1">
+                        <a:lumMod val="65000"/>
+                      </a:schemeClr>
+                    </a:solidFill>
+                    <a:ln>
+                      <a:solidFill>
+                        <a:schemeClr val="accent1"/>
+                      </a:solidFill>
+                    </a:ln>
+                  </p:spPr>
+                  <p:style>
+                    <a:lnRef idx="2">
+                      <a:schemeClr val="accent3">
+                        <a:shade val="50000"/>
+                      </a:schemeClr>
+                    </a:lnRef>
+                    <a:fillRef idx="1">
+                      <a:schemeClr val="accent3"/>
+                    </a:fillRef>
+                    <a:effectRef idx="0">
+                      <a:schemeClr val="accent3"/>
+                    </a:effectRef>
+                    <a:fontRef idx="minor">
+                      <a:schemeClr val="lt1"/>
+                    </a:fontRef>
+                  </p:style>
+                  <p:txBody>
+                    <a:bodyPr rtlCol="0" anchor="b" anchorCtr="0"/>
+                    <a:lstStyle/>
+                    <a:p>
+                      <a:pPr algn="ctr"/>
+                      <a:r>
+                        <a:rPr kumimoji="1" lang="en-US" altLang="ja-JP" sz="1000" dirty="0"/>
+                        <a:t>Hyper-V#1</a:t>
+                      </a:r>
+                      <a:endParaRPr kumimoji="1" lang="ja-JP" altLang="en-US" sz="1000" dirty="0"/>
+                    </a:p>
+                  </p:txBody>
+                </p:sp>
+                <p:sp>
+                  <p:nvSpPr>
+                    <p:cNvPr id="283" name="正方形/長方形 282">
+                      <a:extLst>
+                        <a:ext uri="{FF2B5EF4-FFF2-40B4-BE49-F238E27FC236}">
+                          <a16:creationId xmlns:a16="http://schemas.microsoft.com/office/drawing/2014/main" id="{3FD3018D-576C-46C6-877B-D7C04319549F}"/>
+                        </a:ext>
+                      </a:extLst>
+                    </p:cNvPr>
+                    <p:cNvSpPr/>
+                    <p:nvPr/>
+                  </p:nvSpPr>
+                  <p:spPr>
+                    <a:xfrm>
+                      <a:off x="1102628" y="2263050"/>
+                      <a:ext cx="144000" cy="144000"/>
+                    </a:xfrm>
+                    <a:prstGeom prst="rect">
+                      <a:avLst/>
+                    </a:prstGeom>
+                  </p:spPr>
+                  <p:style>
+                    <a:lnRef idx="2">
+                      <a:schemeClr val="accent1">
+                        <a:shade val="50000"/>
+                      </a:schemeClr>
+                    </a:lnRef>
+                    <a:fillRef idx="1">
+                      <a:schemeClr val="accent1"/>
+                    </a:fillRef>
+                    <a:effectRef idx="0">
+                      <a:schemeClr val="accent1"/>
+                    </a:effectRef>
+                    <a:fontRef idx="minor">
+                      <a:schemeClr val="lt1"/>
+                    </a:fontRef>
+                  </p:style>
+                  <p:txBody>
+                    <a:bodyPr rtlCol="0" anchor="ctr"/>
+                    <a:lstStyle/>
+                    <a:p>
+                      <a:pPr algn="ctr"/>
+                      <a:endParaRPr kumimoji="1" lang="ja-JP" altLang="en-US" sz="1000" dirty="0"/>
+                    </a:p>
+                  </p:txBody>
+                </p:sp>
+                <p:sp>
+                  <p:nvSpPr>
+                    <p:cNvPr id="284" name="正方形/長方形 283">
+                      <a:extLst>
+                        <a:ext uri="{FF2B5EF4-FFF2-40B4-BE49-F238E27FC236}">
+                          <a16:creationId xmlns:a16="http://schemas.microsoft.com/office/drawing/2014/main" id="{6F3795AF-C4D3-45BE-B778-68E1A7E86573}"/>
+                        </a:ext>
+                      </a:extLst>
+                    </p:cNvPr>
+                    <p:cNvSpPr/>
+                    <p:nvPr/>
+                  </p:nvSpPr>
+                  <p:spPr>
+                    <a:xfrm>
+                      <a:off x="1318628" y="2259721"/>
+                      <a:ext cx="144000" cy="144000"/>
+                    </a:xfrm>
+                    <a:prstGeom prst="rect">
+                      <a:avLst/>
+                    </a:prstGeom>
+                  </p:spPr>
+                  <p:style>
+                    <a:lnRef idx="2">
+                      <a:schemeClr val="accent1">
+                        <a:shade val="50000"/>
+                      </a:schemeClr>
+                    </a:lnRef>
+                    <a:fillRef idx="1">
+                      <a:schemeClr val="accent1"/>
+                    </a:fillRef>
+                    <a:effectRef idx="0">
+                      <a:schemeClr val="accent1"/>
+                    </a:effectRef>
+                    <a:fontRef idx="minor">
+                      <a:schemeClr val="lt1"/>
+                    </a:fontRef>
+                  </p:style>
+                  <p:txBody>
+                    <a:bodyPr rtlCol="0" anchor="ctr"/>
+                    <a:lstStyle/>
+                    <a:p>
+                      <a:pPr algn="ctr"/>
+                      <a:endParaRPr kumimoji="1" lang="ja-JP" altLang="en-US" sz="1000" dirty="0"/>
+                    </a:p>
+                  </p:txBody>
+                </p:sp>
+                <p:cxnSp>
+                  <p:nvCxnSpPr>
+                    <p:cNvPr id="285" name="直線コネクタ 284">
+                      <a:extLst>
+                        <a:ext uri="{FF2B5EF4-FFF2-40B4-BE49-F238E27FC236}">
+                          <a16:creationId xmlns:a16="http://schemas.microsoft.com/office/drawing/2014/main" id="{C355481A-2C42-43C7-B004-63EFADD0197F}"/>
+                        </a:ext>
+                      </a:extLst>
+                    </p:cNvPr>
+                    <p:cNvCxnSpPr>
+                      <a:stCxn id="283" idx="2"/>
+                      <a:endCxn id="293" idx="0"/>
+                    </p:cNvCxnSpPr>
+                    <p:nvPr/>
+                  </p:nvCxnSpPr>
+                  <p:spPr>
+                    <a:xfrm>
+                      <a:off x="1174628" y="2407050"/>
+                      <a:ext cx="0" cy="288465"/>
+                    </a:xfrm>
+                    <a:prstGeom prst="line">
+                      <a:avLst/>
+                    </a:prstGeom>
+                  </p:spPr>
+                  <p:style>
+                    <a:lnRef idx="1">
+                      <a:schemeClr val="dk1"/>
+                    </a:lnRef>
+                    <a:fillRef idx="0">
+                      <a:schemeClr val="dk1"/>
+                    </a:fillRef>
+                    <a:effectRef idx="0">
+                      <a:schemeClr val="dk1"/>
+                    </a:effectRef>
+                    <a:fontRef idx="minor">
+                      <a:schemeClr val="tx1"/>
+                    </a:fontRef>
+                  </p:style>
+                </p:cxnSp>
+                <p:cxnSp>
+                  <p:nvCxnSpPr>
+                    <p:cNvPr id="286" name="直線コネクタ 285">
+                      <a:extLst>
+                        <a:ext uri="{FF2B5EF4-FFF2-40B4-BE49-F238E27FC236}">
+                          <a16:creationId xmlns:a16="http://schemas.microsoft.com/office/drawing/2014/main" id="{93E5A2AC-51B3-447E-AD10-8CDBCD8576A7}"/>
+                        </a:ext>
+                      </a:extLst>
+                    </p:cNvPr>
+                    <p:cNvCxnSpPr>
+                      <a:stCxn id="284" idx="2"/>
+                      <a:endCxn id="294" idx="0"/>
+                    </p:cNvCxnSpPr>
+                    <p:nvPr/>
+                  </p:nvCxnSpPr>
+                  <p:spPr>
+                    <a:xfrm>
+                      <a:off x="1390628" y="2403721"/>
+                      <a:ext cx="0" cy="291794"/>
+                    </a:xfrm>
+                    <a:prstGeom prst="line">
+                      <a:avLst/>
+                    </a:prstGeom>
+                  </p:spPr>
+                  <p:style>
+                    <a:lnRef idx="1">
+                      <a:schemeClr val="dk1"/>
+                    </a:lnRef>
+                    <a:fillRef idx="0">
+                      <a:schemeClr val="dk1"/>
+                    </a:fillRef>
+                    <a:effectRef idx="0">
+                      <a:schemeClr val="dk1"/>
+                    </a:effectRef>
+                    <a:fontRef idx="minor">
+                      <a:schemeClr val="tx1"/>
+                    </a:fontRef>
+                  </p:style>
+                </p:cxnSp>
+                <p:grpSp>
+                  <p:nvGrpSpPr>
+                    <p:cNvPr id="287" name="グループ化 286">
+                      <a:extLst>
+                        <a:ext uri="{FF2B5EF4-FFF2-40B4-BE49-F238E27FC236}">
+                          <a16:creationId xmlns:a16="http://schemas.microsoft.com/office/drawing/2014/main" id="{8479FD39-CCC1-4EC0-AA37-64C6B114CB35}"/>
+                        </a:ext>
+                      </a:extLst>
+                    </p:cNvPr>
+                    <p:cNvGrpSpPr/>
+                    <p:nvPr/>
+                  </p:nvGrpSpPr>
+                  <p:grpSpPr>
+                    <a:xfrm>
+                      <a:off x="922628" y="2695515"/>
+                      <a:ext cx="720000" cy="1224000"/>
+                      <a:chOff x="922628" y="2565122"/>
+                      <a:chExt cx="720000" cy="1224000"/>
+                    </a:xfrm>
+                  </p:grpSpPr>
+                  <p:sp>
+                    <p:nvSpPr>
+                      <p:cNvPr id="291" name="正方形/長方形 290">
+                        <a:extLst>
+                          <a:ext uri="{FF2B5EF4-FFF2-40B4-BE49-F238E27FC236}">
+                            <a16:creationId xmlns:a16="http://schemas.microsoft.com/office/drawing/2014/main" id="{20F997E1-62C2-4E3D-8FE5-BA88BB2CE241}"/>
+                          </a:ext>
+                        </a:extLst>
+                      </p:cNvPr>
+                      <p:cNvSpPr/>
+                      <p:nvPr/>
+                    </p:nvSpPr>
+                    <p:spPr>
+                      <a:xfrm>
+                        <a:off x="922628" y="2709122"/>
+                        <a:ext cx="720000" cy="1080000"/>
+                      </a:xfrm>
+                      <a:prstGeom prst="rect">
+                        <a:avLst/>
+                      </a:prstGeom>
+                    </p:spPr>
+                    <p:style>
+                      <a:lnRef idx="2">
+                        <a:schemeClr val="accent1">
+                          <a:shade val="50000"/>
+                        </a:schemeClr>
+                      </a:lnRef>
+                      <a:fillRef idx="1">
+                        <a:schemeClr val="accent1"/>
+                      </a:fillRef>
+                      <a:effectRef idx="0">
+                        <a:schemeClr val="accent1"/>
+                      </a:effectRef>
+                      <a:fontRef idx="minor">
+                        <a:schemeClr val="lt1"/>
+                      </a:fontRef>
+                    </p:style>
+                    <p:txBody>
+                      <a:bodyPr rtlCol="0" anchor="b" anchorCtr="0"/>
+                      <a:lstStyle/>
+                      <a:p>
+                        <a:pPr algn="ctr"/>
+                        <a:r>
+                          <a:rPr kumimoji="1" lang="en-US" altLang="ja-JP" sz="1000" dirty="0"/>
+                          <a:t>VM#1</a:t>
+                        </a:r>
+                        <a:endParaRPr kumimoji="1" lang="ja-JP" altLang="en-US" sz="1000" dirty="0"/>
+                      </a:p>
+                    </p:txBody>
+                  </p:sp>
+                  <p:grpSp>
+                    <p:nvGrpSpPr>
+                      <p:cNvPr id="292" name="グループ化 291">
+                        <a:extLst>
+                          <a:ext uri="{FF2B5EF4-FFF2-40B4-BE49-F238E27FC236}">
+                            <a16:creationId xmlns:a16="http://schemas.microsoft.com/office/drawing/2014/main" id="{051DC383-65F6-471A-855C-7CD3FF8554BA}"/>
+                          </a:ext>
+                        </a:extLst>
+                      </p:cNvPr>
+                      <p:cNvGrpSpPr/>
+                      <p:nvPr/>
+                    </p:nvGrpSpPr>
+                    <p:grpSpPr>
+                      <a:xfrm>
+                        <a:off x="1102628" y="2565122"/>
+                        <a:ext cx="360000" cy="144000"/>
+                        <a:chOff x="5400000" y="2767876"/>
+                        <a:chExt cx="360000" cy="144000"/>
+                      </a:xfrm>
+                    </p:grpSpPr>
+                    <p:sp>
+                      <p:nvSpPr>
+                        <p:cNvPr id="293" name="正方形/長方形 292">
+                          <a:extLst>
+                            <a:ext uri="{FF2B5EF4-FFF2-40B4-BE49-F238E27FC236}">
+                              <a16:creationId xmlns:a16="http://schemas.microsoft.com/office/drawing/2014/main" id="{709F4B97-9952-45A6-A65B-8E2C5A483DDC}"/>
+                            </a:ext>
+                          </a:extLst>
+                        </p:cNvPr>
+                        <p:cNvSpPr/>
+                        <p:nvPr/>
+                      </p:nvSpPr>
+                      <p:spPr>
+                        <a:xfrm>
+                          <a:off x="5400000" y="2767876"/>
+                          <a:ext cx="144000" cy="144000"/>
+                        </a:xfrm>
+                        <a:prstGeom prst="rect">
+                          <a:avLst/>
+                        </a:prstGeom>
+                      </p:spPr>
+                      <p:style>
+                        <a:lnRef idx="2">
+                          <a:schemeClr val="accent1">
+                            <a:shade val="50000"/>
+                          </a:schemeClr>
+                        </a:lnRef>
+                        <a:fillRef idx="1">
+                          <a:schemeClr val="accent1"/>
+                        </a:fillRef>
+                        <a:effectRef idx="0">
+                          <a:schemeClr val="accent1"/>
+                        </a:effectRef>
+                        <a:fontRef idx="minor">
+                          <a:schemeClr val="lt1"/>
+                        </a:fontRef>
+                      </p:style>
+                      <p:txBody>
+                        <a:bodyPr rtlCol="0" anchor="ctr"/>
+                        <a:lstStyle/>
+                        <a:p>
+                          <a:pPr algn="ctr"/>
+                          <a:r>
+                            <a:rPr kumimoji="1" lang="en-US" altLang="ja-JP" sz="1000" dirty="0"/>
+                            <a:t>1</a:t>
+                          </a:r>
+                          <a:endParaRPr kumimoji="1" lang="ja-JP" altLang="en-US" sz="1000" dirty="0"/>
+                        </a:p>
+                      </p:txBody>
+                    </p:sp>
+                    <p:sp>
+                      <p:nvSpPr>
+                        <p:cNvPr id="294" name="正方形/長方形 293">
+                          <a:extLst>
+                            <a:ext uri="{FF2B5EF4-FFF2-40B4-BE49-F238E27FC236}">
+                              <a16:creationId xmlns:a16="http://schemas.microsoft.com/office/drawing/2014/main" id="{5C8316AE-D014-4C08-8943-0F9774D5D46A}"/>
+                            </a:ext>
+                          </a:extLst>
+                        </p:cNvPr>
+                        <p:cNvSpPr/>
+                        <p:nvPr/>
+                      </p:nvSpPr>
+                      <p:spPr>
+                        <a:xfrm>
+                          <a:off x="5616000" y="2767876"/>
+                          <a:ext cx="144000" cy="144000"/>
+                        </a:xfrm>
+                        <a:prstGeom prst="rect">
+                          <a:avLst/>
+                        </a:prstGeom>
+                      </p:spPr>
+                      <p:style>
+                        <a:lnRef idx="2">
+                          <a:schemeClr val="accent1">
+                            <a:shade val="50000"/>
+                          </a:schemeClr>
+                        </a:lnRef>
+                        <a:fillRef idx="1">
+                          <a:schemeClr val="accent1"/>
+                        </a:fillRef>
+                        <a:effectRef idx="0">
+                          <a:schemeClr val="accent1"/>
+                        </a:effectRef>
+                        <a:fontRef idx="minor">
+                          <a:schemeClr val="lt1"/>
+                        </a:fontRef>
+                      </p:style>
+                      <p:txBody>
+                        <a:bodyPr rtlCol="0" anchor="ctr"/>
+                        <a:lstStyle/>
+                        <a:p>
+                          <a:pPr algn="ctr"/>
+                          <a:r>
+                            <a:rPr kumimoji="1" lang="en-US" altLang="ja-JP" sz="1000" dirty="0"/>
+                            <a:t>2</a:t>
+                          </a:r>
+                          <a:endParaRPr kumimoji="1" lang="ja-JP" altLang="en-US" sz="1000" dirty="0"/>
+                        </a:p>
+                      </p:txBody>
+                    </p:sp>
+                  </p:grpSp>
+                </p:grpSp>
+                <p:grpSp>
+                  <p:nvGrpSpPr>
+                    <p:cNvPr id="288" name="グループ化 287">
+                      <a:extLst>
+                        <a:ext uri="{FF2B5EF4-FFF2-40B4-BE49-F238E27FC236}">
+                          <a16:creationId xmlns:a16="http://schemas.microsoft.com/office/drawing/2014/main" id="{C7858D03-5EB4-45C4-8EDA-69B8D84F761D}"/>
+                        </a:ext>
+                      </a:extLst>
+                    </p:cNvPr>
+                    <p:cNvGrpSpPr/>
+                    <p:nvPr/>
+                  </p:nvGrpSpPr>
+                  <p:grpSpPr>
+                    <a:xfrm>
+                      <a:off x="1102628" y="2952000"/>
+                      <a:ext cx="360000" cy="665401"/>
+                      <a:chOff x="1102628" y="2814237"/>
+                      <a:chExt cx="360000" cy="665401"/>
+                    </a:xfrm>
+                  </p:grpSpPr>
+                  <p:sp>
+                    <p:nvSpPr>
+                      <p:cNvPr id="289" name="フローチャート: 磁気ディスク 288">
+                        <a:extLst>
+                          <a:ext uri="{FF2B5EF4-FFF2-40B4-BE49-F238E27FC236}">
+                            <a16:creationId xmlns:a16="http://schemas.microsoft.com/office/drawing/2014/main" id="{ACD6BD32-952C-4D8C-850A-E36086358970}"/>
+                          </a:ext>
+                        </a:extLst>
+                      </p:cNvPr>
+                      <p:cNvSpPr/>
+                      <p:nvPr/>
+                    </p:nvSpPr>
+                    <p:spPr>
+                      <a:xfrm>
+                        <a:off x="1102628" y="3119638"/>
+                        <a:ext cx="360000" cy="360000"/>
+                      </a:xfrm>
+                      <a:prstGeom prst="flowChartMagneticDisk">
+                        <a:avLst/>
+                      </a:prstGeom>
+                      <a:ln w="12700">
+                        <a:solidFill>
+                          <a:schemeClr val="bg1"/>
+                        </a:solidFill>
+                      </a:ln>
+                    </p:spPr>
+                    <p:style>
+                      <a:lnRef idx="2">
+                        <a:schemeClr val="accent5">
+                          <a:shade val="50000"/>
+                        </a:schemeClr>
+                      </a:lnRef>
+                      <a:fillRef idx="1">
+                        <a:schemeClr val="accent5"/>
+                      </a:fillRef>
+                      <a:effectRef idx="0">
+                        <a:schemeClr val="accent5"/>
+                      </a:effectRef>
+                      <a:fontRef idx="minor">
+                        <a:schemeClr val="lt1"/>
+                      </a:fontRef>
+                    </p:style>
+                    <p:txBody>
+                      <a:bodyPr wrap="none" rtlCol="0" anchor="ctr"/>
+                      <a:lstStyle/>
+                      <a:p>
+                        <a:pPr algn="ctr"/>
+                        <a:r>
+                          <a:rPr kumimoji="1" lang="en-US" altLang="ja-JP" sz="1000" dirty="0"/>
+                          <a:t>MD</a:t>
+                        </a:r>
+                        <a:endParaRPr kumimoji="1" lang="ja-JP" altLang="en-US" sz="1000" dirty="0"/>
+                      </a:p>
+                    </p:txBody>
+                  </p:sp>
+                  <p:sp>
+                    <p:nvSpPr>
+                      <p:cNvPr id="290" name="正方形/長方形 289">
+                        <a:extLst>
+                          <a:ext uri="{FF2B5EF4-FFF2-40B4-BE49-F238E27FC236}">
+                            <a16:creationId xmlns:a16="http://schemas.microsoft.com/office/drawing/2014/main" id="{99902923-87E3-4269-B336-22288B7D727A}"/>
+                          </a:ext>
+                        </a:extLst>
+                      </p:cNvPr>
+                      <p:cNvSpPr/>
+                      <p:nvPr/>
+                    </p:nvSpPr>
+                    <p:spPr>
+                      <a:xfrm>
+                        <a:off x="1102628" y="2814237"/>
+                        <a:ext cx="360000" cy="216000"/>
+                      </a:xfrm>
+                      <a:prstGeom prst="rect">
+                        <a:avLst/>
+                      </a:prstGeom>
+                      <a:ln w="12700">
+                        <a:solidFill>
+                          <a:schemeClr val="bg1"/>
+                        </a:solidFill>
+                      </a:ln>
+                    </p:spPr>
+                    <p:style>
+                      <a:lnRef idx="2">
+                        <a:schemeClr val="accent5">
+                          <a:shade val="50000"/>
+                        </a:schemeClr>
+                      </a:lnRef>
+                      <a:fillRef idx="1">
+                        <a:schemeClr val="accent5"/>
+                      </a:fillRef>
+                      <a:effectRef idx="0">
+                        <a:schemeClr val="accent5"/>
+                      </a:effectRef>
+                      <a:fontRef idx="minor">
+                        <a:schemeClr val="lt1"/>
+                      </a:fontRef>
+                    </p:style>
+                    <p:txBody>
+                      <a:bodyPr rtlCol="0" anchor="ctr" anchorCtr="0"/>
+                      <a:lstStyle/>
+                      <a:p>
+                        <a:pPr algn="ctr"/>
+                        <a:r>
+                          <a:rPr kumimoji="1" lang="en-US" altLang="ja-JP" sz="1000" dirty="0"/>
+                          <a:t>EC</a:t>
+                        </a:r>
+                        <a:endParaRPr kumimoji="1" lang="ja-JP" altLang="en-US" sz="1000" dirty="0"/>
+                      </a:p>
+                    </p:txBody>
+                  </p:sp>
+                </p:grpSp>
+              </p:grpSp>
+              <p:grpSp>
+                <p:nvGrpSpPr>
+                  <p:cNvPr id="268" name="グループ化 267">
+                    <a:extLst>
+                      <a:ext uri="{FF2B5EF4-FFF2-40B4-BE49-F238E27FC236}">
+                        <a16:creationId xmlns:a16="http://schemas.microsoft.com/office/drawing/2014/main" id="{8EA716FF-3B08-4359-BE27-E04C7B31228C}"/>
+                      </a:ext>
+                    </a:extLst>
+                  </p:cNvPr>
+                  <p:cNvGrpSpPr/>
+                  <p:nvPr/>
+                </p:nvGrpSpPr>
+                <p:grpSpPr>
+                  <a:xfrm>
+                    <a:off x="2382067" y="2259721"/>
+                    <a:ext cx="1440000" cy="1947794"/>
+                    <a:chOff x="2382067" y="2259721"/>
+                    <a:chExt cx="1440000" cy="1947794"/>
+                  </a:xfrm>
+                </p:grpSpPr>
+                <p:sp>
+                  <p:nvSpPr>
+                    <p:cNvPr id="269" name="正方形/長方形 268">
+                      <a:extLst>
+                        <a:ext uri="{FF2B5EF4-FFF2-40B4-BE49-F238E27FC236}">
+                          <a16:creationId xmlns:a16="http://schemas.microsoft.com/office/drawing/2014/main" id="{FCE72717-3EBF-4BED-B398-01C25F59BFD9}"/>
+                        </a:ext>
+                      </a:extLst>
+                    </p:cNvPr>
+                    <p:cNvSpPr/>
+                    <p:nvPr/>
+                  </p:nvSpPr>
+                  <p:spPr>
+                    <a:xfrm>
+                      <a:off x="2382067" y="2407515"/>
+                      <a:ext cx="1440000" cy="1800000"/>
+                    </a:xfrm>
+                    <a:prstGeom prst="rect">
+                      <a:avLst/>
+                    </a:prstGeom>
+                    <a:solidFill>
+                      <a:schemeClr val="bg1">
+                        <a:lumMod val="65000"/>
+                      </a:schemeClr>
+                    </a:solidFill>
+                    <a:ln>
+                      <a:solidFill>
+                        <a:schemeClr val="accent1"/>
+                      </a:solidFill>
+                    </a:ln>
+                  </p:spPr>
+                  <p:style>
+                    <a:lnRef idx="2">
+                      <a:schemeClr val="accent3">
+                        <a:shade val="50000"/>
+                      </a:schemeClr>
+                    </a:lnRef>
+                    <a:fillRef idx="1">
+                      <a:schemeClr val="accent3"/>
+                    </a:fillRef>
+                    <a:effectRef idx="0">
+                      <a:schemeClr val="accent3"/>
+                    </a:effectRef>
+                    <a:fontRef idx="minor">
+                      <a:schemeClr val="lt1"/>
+                    </a:fontRef>
+                  </p:style>
+                  <p:txBody>
+                    <a:bodyPr rtlCol="0" anchor="b" anchorCtr="0"/>
+                    <a:lstStyle/>
+                    <a:p>
+                      <a:pPr algn="ctr"/>
+                      <a:r>
+                        <a:rPr lang="en-US" altLang="ja-JP" sz="1000" dirty="0"/>
+                        <a:t>Hyper-V</a:t>
+                      </a:r>
+                      <a:r>
+                        <a:rPr kumimoji="1" lang="en-US" altLang="ja-JP" sz="1000" dirty="0"/>
+                        <a:t>#2</a:t>
+                      </a:r>
+                      <a:endParaRPr kumimoji="1" lang="ja-JP" altLang="en-US" sz="1000" dirty="0"/>
+                    </a:p>
+                  </p:txBody>
+                </p:sp>
+                <p:sp>
+                  <p:nvSpPr>
+                    <p:cNvPr id="270" name="正方形/長方形 269">
+                      <a:extLst>
+                        <a:ext uri="{FF2B5EF4-FFF2-40B4-BE49-F238E27FC236}">
+                          <a16:creationId xmlns:a16="http://schemas.microsoft.com/office/drawing/2014/main" id="{61804A3E-7C45-48F4-B0C9-C4985324320D}"/>
+                        </a:ext>
+                      </a:extLst>
+                    </p:cNvPr>
+                    <p:cNvSpPr/>
+                    <p:nvPr/>
+                  </p:nvSpPr>
+                  <p:spPr>
+                    <a:xfrm>
+                      <a:off x="2922067" y="2263050"/>
+                      <a:ext cx="144000" cy="144000"/>
+                    </a:xfrm>
+                    <a:prstGeom prst="rect">
+                      <a:avLst/>
+                    </a:prstGeom>
+                  </p:spPr>
+                  <p:style>
+                    <a:lnRef idx="2">
+                      <a:schemeClr val="accent1">
+                        <a:shade val="50000"/>
+                      </a:schemeClr>
+                    </a:lnRef>
+                    <a:fillRef idx="1">
+                      <a:schemeClr val="accent1"/>
+                    </a:fillRef>
+                    <a:effectRef idx="0">
+                      <a:schemeClr val="accent1"/>
+                    </a:effectRef>
+                    <a:fontRef idx="minor">
+                      <a:schemeClr val="lt1"/>
+                    </a:fontRef>
+                  </p:style>
+                  <p:txBody>
+                    <a:bodyPr wrap="none" rtlCol="0" anchor="ctr"/>
+                    <a:lstStyle/>
+                    <a:p>
+                      <a:pPr algn="ctr"/>
+                      <a:endParaRPr kumimoji="1" lang="ja-JP" altLang="en-US" sz="1000" dirty="0"/>
+                    </a:p>
+                  </p:txBody>
+                </p:sp>
+                <p:sp>
+                  <p:nvSpPr>
+                    <p:cNvPr id="271" name="正方形/長方形 270">
+                      <a:extLst>
+                        <a:ext uri="{FF2B5EF4-FFF2-40B4-BE49-F238E27FC236}">
+                          <a16:creationId xmlns:a16="http://schemas.microsoft.com/office/drawing/2014/main" id="{5D53A83E-7170-46BB-85BC-967D41007EE8}"/>
+                        </a:ext>
+                      </a:extLst>
+                    </p:cNvPr>
+                    <p:cNvSpPr/>
+                    <p:nvPr/>
+                  </p:nvSpPr>
+                  <p:spPr>
+                    <a:xfrm>
+                      <a:off x="3138067" y="2259721"/>
+                      <a:ext cx="144000" cy="144000"/>
+                    </a:xfrm>
+                    <a:prstGeom prst="rect">
+                      <a:avLst/>
+                    </a:prstGeom>
+                  </p:spPr>
+                  <p:style>
+                    <a:lnRef idx="2">
+                      <a:schemeClr val="accent1">
+                        <a:shade val="50000"/>
+                      </a:schemeClr>
+                    </a:lnRef>
+                    <a:fillRef idx="1">
+                      <a:schemeClr val="accent1"/>
+                    </a:fillRef>
+                    <a:effectRef idx="0">
+                      <a:schemeClr val="accent1"/>
+                    </a:effectRef>
+                    <a:fontRef idx="minor">
+                      <a:schemeClr val="lt1"/>
+                    </a:fontRef>
+                  </p:style>
+                  <p:txBody>
+                    <a:bodyPr wrap="none" rtlCol="0" anchor="ctr"/>
+                    <a:lstStyle/>
+                    <a:p>
+                      <a:pPr algn="ctr"/>
+                      <a:endParaRPr kumimoji="1" lang="ja-JP" altLang="en-US" sz="1000" dirty="0"/>
+                    </a:p>
+                  </p:txBody>
+                </p:sp>
+                <p:cxnSp>
+                  <p:nvCxnSpPr>
+                    <p:cNvPr id="272" name="直線コネクタ 271">
+                      <a:extLst>
+                        <a:ext uri="{FF2B5EF4-FFF2-40B4-BE49-F238E27FC236}">
+                          <a16:creationId xmlns:a16="http://schemas.microsoft.com/office/drawing/2014/main" id="{73CB5180-6C95-475B-B3AB-C46BA6E0D8B5}"/>
+                        </a:ext>
+                      </a:extLst>
+                    </p:cNvPr>
+                    <p:cNvCxnSpPr>
+                      <a:stCxn id="270" idx="2"/>
+                      <a:endCxn id="280" idx="0"/>
+                    </p:cNvCxnSpPr>
+                    <p:nvPr/>
+                  </p:nvCxnSpPr>
+                  <p:spPr>
+                    <a:xfrm>
+                      <a:off x="2994067" y="2407050"/>
+                      <a:ext cx="0" cy="288465"/>
+                    </a:xfrm>
+                    <a:prstGeom prst="line">
+                      <a:avLst/>
+                    </a:prstGeom>
+                  </p:spPr>
+                  <p:style>
+                    <a:lnRef idx="1">
+                      <a:schemeClr val="dk1"/>
+                    </a:lnRef>
+                    <a:fillRef idx="0">
+                      <a:schemeClr val="dk1"/>
+                    </a:fillRef>
+                    <a:effectRef idx="0">
+                      <a:schemeClr val="dk1"/>
+                    </a:effectRef>
+                    <a:fontRef idx="minor">
+                      <a:schemeClr val="tx1"/>
+                    </a:fontRef>
+                  </p:style>
+                </p:cxnSp>
+                <p:cxnSp>
+                  <p:nvCxnSpPr>
+                    <p:cNvPr id="273" name="直線コネクタ 272">
+                      <a:extLst>
+                        <a:ext uri="{FF2B5EF4-FFF2-40B4-BE49-F238E27FC236}">
+                          <a16:creationId xmlns:a16="http://schemas.microsoft.com/office/drawing/2014/main" id="{6552EAE6-61DE-478C-9F81-991312E64B85}"/>
+                        </a:ext>
+                      </a:extLst>
+                    </p:cNvPr>
+                    <p:cNvCxnSpPr>
+                      <a:stCxn id="271" idx="2"/>
+                      <a:endCxn id="281" idx="0"/>
+                    </p:cNvCxnSpPr>
+                    <p:nvPr/>
+                  </p:nvCxnSpPr>
+                  <p:spPr>
+                    <a:xfrm>
+                      <a:off x="3210067" y="2403721"/>
+                      <a:ext cx="0" cy="291794"/>
+                    </a:xfrm>
+                    <a:prstGeom prst="line">
+                      <a:avLst/>
+                    </a:prstGeom>
+                  </p:spPr>
+                  <p:style>
+                    <a:lnRef idx="1">
+                      <a:schemeClr val="dk1"/>
+                    </a:lnRef>
+                    <a:fillRef idx="0">
+                      <a:schemeClr val="dk1"/>
+                    </a:fillRef>
+                    <a:effectRef idx="0">
+                      <a:schemeClr val="dk1"/>
+                    </a:effectRef>
+                    <a:fontRef idx="minor">
+                      <a:schemeClr val="tx1"/>
+                    </a:fontRef>
+                  </p:style>
+                </p:cxnSp>
+                <p:grpSp>
+                  <p:nvGrpSpPr>
+                    <p:cNvPr id="274" name="グループ化 273">
+                      <a:extLst>
+                        <a:ext uri="{FF2B5EF4-FFF2-40B4-BE49-F238E27FC236}">
+                          <a16:creationId xmlns:a16="http://schemas.microsoft.com/office/drawing/2014/main" id="{F14B76F9-E56B-499E-A4DF-0F9C231FB617}"/>
+                        </a:ext>
+                      </a:extLst>
+                    </p:cNvPr>
+                    <p:cNvGrpSpPr/>
+                    <p:nvPr/>
+                  </p:nvGrpSpPr>
+                  <p:grpSpPr>
+                    <a:xfrm>
+                      <a:off x="2742067" y="2695515"/>
+                      <a:ext cx="720000" cy="1224000"/>
+                      <a:chOff x="2742067" y="2565122"/>
+                      <a:chExt cx="720000" cy="1224000"/>
+                    </a:xfrm>
+                  </p:grpSpPr>
+                  <p:sp>
+                    <p:nvSpPr>
+                      <p:cNvPr id="278" name="正方形/長方形 277">
+                        <a:extLst>
+                          <a:ext uri="{FF2B5EF4-FFF2-40B4-BE49-F238E27FC236}">
+                            <a16:creationId xmlns:a16="http://schemas.microsoft.com/office/drawing/2014/main" id="{22E4DF3F-548D-479E-AFB6-280E6ECAB4AA}"/>
+                          </a:ext>
+                        </a:extLst>
+                      </p:cNvPr>
+                      <p:cNvSpPr/>
+                      <p:nvPr/>
+                    </p:nvSpPr>
+                    <p:spPr>
+                      <a:xfrm>
+                        <a:off x="2742067" y="2709122"/>
+                        <a:ext cx="720000" cy="1080000"/>
+                      </a:xfrm>
+                      <a:prstGeom prst="rect">
+                        <a:avLst/>
+                      </a:prstGeom>
+                    </p:spPr>
+                    <p:style>
+                      <a:lnRef idx="2">
+                        <a:schemeClr val="accent1">
+                          <a:shade val="50000"/>
+                        </a:schemeClr>
+                      </a:lnRef>
+                      <a:fillRef idx="1">
+                        <a:schemeClr val="accent1"/>
+                      </a:fillRef>
+                      <a:effectRef idx="0">
+                        <a:schemeClr val="accent1"/>
+                      </a:effectRef>
+                      <a:fontRef idx="minor">
+                        <a:schemeClr val="lt1"/>
+                      </a:fontRef>
+                    </p:style>
+                    <p:txBody>
+                      <a:bodyPr rtlCol="0" anchor="b" anchorCtr="0"/>
+                      <a:lstStyle/>
+                      <a:p>
+                        <a:pPr algn="ctr"/>
+                        <a:r>
+                          <a:rPr kumimoji="1" lang="en-US" altLang="ja-JP" sz="1000" dirty="0"/>
+                          <a:t>VM#2</a:t>
+                        </a:r>
+                        <a:endParaRPr kumimoji="1" lang="ja-JP" altLang="en-US" sz="1000" dirty="0"/>
+                      </a:p>
+                    </p:txBody>
+                  </p:sp>
+                  <p:grpSp>
+                    <p:nvGrpSpPr>
+                      <p:cNvPr id="279" name="グループ化 278">
+                        <a:extLst>
+                          <a:ext uri="{FF2B5EF4-FFF2-40B4-BE49-F238E27FC236}">
+                            <a16:creationId xmlns:a16="http://schemas.microsoft.com/office/drawing/2014/main" id="{19B46872-0EEF-4500-BF31-E40207E1244C}"/>
+                          </a:ext>
+                        </a:extLst>
+                      </p:cNvPr>
+                      <p:cNvGrpSpPr/>
+                      <p:nvPr/>
+                    </p:nvGrpSpPr>
+                    <p:grpSpPr>
+                      <a:xfrm>
+                        <a:off x="2922067" y="2565122"/>
+                        <a:ext cx="360000" cy="144000"/>
+                        <a:chOff x="5400000" y="2767876"/>
+                        <a:chExt cx="360000" cy="144000"/>
+                      </a:xfrm>
+                    </p:grpSpPr>
+                    <p:sp>
+                      <p:nvSpPr>
+                        <p:cNvPr id="280" name="正方形/長方形 279">
+                          <a:extLst>
+                            <a:ext uri="{FF2B5EF4-FFF2-40B4-BE49-F238E27FC236}">
+                              <a16:creationId xmlns:a16="http://schemas.microsoft.com/office/drawing/2014/main" id="{594FF4CA-89DF-49DB-8C8B-98AC5FD128E5}"/>
+                            </a:ext>
+                          </a:extLst>
+                        </p:cNvPr>
+                        <p:cNvSpPr/>
+                        <p:nvPr/>
+                      </p:nvSpPr>
+                      <p:spPr>
+                        <a:xfrm>
+                          <a:off x="5400000" y="2767876"/>
+                          <a:ext cx="144000" cy="144000"/>
+                        </a:xfrm>
+                        <a:prstGeom prst="rect">
+                          <a:avLst/>
+                        </a:prstGeom>
+                      </p:spPr>
+                      <p:style>
+                        <a:lnRef idx="2">
+                          <a:schemeClr val="accent1">
+                            <a:shade val="50000"/>
+                          </a:schemeClr>
+                        </a:lnRef>
+                        <a:fillRef idx="1">
+                          <a:schemeClr val="accent1"/>
+                        </a:fillRef>
+                        <a:effectRef idx="0">
+                          <a:schemeClr val="accent1"/>
+                        </a:effectRef>
+                        <a:fontRef idx="minor">
+                          <a:schemeClr val="lt1"/>
+                        </a:fontRef>
+                      </p:style>
+                      <p:txBody>
+                        <a:bodyPr wrap="none" rtlCol="0" anchor="ctr"/>
+                        <a:lstStyle/>
+                        <a:p>
+                          <a:pPr algn="ctr"/>
+                          <a:r>
+                            <a:rPr kumimoji="1" lang="en-US" altLang="ja-JP" sz="1000" dirty="0"/>
+                            <a:t>1’</a:t>
+                          </a:r>
+                          <a:endParaRPr kumimoji="1" lang="ja-JP" altLang="en-US" sz="1000" dirty="0"/>
+                        </a:p>
+                      </p:txBody>
+                    </p:sp>
+                    <p:sp>
+                      <p:nvSpPr>
+                        <p:cNvPr id="281" name="正方形/長方形 280">
+                          <a:extLst>
+                            <a:ext uri="{FF2B5EF4-FFF2-40B4-BE49-F238E27FC236}">
+                              <a16:creationId xmlns:a16="http://schemas.microsoft.com/office/drawing/2014/main" id="{E3FDF977-6492-4956-AAF9-FC5230AF1A4C}"/>
+                            </a:ext>
+                          </a:extLst>
+                        </p:cNvPr>
+                        <p:cNvSpPr/>
+                        <p:nvPr/>
+                      </p:nvSpPr>
+                      <p:spPr>
+                        <a:xfrm>
+                          <a:off x="5616000" y="2767876"/>
+                          <a:ext cx="144000" cy="144000"/>
+                        </a:xfrm>
+                        <a:prstGeom prst="rect">
+                          <a:avLst/>
+                        </a:prstGeom>
+                      </p:spPr>
+                      <p:style>
+                        <a:lnRef idx="2">
+                          <a:schemeClr val="accent1">
+                            <a:shade val="50000"/>
+                          </a:schemeClr>
+                        </a:lnRef>
+                        <a:fillRef idx="1">
+                          <a:schemeClr val="accent1"/>
+                        </a:fillRef>
+                        <a:effectRef idx="0">
+                          <a:schemeClr val="accent1"/>
+                        </a:effectRef>
+                        <a:fontRef idx="minor">
+                          <a:schemeClr val="lt1"/>
+                        </a:fontRef>
+                      </p:style>
+                      <p:txBody>
+                        <a:bodyPr wrap="none" rtlCol="0" anchor="ctr"/>
+                        <a:lstStyle/>
+                        <a:p>
+                          <a:pPr algn="ctr"/>
+                          <a:r>
+                            <a:rPr kumimoji="1" lang="en-US" altLang="ja-JP" sz="1000" dirty="0"/>
+                            <a:t>2’</a:t>
+                          </a:r>
+                          <a:endParaRPr kumimoji="1" lang="ja-JP" altLang="en-US" sz="1000" dirty="0"/>
+                        </a:p>
+                      </p:txBody>
+                    </p:sp>
+                  </p:grpSp>
+                </p:grpSp>
+                <p:grpSp>
+                  <p:nvGrpSpPr>
+                    <p:cNvPr id="275" name="グループ化 274">
+                      <a:extLst>
+                        <a:ext uri="{FF2B5EF4-FFF2-40B4-BE49-F238E27FC236}">
+                          <a16:creationId xmlns:a16="http://schemas.microsoft.com/office/drawing/2014/main" id="{EFAB6450-E6F3-44CE-B7AE-4D219CC49250}"/>
+                        </a:ext>
+                      </a:extLst>
+                    </p:cNvPr>
+                    <p:cNvGrpSpPr/>
+                    <p:nvPr/>
+                  </p:nvGrpSpPr>
+                  <p:grpSpPr>
+                    <a:xfrm>
+                      <a:off x="2922067" y="2952000"/>
+                      <a:ext cx="360000" cy="691159"/>
+                      <a:chOff x="2922067" y="2810318"/>
+                      <a:chExt cx="360000" cy="691159"/>
+                    </a:xfrm>
+                  </p:grpSpPr>
+                  <p:sp>
+                    <p:nvSpPr>
+                      <p:cNvPr id="276" name="フローチャート: 磁気ディスク 275">
+                        <a:extLst>
+                          <a:ext uri="{FF2B5EF4-FFF2-40B4-BE49-F238E27FC236}">
+                            <a16:creationId xmlns:a16="http://schemas.microsoft.com/office/drawing/2014/main" id="{547BD8A1-606D-4262-A348-B8A2640F15AD}"/>
+                          </a:ext>
+                        </a:extLst>
+                      </p:cNvPr>
+                      <p:cNvSpPr/>
+                      <p:nvPr/>
+                    </p:nvSpPr>
+                    <p:spPr>
+                      <a:xfrm>
+                        <a:off x="2922067" y="3141477"/>
+                        <a:ext cx="360000" cy="360000"/>
+                      </a:xfrm>
+                      <a:prstGeom prst="flowChartMagneticDisk">
+                        <a:avLst/>
+                      </a:prstGeom>
+                      <a:ln w="12700">
+                        <a:solidFill>
+                          <a:schemeClr val="bg1"/>
+                        </a:solidFill>
+                      </a:ln>
+                    </p:spPr>
+                    <p:style>
+                      <a:lnRef idx="2">
+                        <a:schemeClr val="accent5">
+                          <a:shade val="50000"/>
+                        </a:schemeClr>
+                      </a:lnRef>
+                      <a:fillRef idx="1">
+                        <a:schemeClr val="accent5"/>
+                      </a:fillRef>
+                      <a:effectRef idx="0">
+                        <a:schemeClr val="accent5"/>
+                      </a:effectRef>
+                      <a:fontRef idx="minor">
+                        <a:schemeClr val="lt1"/>
+                      </a:fontRef>
+                    </p:style>
+                    <p:txBody>
+                      <a:bodyPr wrap="none" rtlCol="0" anchor="ctr"/>
+                      <a:lstStyle/>
+                      <a:p>
+                        <a:pPr algn="ctr"/>
+                        <a:r>
+                          <a:rPr kumimoji="1" lang="en-US" altLang="ja-JP" sz="1000" dirty="0"/>
+                          <a:t>MD</a:t>
+                        </a:r>
+                        <a:endParaRPr kumimoji="1" lang="ja-JP" altLang="en-US" sz="1000" dirty="0"/>
+                      </a:p>
+                    </p:txBody>
+                  </p:sp>
+                  <p:sp>
+                    <p:nvSpPr>
+                      <p:cNvPr id="277" name="正方形/長方形 276">
+                        <a:extLst>
+                          <a:ext uri="{FF2B5EF4-FFF2-40B4-BE49-F238E27FC236}">
+                            <a16:creationId xmlns:a16="http://schemas.microsoft.com/office/drawing/2014/main" id="{9B3942F1-DC55-4EF1-9BDE-43EBEC83A99F}"/>
+                          </a:ext>
+                        </a:extLst>
+                      </p:cNvPr>
+                      <p:cNvSpPr/>
+                      <p:nvPr/>
+                    </p:nvSpPr>
+                    <p:spPr>
+                      <a:xfrm>
+                        <a:off x="2922067" y="2810318"/>
+                        <a:ext cx="360000" cy="216000"/>
+                      </a:xfrm>
+                      <a:prstGeom prst="rect">
+                        <a:avLst/>
+                      </a:prstGeom>
+                      <a:ln w="12700">
+                        <a:solidFill>
+                          <a:schemeClr val="bg1"/>
+                        </a:solidFill>
+                      </a:ln>
+                    </p:spPr>
+                    <p:style>
+                      <a:lnRef idx="2">
+                        <a:schemeClr val="accent5">
+                          <a:shade val="50000"/>
+                        </a:schemeClr>
+                      </a:lnRef>
+                      <a:fillRef idx="1">
+                        <a:schemeClr val="accent5"/>
+                      </a:fillRef>
+                      <a:effectRef idx="0">
+                        <a:schemeClr val="accent5"/>
+                      </a:effectRef>
+                      <a:fontRef idx="minor">
+                        <a:schemeClr val="lt1"/>
+                      </a:fontRef>
+                    </p:style>
+                    <p:txBody>
+                      <a:bodyPr rtlCol="0" anchor="ctr" anchorCtr="0"/>
+                      <a:lstStyle/>
+                      <a:p>
+                        <a:pPr algn="ctr"/>
+                        <a:r>
+                          <a:rPr kumimoji="1" lang="en-US" altLang="ja-JP" sz="1000" dirty="0"/>
+                          <a:t>EC</a:t>
+                        </a:r>
+                        <a:endParaRPr kumimoji="1" lang="ja-JP" altLang="en-US" sz="1000" dirty="0"/>
+                      </a:p>
+                    </p:txBody>
+                  </p:sp>
+                </p:grpSp>
+              </p:grpSp>
+            </p:grpSp>
+          </p:grpSp>
+        </p:grpSp>
+        <p:sp>
+          <p:nvSpPr>
+            <p:cNvPr id="251" name="正方形/長方形 250">
+              <a:extLst>
+                <a:ext uri="{FF2B5EF4-FFF2-40B4-BE49-F238E27FC236}">
+                  <a16:creationId xmlns:a16="http://schemas.microsoft.com/office/drawing/2014/main" id="{CC460690-E7EF-474F-A569-1733132BCA7B}"/>
+                </a:ext>
+              </a:extLst>
+            </p:cNvPr>
+            <p:cNvSpPr/>
+            <p:nvPr/>
+          </p:nvSpPr>
+          <p:spPr>
+            <a:xfrm>
+              <a:off x="3914604" y="4005080"/>
+              <a:ext cx="144000" cy="144000"/>
+            </a:xfrm>
+            <a:prstGeom prst="rect">
+              <a:avLst/>
+            </a:prstGeom>
+          </p:spPr>
+          <p:style>
+            <a:lnRef idx="2">
+              <a:schemeClr val="accent1">
+                <a:shade val="50000"/>
+              </a:schemeClr>
+            </a:lnRef>
+            <a:fillRef idx="1">
+              <a:schemeClr val="accent1"/>
+            </a:fillRef>
+            <a:effectRef idx="0">
+              <a:schemeClr val="accent1"/>
+            </a:effectRef>
+            <a:fontRef idx="minor">
+              <a:schemeClr val="lt1"/>
+            </a:fontRef>
+          </p:style>
+          <p:txBody>
+            <a:bodyPr rtlCol="0" anchor="ctr"/>
+            <a:lstStyle/>
+            <a:p>
+              <a:pPr algn="ctr"/>
+              <a:r>
+                <a:rPr kumimoji="1" lang="en-US" altLang="ja-JP" sz="1000" dirty="0"/>
+                <a:t>3</a:t>
+              </a:r>
+              <a:endParaRPr kumimoji="1" lang="ja-JP" altLang="en-US" sz="1000" dirty="0"/>
+            </a:p>
+          </p:txBody>
+        </p:sp>
+        <p:sp>
+          <p:nvSpPr>
+            <p:cNvPr id="252" name="正方形/長方形 251">
+              <a:extLst>
+                <a:ext uri="{FF2B5EF4-FFF2-40B4-BE49-F238E27FC236}">
+                  <a16:creationId xmlns:a16="http://schemas.microsoft.com/office/drawing/2014/main" id="{EC21E20F-5D48-47AD-83FF-CC763A154388}"/>
+                </a:ext>
+              </a:extLst>
+            </p:cNvPr>
+            <p:cNvSpPr/>
+            <p:nvPr/>
+          </p:nvSpPr>
+          <p:spPr>
+            <a:xfrm>
+              <a:off x="5728970" y="4005080"/>
+              <a:ext cx="144000" cy="144000"/>
+            </a:xfrm>
+            <a:prstGeom prst="rect">
+              <a:avLst/>
+            </a:prstGeom>
+          </p:spPr>
+          <p:style>
+            <a:lnRef idx="2">
+              <a:schemeClr val="accent1">
+                <a:shade val="50000"/>
+              </a:schemeClr>
+            </a:lnRef>
+            <a:fillRef idx="1">
+              <a:schemeClr val="accent1"/>
+            </a:fillRef>
+            <a:effectRef idx="0">
+              <a:schemeClr val="accent1"/>
+            </a:effectRef>
+            <a:fontRef idx="minor">
+              <a:schemeClr val="lt1"/>
+            </a:fontRef>
+          </p:style>
+          <p:txBody>
+            <a:bodyPr wrap="none" rtlCol="0" anchor="ctr"/>
+            <a:lstStyle/>
+            <a:p>
+              <a:pPr algn="ctr"/>
+              <a:r>
+                <a:rPr kumimoji="1" lang="en-US" altLang="ja-JP" sz="1000" dirty="0"/>
+                <a:t>3’</a:t>
+              </a:r>
+              <a:endParaRPr kumimoji="1" lang="ja-JP" altLang="en-US" sz="1000" dirty="0"/>
+            </a:p>
+          </p:txBody>
+        </p:sp>
+        <p:sp>
+          <p:nvSpPr>
+            <p:cNvPr id="253" name="正方形/長方形 252">
+              <a:extLst>
+                <a:ext uri="{FF2B5EF4-FFF2-40B4-BE49-F238E27FC236}">
+                  <a16:creationId xmlns:a16="http://schemas.microsoft.com/office/drawing/2014/main" id="{FD10376D-DA9F-4999-A8A2-7CB79B49EA16}"/>
+                </a:ext>
+              </a:extLst>
+            </p:cNvPr>
+            <p:cNvSpPr/>
+            <p:nvPr/>
+          </p:nvSpPr>
+          <p:spPr>
+            <a:xfrm>
+              <a:off x="4320602" y="3597124"/>
+              <a:ext cx="144000" cy="144000"/>
+            </a:xfrm>
+            <a:prstGeom prst="rect">
+              <a:avLst/>
+            </a:prstGeom>
+          </p:spPr>
+          <p:style>
+            <a:lnRef idx="2">
+              <a:schemeClr val="accent1">
+                <a:shade val="50000"/>
+              </a:schemeClr>
+            </a:lnRef>
+            <a:fillRef idx="1">
+              <a:schemeClr val="accent1"/>
+            </a:fillRef>
+            <a:effectRef idx="0">
+              <a:schemeClr val="accent1"/>
+            </a:effectRef>
+            <a:fontRef idx="minor">
+              <a:schemeClr val="lt1"/>
+            </a:fontRef>
+          </p:style>
+          <p:txBody>
+            <a:bodyPr rtlCol="0" anchor="ctr"/>
+            <a:lstStyle/>
+            <a:p>
+              <a:pPr algn="ctr"/>
+              <a:endParaRPr kumimoji="1" lang="ja-JP" altLang="en-US" sz="1000"/>
+            </a:p>
+          </p:txBody>
+        </p:sp>
+        <p:sp>
+          <p:nvSpPr>
+            <p:cNvPr id="254" name="正方形/長方形 253">
+              <a:extLst>
+                <a:ext uri="{FF2B5EF4-FFF2-40B4-BE49-F238E27FC236}">
+                  <a16:creationId xmlns:a16="http://schemas.microsoft.com/office/drawing/2014/main" id="{91844832-A5B9-4789-BD08-F0BD934E58D0}"/>
+                </a:ext>
+              </a:extLst>
+            </p:cNvPr>
+            <p:cNvSpPr/>
+            <p:nvPr/>
+          </p:nvSpPr>
+          <p:spPr>
+            <a:xfrm>
+              <a:off x="4686008" y="3597124"/>
+              <a:ext cx="144000" cy="144000"/>
+            </a:xfrm>
+            <a:prstGeom prst="rect">
+              <a:avLst/>
+            </a:prstGeom>
+          </p:spPr>
+          <p:style>
+            <a:lnRef idx="2">
+              <a:schemeClr val="accent1">
+                <a:shade val="50000"/>
+              </a:schemeClr>
+            </a:lnRef>
+            <a:fillRef idx="1">
+              <a:schemeClr val="accent1"/>
+            </a:fillRef>
+            <a:effectRef idx="0">
+              <a:schemeClr val="accent1"/>
+            </a:effectRef>
+            <a:fontRef idx="minor">
+              <a:schemeClr val="lt1"/>
+            </a:fontRef>
+          </p:style>
+          <p:txBody>
+            <a:bodyPr rtlCol="0" anchor="ctr"/>
+            <a:lstStyle/>
+            <a:p>
+              <a:pPr algn="ctr"/>
+              <a:endParaRPr kumimoji="1" lang="ja-JP" altLang="en-US" sz="1000"/>
+            </a:p>
+          </p:txBody>
+        </p:sp>
+        <p:cxnSp>
+          <p:nvCxnSpPr>
+            <p:cNvPr id="255" name="直線コネクタ 254">
+              <a:extLst>
+                <a:ext uri="{FF2B5EF4-FFF2-40B4-BE49-F238E27FC236}">
+                  <a16:creationId xmlns:a16="http://schemas.microsoft.com/office/drawing/2014/main" id="{C31C0981-67A8-437A-BAE2-1E5CCBA577C3}"/>
+                </a:ext>
+              </a:extLst>
+            </p:cNvPr>
+            <p:cNvCxnSpPr>
+              <a:cxnSpLocks/>
+              <a:stCxn id="253" idx="2"/>
+              <a:endCxn id="251" idx="0"/>
+            </p:cNvCxnSpPr>
+            <p:nvPr/>
+          </p:nvCxnSpPr>
+          <p:spPr>
+            <a:xfrm flipH="1">
+              <a:off x="3986604" y="3741124"/>
+              <a:ext cx="405998" cy="263956"/>
+            </a:xfrm>
+            <a:prstGeom prst="line">
+              <a:avLst/>
+            </a:prstGeom>
+          </p:spPr>
+          <p:style>
+            <a:lnRef idx="1">
+              <a:schemeClr val="dk1"/>
+            </a:lnRef>
+            <a:fillRef idx="0">
+              <a:schemeClr val="dk1"/>
+            </a:fillRef>
+            <a:effectRef idx="0">
+              <a:schemeClr val="dk1"/>
+            </a:effectRef>
+            <a:fontRef idx="minor">
+              <a:schemeClr val="tx1"/>
+            </a:fontRef>
+          </p:style>
+        </p:cxnSp>
+        <p:cxnSp>
+          <p:nvCxnSpPr>
+            <p:cNvPr id="256" name="直線コネクタ 255">
+              <a:extLst>
+                <a:ext uri="{FF2B5EF4-FFF2-40B4-BE49-F238E27FC236}">
+                  <a16:creationId xmlns:a16="http://schemas.microsoft.com/office/drawing/2014/main" id="{814BEE44-13F1-4CA3-A869-D8FB4C55A47D}"/>
+                </a:ext>
+              </a:extLst>
+            </p:cNvPr>
+            <p:cNvCxnSpPr>
+              <a:cxnSpLocks/>
+              <a:stCxn id="301" idx="2"/>
+              <a:endCxn id="252" idx="0"/>
+            </p:cNvCxnSpPr>
+            <p:nvPr/>
+          </p:nvCxnSpPr>
+          <p:spPr>
+            <a:xfrm>
+              <a:off x="5040839" y="3741124"/>
+              <a:ext cx="760131" cy="263956"/>
+            </a:xfrm>
+            <a:prstGeom prst="line">
+              <a:avLst/>
+            </a:prstGeom>
+          </p:spPr>
+          <p:style>
+            <a:lnRef idx="1">
+              <a:schemeClr val="dk1"/>
+            </a:lnRef>
+            <a:fillRef idx="0">
+              <a:schemeClr val="dk1"/>
+            </a:fillRef>
+            <a:effectRef idx="0">
+              <a:schemeClr val="dk1"/>
+            </a:effectRef>
+            <a:fontRef idx="minor">
+              <a:schemeClr val="tx1"/>
+            </a:fontRef>
+          </p:style>
+        </p:cxnSp>
+      </p:grpSp>
+      <p:sp>
+        <p:nvSpPr>
+          <p:cNvPr id="304" name="テキスト ボックス 303">
+            <a:extLst>
+              <a:ext uri="{FF2B5EF4-FFF2-40B4-BE49-F238E27FC236}">
+                <a16:creationId xmlns:a16="http://schemas.microsoft.com/office/drawing/2014/main" id="{3EFBE6D2-DB15-41D3-AEF5-81C62A461545}"/>
+              </a:ext>
+            </a:extLst>
+          </p:cNvPr>
+          <p:cNvSpPr txBox="1"/>
+          <p:nvPr/>
+        </p:nvSpPr>
+        <p:spPr>
+          <a:xfrm>
+            <a:off x="5040000" y="360000"/>
+            <a:ext cx="3413114" cy="1323439"/>
+          </a:xfrm>
+          <a:prstGeom prst="rect">
+            <a:avLst/>
+          </a:prstGeom>
+          <a:noFill/>
+        </p:spPr>
+        <p:txBody>
+          <a:bodyPr wrap="none" rtlCol="0">
+            <a:spAutoFit/>
+          </a:bodyPr>
+          <a:lstStyle/>
+          <a:p>
+            <a:r>
+              <a:rPr kumimoji="1" lang="en-US" altLang="ja-JP" sz="1000" dirty="0"/>
+              <a:t>Hyper-V#1	172.31.255.101 </a:t>
+            </a:r>
+            <a:r>
+              <a:rPr lang="en-US" altLang="ja-JP" sz="1000" dirty="0"/>
+              <a:t>( </a:t>
+            </a:r>
+            <a:r>
+              <a:rPr kumimoji="1" lang="en-US" altLang="ja-JP" sz="1000" dirty="0"/>
+              <a:t>3 )</a:t>
+            </a:r>
+          </a:p>
+          <a:p>
+            <a:r>
+              <a:rPr kumimoji="1" lang="en-US" altLang="ja-JP" sz="1000" dirty="0"/>
+              <a:t>Hyper-V#2	172.31.255.1</a:t>
+            </a:r>
+            <a:r>
+              <a:rPr lang="en-US" altLang="ja-JP" sz="1000" dirty="0"/>
+              <a:t>02 ( 3’ )</a:t>
+            </a:r>
+          </a:p>
+          <a:p>
+            <a:r>
+              <a:rPr lang="en-US" altLang="ja-JP" sz="1000" dirty="0"/>
+              <a:t>Witness	172.31.255.110</a:t>
+            </a:r>
+            <a:endParaRPr kumimoji="1" lang="en-US" altLang="ja-JP" sz="1000" dirty="0"/>
+          </a:p>
+          <a:p>
+            <a:r>
+              <a:rPr lang="en-US" altLang="ja-JP" sz="1000" dirty="0"/>
+              <a:t>VM#1	172.31.255.111 ( 1 ) / </a:t>
+            </a:r>
+            <a:r>
+              <a:rPr kumimoji="1" lang="en-US" altLang="ja-JP" sz="1000" dirty="0"/>
+              <a:t>192.168.137.111 ( 2 )</a:t>
+            </a:r>
+          </a:p>
+          <a:p>
+            <a:r>
+              <a:rPr kumimoji="1" lang="en-US" altLang="ja-JP" sz="1000" dirty="0"/>
+              <a:t>VM#2	</a:t>
+            </a:r>
+            <a:r>
+              <a:rPr kumimoji="1" lang="en-US" altLang="ja-JP" sz="1000"/>
+              <a:t>172.31.255.112 ( 1</a:t>
+            </a:r>
+            <a:r>
+              <a:rPr kumimoji="1" lang="en-US" altLang="ja-JP" sz="1000" dirty="0"/>
+              <a:t>’ ) / 191.168.137.112 ( 2’ )</a:t>
+            </a:r>
+          </a:p>
+          <a:p>
+            <a:endParaRPr lang="en-US" altLang="ja-JP" sz="1000" dirty="0"/>
+          </a:p>
+          <a:p>
+            <a:r>
+              <a:rPr kumimoji="1" lang="en-US" altLang="ja-JP" sz="1000" dirty="0"/>
+              <a:t>MD Cluster Partition	E:</a:t>
+            </a:r>
+          </a:p>
+          <a:p>
+            <a:r>
+              <a:rPr lang="en-US" altLang="ja-JP" sz="1000" dirty="0"/>
+              <a:t>MD Data Partition	F:</a:t>
+            </a:r>
+            <a:endParaRPr kumimoji="1" lang="ja-JP" altLang="en-US" sz="1000" dirty="0"/>
+          </a:p>
+        </p:txBody>
+      </p:sp>
+    </p:spTree>
+    <p:extLst>
+      <p:ext uri="{BB962C8B-B14F-4D97-AF65-F5344CB8AC3E}">
+        <p14:creationId xmlns:p14="http://schemas.microsoft.com/office/powerpoint/2010/main" val="3608535798"/>
       </p:ext>
     </p:extLst>
   </p:cSld>
